--- a/Document/TO-BE 정의서 미완.pptx
+++ b/Document/TO-BE 정의서 미완.pptx
@@ -18702,7 +18702,7 @@
         </p:nvSpPr>
         <p:spPr>
           <a:xfrm>
-            <a:off x="1700409" y="2749143"/>
+            <a:off x="2276472" y="1851947"/>
             <a:ext cx="5683398" cy="646331"/>
           </a:xfrm>
           <a:prstGeom prst="rect">
@@ -18722,7 +18722,7 @@
                   <a:srgbClr val="0070C0"/>
                 </a:solidFill>
               </a:rPr>
-              <a:t>생성된 </a:t>
+              <a:t>사용자</a:t>
             </a:r>
             <a:r>
               <a:rPr lang="en-US" altLang="ko-KR" dirty="0">
@@ -18730,7 +18730,7 @@
                   <a:srgbClr val="0070C0"/>
                 </a:solidFill>
               </a:rPr>
-              <a:t>PO</a:t>
+              <a:t>(</a:t>
             </a:r>
             <a:r>
               <a:rPr lang="ko-KR" altLang="en-US" dirty="0">
@@ -18738,7 +18738,65 @@
                   <a:srgbClr val="0070C0"/>
                 </a:solidFill>
               </a:rPr>
-              <a:t>와 시스템에 저장된 재고 수량을 기준으로</a:t>
+              <a:t>창고 담당자</a:t>
+            </a:r>
+            <a:r>
+              <a:rPr lang="en-US" altLang="ko-KR" dirty="0">
+                <a:solidFill>
+                  <a:srgbClr val="0070C0"/>
+                </a:solidFill>
+              </a:rPr>
+              <a:t>)</a:t>
+            </a:r>
+            <a:r>
+              <a:rPr lang="ko-KR" altLang="en-US" dirty="0">
+                <a:solidFill>
+                  <a:srgbClr val="0070C0"/>
+                </a:solidFill>
+              </a:rPr>
+              <a:t>가 </a:t>
+            </a:r>
+            <a:r>
+              <a:rPr lang="ko-KR" altLang="en-US" dirty="0" err="1">
+                <a:solidFill>
+                  <a:srgbClr val="0070C0"/>
+                </a:solidFill>
+              </a:rPr>
+              <a:t>벤더별로</a:t>
+            </a:r>
+            <a:r>
+              <a:rPr lang="ko-KR" altLang="en-US" dirty="0">
+                <a:solidFill>
+                  <a:srgbClr val="0070C0"/>
+                </a:solidFill>
+              </a:rPr>
+              <a:t> 입고된 </a:t>
+            </a:r>
+          </a:p>
+          <a:p>
+            <a:r>
+              <a:rPr lang="ko-KR" altLang="en-US" dirty="0">
+                <a:solidFill>
+                  <a:srgbClr val="0070C0"/>
+                </a:solidFill>
+              </a:rPr>
+              <a:t>재고 리스트 파일을 업로드하여 확인 후 </a:t>
+            </a:r>
+            <a:r>
+              <a:rPr lang="en-US" altLang="ko-KR" dirty="0">
+                <a:solidFill>
+                  <a:srgbClr val="0070C0"/>
+                </a:solidFill>
+              </a:rPr>
+              <a:t>GR </a:t>
+            </a:r>
+            <a:r>
+              <a:rPr lang="ko-KR" altLang="en-US" dirty="0">
+                <a:solidFill>
+                  <a:srgbClr val="0070C0"/>
+                </a:solidFill>
+              </a:rPr>
+              <a:t>발행</a:t>
             </a:r>
             <a:endParaRPr lang="en-US" altLang="ko-KR" dirty="0">
               <a:solidFill>
@@ -18746,31 +18804,65 @@
               </a:solidFill>
             </a:endParaRPr>
           </a:p>
-          <a:p>
-            <a:r>
-              <a:rPr lang="en-US" altLang="ko-KR" dirty="0">
+        </p:txBody>
+      </p:sp>
+      <p:sp>
+        <p:nvSpPr>
+          <p:cNvPr id="43" name="TextBox 42">
+            <a:extLst>
+              <a:ext uri="{FF2B5EF4-FFF2-40B4-BE49-F238E27FC236}">
+                <a16:creationId xmlns:a16="http://schemas.microsoft.com/office/drawing/2014/main" id="{59AF12BC-E2EF-4987-95F5-2AAE710DBA91}"/>
+              </a:ext>
+            </a:extLst>
+          </p:cNvPr>
+          <p:cNvSpPr txBox="1"/>
+          <p:nvPr/>
+        </p:nvSpPr>
+        <p:spPr>
+          <a:xfrm>
+            <a:off x="4427219" y="4018048"/>
+            <a:ext cx="5683398" cy="369332"/>
+          </a:xfrm>
+          <a:prstGeom prst="rect">
+            <a:avLst/>
+          </a:prstGeom>
+          <a:noFill/>
+        </p:spPr>
+        <p:txBody>
+          <a:bodyPr wrap="square" rtlCol="0">
+            <a:spAutoFit/>
+          </a:bodyPr>
+          <a:lstStyle/>
+          <a:p>
+            <a:r>
+              <a:rPr lang="ko-KR" altLang="en-US" dirty="0" smtClean="0">
                 <a:solidFill>
                   <a:srgbClr val="0070C0"/>
                 </a:solidFill>
               </a:rPr>
-              <a:t>…..?? (</a:t>
-            </a:r>
-            <a:r>
-              <a:rPr lang="ko-KR" altLang="en-US" dirty="0">
+              <a:t>현재 </a:t>
+            </a:r>
+            <a:r>
+              <a:rPr lang="ko-KR" altLang="en-US" smtClean="0">
                 <a:solidFill>
                   <a:srgbClr val="0070C0"/>
                 </a:solidFill>
               </a:rPr>
-              <a:t>정윤님 프로그램을 잘 이해 못한 사람</a:t>
-            </a:r>
-            <a:r>
-              <a:rPr lang="en-US" altLang="ko-KR" dirty="0">
+              <a:t>재고 조회 및 생성 </a:t>
+            </a:r>
+            <a:r>
+              <a:rPr lang="ko-KR" altLang="en-US" dirty="0" smtClean="0">
                 <a:solidFill>
                   <a:srgbClr val="0070C0"/>
                 </a:solidFill>
               </a:rPr>
-              <a:t>)</a:t>
-            </a:r>
+              <a:t>가능</a:t>
+            </a:r>
+            <a:endParaRPr lang="ko-KR" altLang="en-US" dirty="0">
+              <a:solidFill>
+                <a:srgbClr val="0070C0"/>
+              </a:solidFill>
+            </a:endParaRPr>
           </a:p>
         </p:txBody>
       </p:sp>

--- a/Document/TO-BE 정의서 미완.pptx
+++ b/Document/TO-BE 정의서 미완.pptx
@@ -11,11 +11,12 @@
     <p:sldId id="265" r:id="rId5"/>
     <p:sldId id="266" r:id="rId6"/>
     <p:sldId id="267" r:id="rId7"/>
-    <p:sldId id="259" r:id="rId8"/>
-    <p:sldId id="260" r:id="rId9"/>
-    <p:sldId id="261" r:id="rId10"/>
-    <p:sldId id="262" r:id="rId11"/>
-    <p:sldId id="263" r:id="rId12"/>
+    <p:sldId id="268" r:id="rId8"/>
+    <p:sldId id="259" r:id="rId9"/>
+    <p:sldId id="260" r:id="rId10"/>
+    <p:sldId id="261" r:id="rId11"/>
+    <p:sldId id="262" r:id="rId12"/>
+    <p:sldId id="263" r:id="rId13"/>
   </p:sldIdLst>
   <p:sldSz cx="9144000" cy="6858000" type="screen4x3"/>
   <p:notesSz cx="6858000" cy="9144000"/>
@@ -116,7 +117,7 @@
   </p:defaultTextStyle>
   <p:extLst>
     <p:ext uri="{EFAFB233-063F-42B5-8137-9DF3F51BA10A}">
-      <p15:sldGuideLst xmlns:p15="http://schemas.microsoft.com/office/powerpoint/2012/main">
+      <p15:sldGuideLst xmlns:p15="http://schemas.microsoft.com/office/powerpoint/2012/main" xmlns="">
         <p15:guide id="1" orient="horz" pos="2160">
           <p15:clr>
             <a:srgbClr val="A4A3A4"/>
@@ -4795,13 +4796,7 @@
           <a:lstStyle/>
           <a:p>
             <a:pPr algn="ctr"/>
-            <a:endParaRPr lang="ko-KR" altLang="en-US">
-              <a:solidFill>
-                <a:schemeClr val="bg1">
-                  <a:lumMod val="95000"/>
-                </a:schemeClr>
-              </a:solidFill>
-            </a:endParaRPr>
+            <a:endParaRPr lang="ko-KR" altLang="en-US"/>
           </a:p>
         </p:txBody>
       </p:sp>
@@ -5147,9 +5142,7 @@
           </a:solidFill>
           <a:ln>
             <a:solidFill>
-              <a:schemeClr val="bg1">
-                <a:lumMod val="95000"/>
-              </a:schemeClr>
+              <a:schemeClr val="accent1"/>
             </a:solidFill>
           </a:ln>
         </p:spPr>
@@ -5177,9 +5170,7 @@
             <a:r>
               <a:rPr lang="en-US" altLang="ko-KR" sz="1300" b="1" dirty="0">
                 <a:solidFill>
-                  <a:schemeClr val="bg1">
-                    <a:lumMod val="95000"/>
-                  </a:schemeClr>
+                  <a:schemeClr val="tx1"/>
                 </a:solidFill>
                 <a:latin typeface="배달의민족 한나체 Pro" pitchFamily="50" charset="-127"/>
                 <a:ea typeface="배달의민족 한나체 Pro" pitchFamily="50" charset="-127"/>
@@ -5189,9 +5180,7 @@
             <a:r>
               <a:rPr lang="ko-KR" altLang="en-US" sz="1300" b="1" dirty="0">
                 <a:solidFill>
-                  <a:schemeClr val="bg1">
-                    <a:lumMod val="95000"/>
-                  </a:schemeClr>
+                  <a:schemeClr val="tx1"/>
                 </a:solidFill>
                 <a:latin typeface="배달의민족 한나체 Pro" pitchFamily="50" charset="-127"/>
                 <a:ea typeface="배달의민족 한나체 Pro" pitchFamily="50" charset="-127"/>
@@ -5220,8 +5209,9 @@
           </a:solidFill>
           <a:ln>
             <a:solidFill>
-              <a:schemeClr val="bg1">
-                <a:lumMod val="95000"/>
+              <a:schemeClr val="tx2">
+                <a:lumMod val="60000"/>
+                <a:lumOff val="40000"/>
               </a:schemeClr>
             </a:solidFill>
           </a:ln>
@@ -5250,9 +5240,7 @@
             <a:r>
               <a:rPr lang="en-US" altLang="ko-KR" sz="1600" b="1" dirty="0">
                 <a:solidFill>
-                  <a:schemeClr val="bg1">
-                    <a:lumMod val="95000"/>
-                  </a:schemeClr>
+                  <a:schemeClr val="tx1"/>
                 </a:solidFill>
                 <a:latin typeface="배달의민족 한나체 Pro" pitchFamily="50" charset="-127"/>
                 <a:ea typeface="배달의민족 한나체 Pro" pitchFamily="50" charset="-127"/>
@@ -5262,9 +5250,7 @@
             <a:r>
               <a:rPr lang="ko-KR" altLang="en-US" sz="1600" b="1" dirty="0">
                 <a:solidFill>
-                  <a:schemeClr val="bg1">
-                    <a:lumMod val="95000"/>
-                  </a:schemeClr>
+                  <a:schemeClr val="tx1"/>
                 </a:solidFill>
                 <a:latin typeface="배달의민족 한나체 Pro" pitchFamily="50" charset="-127"/>
                 <a:ea typeface="배달의민족 한나체 Pro" pitchFamily="50" charset="-127"/>
@@ -5293,9 +5279,8 @@
           </a:solidFill>
           <a:ln>
             <a:solidFill>
-              <a:schemeClr val="tx2">
-                <a:lumMod val="60000"/>
-                <a:lumOff val="40000"/>
+              <a:schemeClr val="bg1">
+                <a:lumMod val="95000"/>
               </a:schemeClr>
             </a:solidFill>
           </a:ln>
@@ -5324,7 +5309,9 @@
             <a:r>
               <a:rPr lang="en-US" altLang="ko-KR" sz="1600" b="1" dirty="0">
                 <a:solidFill>
-                  <a:schemeClr val="tx1"/>
+                  <a:schemeClr val="bg1">
+                    <a:lumMod val="95000"/>
+                  </a:schemeClr>
                 </a:solidFill>
                 <a:latin typeface="배달의민족 한나체 Pro" pitchFamily="50" charset="-127"/>
                 <a:ea typeface="배달의민족 한나체 Pro" pitchFamily="50" charset="-127"/>
@@ -5334,7 +5321,9 @@
             <a:r>
               <a:rPr lang="ko-KR" altLang="en-US" sz="1600" b="1" dirty="0">
                 <a:solidFill>
-                  <a:schemeClr val="tx1"/>
+                  <a:schemeClr val="bg1">
+                    <a:lumMod val="95000"/>
+                  </a:schemeClr>
                 </a:solidFill>
                 <a:latin typeface="배달의민족 한나체 Pro" pitchFamily="50" charset="-127"/>
                 <a:ea typeface="배달의민족 한나체 Pro" pitchFamily="50" charset="-127"/>
@@ -6189,8 +6178,9 @@
           </a:solidFill>
           <a:ln>
             <a:solidFill>
-              <a:schemeClr val="bg1">
-                <a:lumMod val="95000"/>
+              <a:schemeClr val="tx2">
+                <a:lumMod val="60000"/>
+                <a:lumOff val="40000"/>
               </a:schemeClr>
             </a:solidFill>
           </a:ln>
@@ -6219,6 +6209,179 @@
             <a:r>
               <a:rPr lang="en-US" altLang="ko-KR" sz="1400" b="1" dirty="0">
                 <a:solidFill>
+                  <a:schemeClr val="tx1"/>
+                </a:solidFill>
+                <a:latin typeface="배달의민족 한나체 Pro" pitchFamily="50" charset="-127"/>
+                <a:ea typeface="배달의민족 한나체 Pro" pitchFamily="50" charset="-127"/>
+              </a:rPr>
+              <a:t> </a:t>
+            </a:r>
+            <a:r>
+              <a:rPr lang="ko-KR" altLang="en-US" sz="1400" b="1" dirty="0">
+                <a:solidFill>
+                  <a:schemeClr val="tx1"/>
+                </a:solidFill>
+                <a:latin typeface="배달의민족 한나체 Pro" pitchFamily="50" charset="-127"/>
+                <a:ea typeface="배달의민족 한나체 Pro" pitchFamily="50" charset="-127"/>
+              </a:rPr>
+              <a:t>시스템</a:t>
+            </a:r>
+            <a:endParaRPr lang="en-US" altLang="ko-KR" sz="1400" b="1" dirty="0">
+              <a:solidFill>
+                <a:schemeClr val="tx1"/>
+              </a:solidFill>
+              <a:latin typeface="배달의민족 한나체 Pro" pitchFamily="50" charset="-127"/>
+              <a:ea typeface="배달의민족 한나체 Pro" pitchFamily="50" charset="-127"/>
+            </a:endParaRPr>
+          </a:p>
+          <a:p>
+            <a:pPr algn="ctr"/>
+            <a:r>
+              <a:rPr lang="ko-KR" altLang="en-US" sz="1400" b="1" dirty="0">
+                <a:solidFill>
+                  <a:schemeClr val="tx1"/>
+                </a:solidFill>
+                <a:latin typeface="배달의민족 한나체 Pro" pitchFamily="50" charset="-127"/>
+                <a:ea typeface="배달의민족 한나체 Pro" pitchFamily="50" charset="-127"/>
+              </a:rPr>
+              <a:t>재고 파악</a:t>
+            </a:r>
+          </a:p>
+        </p:txBody>
+      </p:sp>
+      <p:cxnSp>
+        <p:nvCxnSpPr>
+          <p:cNvPr id="55" name="직선 화살표 연결선 54"/>
+          <p:cNvCxnSpPr>
+            <a:stCxn id="10" idx="2"/>
+            <a:endCxn id="54" idx="0"/>
+          </p:cNvCxnSpPr>
+          <p:nvPr/>
+        </p:nvCxnSpPr>
+        <p:spPr>
+          <a:xfrm>
+            <a:off x="4318041" y="2428766"/>
+            <a:ext cx="11691" cy="514626"/>
+          </a:xfrm>
+          <a:prstGeom prst="straightConnector1">
+            <a:avLst/>
+          </a:prstGeom>
+          <a:ln w="28575">
+            <a:solidFill>
+              <a:schemeClr val="tx2">
+                <a:lumMod val="60000"/>
+                <a:lumOff val="40000"/>
+              </a:schemeClr>
+            </a:solidFill>
+            <a:tailEnd type="arrow"/>
+          </a:ln>
+        </p:spPr>
+        <p:style>
+          <a:lnRef idx="1">
+            <a:schemeClr val="accent1"/>
+          </a:lnRef>
+          <a:fillRef idx="0">
+            <a:schemeClr val="accent1"/>
+          </a:fillRef>
+          <a:effectRef idx="0">
+            <a:schemeClr val="accent1"/>
+          </a:effectRef>
+          <a:fontRef idx="minor">
+            <a:schemeClr val="tx1"/>
+          </a:fontRef>
+        </p:style>
+      </p:cxnSp>
+      <p:cxnSp>
+        <p:nvCxnSpPr>
+          <p:cNvPr id="66" name="직선 화살표 연결선 65"/>
+          <p:cNvCxnSpPr>
+            <a:stCxn id="54" idx="2"/>
+            <a:endCxn id="11" idx="0"/>
+          </p:cNvCxnSpPr>
+          <p:nvPr/>
+        </p:nvCxnSpPr>
+        <p:spPr>
+          <a:xfrm flipH="1">
+            <a:off x="4308982" y="3447448"/>
+            <a:ext cx="20750" cy="392360"/>
+          </a:xfrm>
+          <a:prstGeom prst="straightConnector1">
+            <a:avLst/>
+          </a:prstGeom>
+          <a:ln w="28575">
+            <a:solidFill>
+              <a:schemeClr val="tx2">
+                <a:lumMod val="60000"/>
+                <a:lumOff val="40000"/>
+              </a:schemeClr>
+            </a:solidFill>
+            <a:tailEnd type="arrow"/>
+          </a:ln>
+        </p:spPr>
+        <p:style>
+          <a:lnRef idx="1">
+            <a:schemeClr val="accent1"/>
+          </a:lnRef>
+          <a:fillRef idx="0">
+            <a:schemeClr val="accent1"/>
+          </a:fillRef>
+          <a:effectRef idx="0">
+            <a:schemeClr val="accent1"/>
+          </a:effectRef>
+          <a:fontRef idx="minor">
+            <a:schemeClr val="tx1"/>
+          </a:fontRef>
+        </p:style>
+      </p:cxnSp>
+      <p:sp>
+        <p:nvSpPr>
+          <p:cNvPr id="68" name="순서도: 처리 67"/>
+          <p:cNvSpPr/>
+          <p:nvPr/>
+        </p:nvSpPr>
+        <p:spPr>
+          <a:xfrm>
+            <a:off x="278271" y="5712016"/>
+            <a:ext cx="1152128" cy="504056"/>
+          </a:xfrm>
+          <a:prstGeom prst="flowChartProcess">
+            <a:avLst/>
+          </a:prstGeom>
+          <a:solidFill>
+            <a:schemeClr val="bg1"/>
+          </a:solidFill>
+          <a:ln>
+            <a:solidFill>
+              <a:schemeClr val="bg1">
+                <a:lumMod val="95000"/>
+              </a:schemeClr>
+            </a:solidFill>
+          </a:ln>
+        </p:spPr>
+        <p:style>
+          <a:lnRef idx="2">
+            <a:schemeClr val="accent1">
+              <a:shade val="50000"/>
+            </a:schemeClr>
+          </a:lnRef>
+          <a:fillRef idx="1">
+            <a:schemeClr val="accent1"/>
+          </a:fillRef>
+          <a:effectRef idx="0">
+            <a:schemeClr val="accent1"/>
+          </a:effectRef>
+          <a:fontRef idx="minor">
+            <a:schemeClr val="lt1"/>
+          </a:fontRef>
+        </p:style>
+        <p:txBody>
+          <a:bodyPr rtlCol="0" anchor="ctr"/>
+          <a:lstStyle/>
+          <a:p>
+            <a:pPr algn="ctr"/>
+            <a:r>
+              <a:rPr lang="en-US" altLang="ko-KR" dirty="0">
+                <a:solidFill>
                   <a:schemeClr val="bg1">
                     <a:lumMod val="95000"/>
                   </a:schemeClr>
@@ -6229,7 +6392,7 @@
               <a:t> </a:t>
             </a:r>
             <a:r>
-              <a:rPr lang="ko-KR" altLang="en-US" sz="1400" b="1" dirty="0">
+              <a:rPr lang="ko-KR" altLang="en-US" b="1" dirty="0">
                 <a:solidFill>
                   <a:schemeClr val="bg1">
                     <a:lumMod val="95000"/>
@@ -6238,9 +6401,155 @@
                 <a:latin typeface="배달의민족 한나체 Pro" pitchFamily="50" charset="-127"/>
                 <a:ea typeface="배달의민족 한나체 Pro" pitchFamily="50" charset="-127"/>
               </a:rPr>
-              <a:t>시스템</a:t>
-            </a:r>
-            <a:endParaRPr lang="en-US" altLang="ko-KR" sz="1400" b="1" dirty="0">
+              <a:t>판 매</a:t>
+            </a:r>
+          </a:p>
+        </p:txBody>
+      </p:sp>
+      <p:sp>
+        <p:nvSpPr>
+          <p:cNvPr id="77" name="순서도: 처리 76"/>
+          <p:cNvSpPr/>
+          <p:nvPr/>
+        </p:nvSpPr>
+        <p:spPr>
+          <a:xfrm>
+            <a:off x="5770931" y="1924710"/>
+            <a:ext cx="1152128" cy="504056"/>
+          </a:xfrm>
+          <a:prstGeom prst="flowChartProcess">
+            <a:avLst/>
+          </a:prstGeom>
+          <a:solidFill>
+            <a:schemeClr val="bg1"/>
+          </a:solidFill>
+          <a:ln>
+            <a:solidFill>
+              <a:schemeClr val="bg1">
+                <a:lumMod val="95000"/>
+              </a:schemeClr>
+            </a:solidFill>
+          </a:ln>
+        </p:spPr>
+        <p:style>
+          <a:lnRef idx="2">
+            <a:schemeClr val="accent1">
+              <a:shade val="50000"/>
+            </a:schemeClr>
+          </a:lnRef>
+          <a:fillRef idx="1">
+            <a:schemeClr val="accent1"/>
+          </a:fillRef>
+          <a:effectRef idx="0">
+            <a:schemeClr val="accent1"/>
+          </a:effectRef>
+          <a:fontRef idx="minor">
+            <a:schemeClr val="lt1"/>
+          </a:fontRef>
+        </p:style>
+        <p:txBody>
+          <a:bodyPr rtlCol="0" anchor="ctr"/>
+          <a:lstStyle/>
+          <a:p>
+            <a:pPr algn="ctr"/>
+            <a:r>
+              <a:rPr lang="en-US" altLang="ko-KR" dirty="0">
+                <a:solidFill>
+                  <a:schemeClr val="bg1">
+                    <a:lumMod val="95000"/>
+                  </a:schemeClr>
+                </a:solidFill>
+                <a:latin typeface="배달의민족 한나체 Pro" pitchFamily="50" charset="-127"/>
+                <a:ea typeface="배달의민족 한나체 Pro" pitchFamily="50" charset="-127"/>
+              </a:rPr>
+              <a:t> </a:t>
+            </a:r>
+            <a:r>
+              <a:rPr lang="ko-KR" altLang="en-US" sz="1600" b="1" dirty="0">
+                <a:solidFill>
+                  <a:schemeClr val="bg1">
+                    <a:lumMod val="95000"/>
+                  </a:schemeClr>
+                </a:solidFill>
+                <a:latin typeface="배달의민족 한나체 Pro" pitchFamily="50" charset="-127"/>
+                <a:ea typeface="배달의민족 한나체 Pro" pitchFamily="50" charset="-127"/>
+              </a:rPr>
+              <a:t>구매 요청 확인</a:t>
+            </a:r>
+          </a:p>
+        </p:txBody>
+      </p:sp>
+      <p:sp>
+        <p:nvSpPr>
+          <p:cNvPr id="78" name="순서도: 처리 77"/>
+          <p:cNvSpPr/>
+          <p:nvPr/>
+        </p:nvSpPr>
+        <p:spPr>
+          <a:xfrm>
+            <a:off x="5782622" y="2943392"/>
+            <a:ext cx="1152128" cy="504056"/>
+          </a:xfrm>
+          <a:prstGeom prst="flowChartProcess">
+            <a:avLst/>
+          </a:prstGeom>
+          <a:solidFill>
+            <a:schemeClr val="bg1"/>
+          </a:solidFill>
+          <a:ln>
+            <a:solidFill>
+              <a:schemeClr val="bg1">
+                <a:lumMod val="95000"/>
+              </a:schemeClr>
+            </a:solidFill>
+          </a:ln>
+        </p:spPr>
+        <p:style>
+          <a:lnRef idx="2">
+            <a:schemeClr val="accent1">
+              <a:shade val="50000"/>
+            </a:schemeClr>
+          </a:lnRef>
+          <a:fillRef idx="1">
+            <a:schemeClr val="accent1"/>
+          </a:fillRef>
+          <a:effectRef idx="0">
+            <a:schemeClr val="accent1"/>
+          </a:effectRef>
+          <a:fontRef idx="minor">
+            <a:schemeClr val="lt1"/>
+          </a:fontRef>
+        </p:style>
+        <p:txBody>
+          <a:bodyPr rtlCol="0" anchor="ctr"/>
+          <a:lstStyle/>
+          <a:p>
+            <a:pPr algn="ctr"/>
+            <a:r>
+              <a:rPr lang="en-US" altLang="ko-KR" sz="1600" b="1" dirty="0">
+                <a:solidFill>
+                  <a:schemeClr val="bg1">
+                    <a:lumMod val="95000"/>
+                  </a:schemeClr>
+                </a:solidFill>
+                <a:latin typeface="배달의민족 한나체 Pro" pitchFamily="50" charset="-127"/>
+                <a:ea typeface="배달의민족 한나체 Pro" pitchFamily="50" charset="-127"/>
+              </a:rPr>
+              <a:t> </a:t>
+            </a:r>
+            <a:r>
+              <a:rPr lang="ko-KR" altLang="en-US" sz="1600" b="1" dirty="0">
+                <a:solidFill>
+                  <a:schemeClr val="bg1">
+                    <a:lumMod val="95000"/>
+                  </a:schemeClr>
+                </a:solidFill>
+                <a:latin typeface="배달의민족 한나체 Pro" pitchFamily="50" charset="-127"/>
+                <a:ea typeface="배달의민족 한나체 Pro" pitchFamily="50" charset="-127"/>
+              </a:rPr>
+              <a:t>벤더 관리</a:t>
+            </a:r>
+            <a:endParaRPr lang="en-US" altLang="ko-KR" sz="1600" b="1" dirty="0">
               <a:solidFill>
                 <a:schemeClr val="bg1">
                   <a:lumMod val="95000"/>
@@ -6250,323 +6559,6 @@
               <a:ea typeface="배달의민족 한나체 Pro" pitchFamily="50" charset="-127"/>
             </a:endParaRPr>
           </a:p>
-          <a:p>
-            <a:pPr algn="ctr"/>
-            <a:r>
-              <a:rPr lang="ko-KR" altLang="en-US" sz="1400" b="1" dirty="0">
-                <a:solidFill>
-                  <a:schemeClr val="bg1">
-                    <a:lumMod val="95000"/>
-                  </a:schemeClr>
-                </a:solidFill>
-                <a:latin typeface="배달의민족 한나체 Pro" pitchFamily="50" charset="-127"/>
-                <a:ea typeface="배달의민족 한나체 Pro" pitchFamily="50" charset="-127"/>
-              </a:rPr>
-              <a:t>재고 파악</a:t>
-            </a:r>
-          </a:p>
-        </p:txBody>
-      </p:sp>
-      <p:cxnSp>
-        <p:nvCxnSpPr>
-          <p:cNvPr id="55" name="직선 화살표 연결선 54"/>
-          <p:cNvCxnSpPr>
-            <a:stCxn id="10" idx="2"/>
-            <a:endCxn id="54" idx="0"/>
-          </p:cNvCxnSpPr>
-          <p:nvPr/>
-        </p:nvCxnSpPr>
-        <p:spPr>
-          <a:xfrm>
-            <a:off x="4318041" y="2428766"/>
-            <a:ext cx="11691" cy="514626"/>
-          </a:xfrm>
-          <a:prstGeom prst="straightConnector1">
-            <a:avLst/>
-          </a:prstGeom>
-          <a:ln w="28575">
-            <a:solidFill>
-              <a:schemeClr val="bg1">
-                <a:lumMod val="95000"/>
-              </a:schemeClr>
-            </a:solidFill>
-            <a:tailEnd type="arrow"/>
-          </a:ln>
-        </p:spPr>
-        <p:style>
-          <a:lnRef idx="1">
-            <a:schemeClr val="accent1"/>
-          </a:lnRef>
-          <a:fillRef idx="0">
-            <a:schemeClr val="accent1"/>
-          </a:fillRef>
-          <a:effectRef idx="0">
-            <a:schemeClr val="accent1"/>
-          </a:effectRef>
-          <a:fontRef idx="minor">
-            <a:schemeClr val="tx1"/>
-          </a:fontRef>
-        </p:style>
-      </p:cxnSp>
-      <p:cxnSp>
-        <p:nvCxnSpPr>
-          <p:cNvPr id="66" name="직선 화살표 연결선 65"/>
-          <p:cNvCxnSpPr>
-            <a:stCxn id="54" idx="2"/>
-            <a:endCxn id="11" idx="0"/>
-          </p:cNvCxnSpPr>
-          <p:nvPr/>
-        </p:nvCxnSpPr>
-        <p:spPr>
-          <a:xfrm flipH="1">
-            <a:off x="4308982" y="3447448"/>
-            <a:ext cx="20750" cy="392360"/>
-          </a:xfrm>
-          <a:prstGeom prst="straightConnector1">
-            <a:avLst/>
-          </a:prstGeom>
-          <a:ln w="28575">
-            <a:solidFill>
-              <a:schemeClr val="bg1">
-                <a:lumMod val="95000"/>
-              </a:schemeClr>
-            </a:solidFill>
-            <a:tailEnd type="arrow"/>
-          </a:ln>
-        </p:spPr>
-        <p:style>
-          <a:lnRef idx="1">
-            <a:schemeClr val="accent1"/>
-          </a:lnRef>
-          <a:fillRef idx="0">
-            <a:schemeClr val="accent1"/>
-          </a:fillRef>
-          <a:effectRef idx="0">
-            <a:schemeClr val="accent1"/>
-          </a:effectRef>
-          <a:fontRef idx="minor">
-            <a:schemeClr val="tx1"/>
-          </a:fontRef>
-        </p:style>
-      </p:cxnSp>
-      <p:sp>
-        <p:nvSpPr>
-          <p:cNvPr id="68" name="순서도: 처리 67"/>
-          <p:cNvSpPr/>
-          <p:nvPr/>
-        </p:nvSpPr>
-        <p:spPr>
-          <a:xfrm>
-            <a:off x="278271" y="5712016"/>
-            <a:ext cx="1152128" cy="504056"/>
-          </a:xfrm>
-          <a:prstGeom prst="flowChartProcess">
-            <a:avLst/>
-          </a:prstGeom>
-          <a:solidFill>
-            <a:schemeClr val="bg1"/>
-          </a:solidFill>
-          <a:ln>
-            <a:solidFill>
-              <a:schemeClr val="bg1">
-                <a:lumMod val="95000"/>
-              </a:schemeClr>
-            </a:solidFill>
-          </a:ln>
-        </p:spPr>
-        <p:style>
-          <a:lnRef idx="2">
-            <a:schemeClr val="accent1">
-              <a:shade val="50000"/>
-            </a:schemeClr>
-          </a:lnRef>
-          <a:fillRef idx="1">
-            <a:schemeClr val="accent1"/>
-          </a:fillRef>
-          <a:effectRef idx="0">
-            <a:schemeClr val="accent1"/>
-          </a:effectRef>
-          <a:fontRef idx="minor">
-            <a:schemeClr val="lt1"/>
-          </a:fontRef>
-        </p:style>
-        <p:txBody>
-          <a:bodyPr rtlCol="0" anchor="ctr"/>
-          <a:lstStyle/>
-          <a:p>
-            <a:pPr algn="ctr"/>
-            <a:r>
-              <a:rPr lang="en-US" altLang="ko-KR" dirty="0">
-                <a:solidFill>
-                  <a:schemeClr val="bg1">
-                    <a:lumMod val="95000"/>
-                  </a:schemeClr>
-                </a:solidFill>
-                <a:latin typeface="배달의민족 한나체 Pro" pitchFamily="50" charset="-127"/>
-                <a:ea typeface="배달의민족 한나체 Pro" pitchFamily="50" charset="-127"/>
-              </a:rPr>
-              <a:t> </a:t>
-            </a:r>
-            <a:r>
-              <a:rPr lang="ko-KR" altLang="en-US" b="1" dirty="0">
-                <a:solidFill>
-                  <a:schemeClr val="bg1">
-                    <a:lumMod val="95000"/>
-                  </a:schemeClr>
-                </a:solidFill>
-                <a:latin typeface="배달의민족 한나체 Pro" pitchFamily="50" charset="-127"/>
-                <a:ea typeface="배달의민족 한나체 Pro" pitchFamily="50" charset="-127"/>
-              </a:rPr>
-              <a:t>판 매</a:t>
-            </a:r>
-          </a:p>
-        </p:txBody>
-      </p:sp>
-      <p:sp>
-        <p:nvSpPr>
-          <p:cNvPr id="77" name="순서도: 처리 76"/>
-          <p:cNvSpPr/>
-          <p:nvPr/>
-        </p:nvSpPr>
-        <p:spPr>
-          <a:xfrm>
-            <a:off x="5770931" y="1924710"/>
-            <a:ext cx="1152128" cy="504056"/>
-          </a:xfrm>
-          <a:prstGeom prst="flowChartProcess">
-            <a:avLst/>
-          </a:prstGeom>
-          <a:solidFill>
-            <a:schemeClr val="bg1"/>
-          </a:solidFill>
-          <a:ln>
-            <a:solidFill>
-              <a:schemeClr val="tx2">
-                <a:lumMod val="60000"/>
-                <a:lumOff val="40000"/>
-              </a:schemeClr>
-            </a:solidFill>
-          </a:ln>
-        </p:spPr>
-        <p:style>
-          <a:lnRef idx="2">
-            <a:schemeClr val="accent1">
-              <a:shade val="50000"/>
-            </a:schemeClr>
-          </a:lnRef>
-          <a:fillRef idx="1">
-            <a:schemeClr val="accent1"/>
-          </a:fillRef>
-          <a:effectRef idx="0">
-            <a:schemeClr val="accent1"/>
-          </a:effectRef>
-          <a:fontRef idx="minor">
-            <a:schemeClr val="lt1"/>
-          </a:fontRef>
-        </p:style>
-        <p:txBody>
-          <a:bodyPr rtlCol="0" anchor="ctr"/>
-          <a:lstStyle/>
-          <a:p>
-            <a:pPr algn="ctr"/>
-            <a:r>
-              <a:rPr lang="en-US" altLang="ko-KR" dirty="0">
-                <a:solidFill>
-                  <a:schemeClr val="tx1"/>
-                </a:solidFill>
-                <a:latin typeface="배달의민족 한나체 Pro" pitchFamily="50" charset="-127"/>
-                <a:ea typeface="배달의민족 한나체 Pro" pitchFamily="50" charset="-127"/>
-              </a:rPr>
-              <a:t> </a:t>
-            </a:r>
-            <a:r>
-              <a:rPr lang="ko-KR" altLang="en-US" sz="1600" b="1" dirty="0">
-                <a:solidFill>
-                  <a:schemeClr val="tx1"/>
-                </a:solidFill>
-                <a:latin typeface="배달의민족 한나체 Pro" pitchFamily="50" charset="-127"/>
-                <a:ea typeface="배달의민족 한나체 Pro" pitchFamily="50" charset="-127"/>
-              </a:rPr>
-              <a:t>구매 요청 확인</a:t>
-            </a:r>
-          </a:p>
-        </p:txBody>
-      </p:sp>
-      <p:sp>
-        <p:nvSpPr>
-          <p:cNvPr id="78" name="순서도: 처리 77"/>
-          <p:cNvSpPr/>
-          <p:nvPr/>
-        </p:nvSpPr>
-        <p:spPr>
-          <a:xfrm>
-            <a:off x="5782622" y="2943392"/>
-            <a:ext cx="1152128" cy="504056"/>
-          </a:xfrm>
-          <a:prstGeom prst="flowChartProcess">
-            <a:avLst/>
-          </a:prstGeom>
-          <a:solidFill>
-            <a:schemeClr val="bg1"/>
-          </a:solidFill>
-          <a:ln>
-            <a:solidFill>
-              <a:schemeClr val="tx2">
-                <a:lumMod val="60000"/>
-                <a:lumOff val="40000"/>
-              </a:schemeClr>
-            </a:solidFill>
-          </a:ln>
-        </p:spPr>
-        <p:style>
-          <a:lnRef idx="2">
-            <a:schemeClr val="accent1">
-              <a:shade val="50000"/>
-            </a:schemeClr>
-          </a:lnRef>
-          <a:fillRef idx="1">
-            <a:schemeClr val="accent1"/>
-          </a:fillRef>
-          <a:effectRef idx="0">
-            <a:schemeClr val="accent1"/>
-          </a:effectRef>
-          <a:fontRef idx="minor">
-            <a:schemeClr val="lt1"/>
-          </a:fontRef>
-        </p:style>
-        <p:txBody>
-          <a:bodyPr rtlCol="0" anchor="ctr"/>
-          <a:lstStyle/>
-          <a:p>
-            <a:pPr algn="ctr"/>
-            <a:r>
-              <a:rPr lang="en-US" altLang="ko-KR" sz="1600" b="1" dirty="0">
-                <a:solidFill>
-                  <a:schemeClr val="tx1"/>
-                </a:solidFill>
-                <a:latin typeface="배달의민족 한나체 Pro" pitchFamily="50" charset="-127"/>
-                <a:ea typeface="배달의민족 한나체 Pro" pitchFamily="50" charset="-127"/>
-              </a:rPr>
-              <a:t> </a:t>
-            </a:r>
-            <a:r>
-              <a:rPr lang="ko-KR" altLang="en-US" sz="1600" b="1" dirty="0">
-                <a:solidFill>
-                  <a:schemeClr val="tx1"/>
-                </a:solidFill>
-                <a:latin typeface="배달의민족 한나체 Pro" pitchFamily="50" charset="-127"/>
-                <a:ea typeface="배달의민족 한나체 Pro" pitchFamily="50" charset="-127"/>
-              </a:rPr>
-              <a:t>벤더 관리</a:t>
-            </a:r>
-            <a:endParaRPr lang="en-US" altLang="ko-KR" sz="1600" b="1" dirty="0">
-              <a:solidFill>
-                <a:schemeClr val="tx1"/>
-              </a:solidFill>
-              <a:latin typeface="배달의민족 한나체 Pro" pitchFamily="50" charset="-127"/>
-              <a:ea typeface="배달의민족 한나체 Pro" pitchFamily="50" charset="-127"/>
-            </a:endParaRPr>
-          </a:p>
         </p:txBody>
       </p:sp>
       <p:cxnSp>
@@ -6588,9 +6580,8 @@
           </a:prstGeom>
           <a:ln w="28575">
             <a:solidFill>
-              <a:schemeClr val="tx2">
-                <a:lumMod val="60000"/>
-                <a:lumOff val="40000"/>
+              <a:schemeClr val="bg1">
+                <a:lumMod val="95000"/>
               </a:schemeClr>
             </a:solidFill>
             <a:tailEnd type="arrow"/>
@@ -6673,9 +6664,8 @@
           </a:prstGeom>
           <a:ln w="28575">
             <a:solidFill>
-              <a:schemeClr val="tx2">
-                <a:lumMod val="60000"/>
-                <a:lumOff val="40000"/>
+              <a:schemeClr val="bg1">
+                <a:lumMod val="95000"/>
               </a:schemeClr>
             </a:solidFill>
             <a:tailEnd type="arrow"/>
@@ -7003,7 +6993,7 @@
           <p:cNvPr id="42" name="TextBox 41">
             <a:extLst>
               <a:ext uri="{FF2B5EF4-FFF2-40B4-BE49-F238E27FC236}">
-                <a16:creationId xmlns:a16="http://schemas.microsoft.com/office/drawing/2014/main" id="{DE3BC444-8FFE-4EE9-A37C-3E87950092A1}"/>
+                <a16:creationId xmlns:a16="http://schemas.microsoft.com/office/drawing/2014/main" xmlns="" id="{8C6873D8-41F4-4166-83EE-53DEEDBA15C4}"/>
               </a:ext>
             </a:extLst>
           </p:cNvPr>
@@ -7012,8 +7002,8 @@
         </p:nvSpPr>
         <p:spPr>
           <a:xfrm>
-            <a:off x="373942" y="2391022"/>
-            <a:ext cx="5257120" cy="646331"/>
+            <a:off x="250984" y="1119500"/>
+            <a:ext cx="6454483" cy="646331"/>
           </a:xfrm>
           <a:prstGeom prst="rect">
             <a:avLst/>
@@ -7032,7 +7022,7 @@
                   <a:srgbClr val="0070C0"/>
                 </a:solidFill>
               </a:rPr>
-              <a:t>사용자가 입력한 조회 조건과 </a:t>
+              <a:t>생성된 판매 오더를 토대로</a:t>
             </a:r>
             <a:r>
               <a:rPr lang="en-US" altLang="ko-KR" dirty="0">
@@ -7040,7 +7030,15 @@
                   <a:srgbClr val="0070C0"/>
                 </a:solidFill>
               </a:rPr>
-              <a:t>Info Record</a:t>
+              <a:t> </a:t>
+            </a:r>
+            <a:r>
+              <a:rPr lang="ko-KR" altLang="en-US" dirty="0" err="1">
+                <a:solidFill>
+                  <a:srgbClr val="0070C0"/>
+                </a:solidFill>
+              </a:rPr>
+              <a:t>자재별</a:t>
             </a:r>
             <a:r>
               <a:rPr lang="ko-KR" altLang="en-US" dirty="0">
@@ -7048,23 +7046,7 @@
                   <a:srgbClr val="0070C0"/>
                 </a:solidFill>
               </a:rPr>
-              <a:t>에 맞는 미결된 </a:t>
-            </a:r>
-            <a:r>
-              <a:rPr lang="en-US" altLang="ko-KR" dirty="0">
-                <a:solidFill>
-                  <a:srgbClr val="0070C0"/>
-                </a:solidFill>
-              </a:rPr>
-              <a:t>PR</a:t>
-            </a:r>
-            <a:r>
-              <a:rPr lang="ko-KR" altLang="en-US" dirty="0">
-                <a:solidFill>
-                  <a:srgbClr val="0070C0"/>
-                </a:solidFill>
-              </a:rPr>
-              <a:t>만을 화면에 표시</a:t>
+              <a:t> 사용량을 계산하여 </a:t>
             </a:r>
             <a:endParaRPr lang="en-US" altLang="ko-KR" dirty="0">
               <a:solidFill>
@@ -7072,35 +7054,6 @@
               </a:solidFill>
             </a:endParaRPr>
           </a:p>
-        </p:txBody>
-      </p:sp>
-      <p:sp>
-        <p:nvSpPr>
-          <p:cNvPr id="44" name="TextBox 43">
-            <a:extLst>
-              <a:ext uri="{FF2B5EF4-FFF2-40B4-BE49-F238E27FC236}">
-                <a16:creationId xmlns:a16="http://schemas.microsoft.com/office/drawing/2014/main" id="{08CFBECB-DA0B-4584-A546-556BA09285B6}"/>
-              </a:ext>
-            </a:extLst>
-          </p:cNvPr>
-          <p:cNvSpPr txBox="1"/>
-          <p:nvPr/>
-        </p:nvSpPr>
-        <p:spPr>
-          <a:xfrm>
-            <a:off x="373942" y="3773022"/>
-            <a:ext cx="5257120" cy="646331"/>
-          </a:xfrm>
-          <a:prstGeom prst="rect">
-            <a:avLst/>
-          </a:prstGeom>
-          <a:noFill/>
-        </p:spPr>
-        <p:txBody>
-          <a:bodyPr wrap="square" rtlCol="0">
-            <a:spAutoFit/>
-          </a:bodyPr>
-          <a:lstStyle/>
           <a:p>
             <a:r>
               <a:rPr lang="ko-KR" altLang="en-US" dirty="0">
@@ -7108,39 +7061,7 @@
                   <a:srgbClr val="0070C0"/>
                 </a:solidFill>
               </a:rPr>
-              <a:t>총 주문량</a:t>
-            </a:r>
-            <a:r>
-              <a:rPr lang="en-US" altLang="ko-KR" dirty="0">
-                <a:solidFill>
-                  <a:srgbClr val="0070C0"/>
-                </a:solidFill>
-              </a:rPr>
-              <a:t>, </a:t>
-            </a:r>
-            <a:r>
-              <a:rPr lang="ko-KR" altLang="en-US" dirty="0">
-                <a:solidFill>
-                  <a:srgbClr val="0070C0"/>
-                </a:solidFill>
-              </a:rPr>
-              <a:t>기 주문량</a:t>
-            </a:r>
-            <a:r>
-              <a:rPr lang="en-US" altLang="ko-KR" dirty="0">
-                <a:solidFill>
-                  <a:srgbClr val="0070C0"/>
-                </a:solidFill>
-              </a:rPr>
-              <a:t>, </a:t>
-            </a:r>
-            <a:r>
-              <a:rPr lang="ko-KR" altLang="en-US" dirty="0">
-                <a:solidFill>
-                  <a:srgbClr val="0070C0"/>
-                </a:solidFill>
-              </a:rPr>
-              <a:t>요 주문량 등을 표시하여</a:t>
+              <a:t>사용자가 보기 쉽게 시각화</a:t>
             </a:r>
             <a:endParaRPr lang="en-US" altLang="ko-KR" dirty="0">
               <a:solidFill>
@@ -7148,6 +7069,35 @@
               </a:solidFill>
             </a:endParaRPr>
           </a:p>
+        </p:txBody>
+      </p:sp>
+      <p:sp>
+        <p:nvSpPr>
+          <p:cNvPr id="43" name="TextBox 42">
+            <a:extLst>
+              <a:ext uri="{FF2B5EF4-FFF2-40B4-BE49-F238E27FC236}">
+                <a16:creationId xmlns:a16="http://schemas.microsoft.com/office/drawing/2014/main" xmlns="" id="{8741F547-3047-4B25-BEDF-81592DC66198}"/>
+              </a:ext>
+            </a:extLst>
+          </p:cNvPr>
+          <p:cNvSpPr txBox="1"/>
+          <p:nvPr/>
+        </p:nvSpPr>
+        <p:spPr>
+          <a:xfrm>
+            <a:off x="4318041" y="4627827"/>
+            <a:ext cx="4383976" cy="646331"/>
+          </a:xfrm>
+          <a:prstGeom prst="rect">
+            <a:avLst/>
+          </a:prstGeom>
+          <a:noFill/>
+        </p:spPr>
+        <p:txBody>
+          <a:bodyPr wrap="square" rtlCol="0">
+            <a:spAutoFit/>
+          </a:bodyPr>
+          <a:lstStyle/>
           <a:p>
             <a:r>
               <a:rPr lang="ko-KR" altLang="en-US" dirty="0">
@@ -7155,23 +7105,7 @@
                   <a:srgbClr val="0070C0"/>
                 </a:solidFill>
               </a:rPr>
-              <a:t>사용자가 주문량만을 기입해 </a:t>
-            </a:r>
-            <a:r>
-              <a:rPr lang="en-US" altLang="ko-KR" dirty="0">
-                <a:solidFill>
-                  <a:srgbClr val="0070C0"/>
-                </a:solidFill>
-              </a:rPr>
-              <a:t>PO</a:t>
-            </a:r>
-            <a:r>
-              <a:rPr lang="ko-KR" altLang="en-US" dirty="0">
-                <a:solidFill>
-                  <a:srgbClr val="0070C0"/>
-                </a:solidFill>
-              </a:rPr>
-              <a:t>를 생성</a:t>
+              <a:t>사용자가 별도의 입력 작업 없이 선택된 항목에 대한 구매 요청 자동 생성</a:t>
             </a:r>
             <a:endParaRPr lang="en-US" altLang="ko-KR" dirty="0">
               <a:solidFill>
@@ -7184,7 +7118,7 @@
     </p:spTree>
     <p:extLst>
       <p:ext uri="{BB962C8B-B14F-4D97-AF65-F5344CB8AC3E}">
-        <p14:creationId xmlns:p14="http://schemas.microsoft.com/office/powerpoint/2010/main" val="1337578663"/>
+        <p14:creationId xmlns:p14="http://schemas.microsoft.com/office/powerpoint/2010/main" val="512156778"/>
       </p:ext>
     </p:extLst>
   </p:cSld>
@@ -7313,13 +7247,7 @@
           <a:lstStyle/>
           <a:p>
             <a:pPr algn="ctr"/>
-            <a:endParaRPr lang="ko-KR" altLang="en-US">
-              <a:solidFill>
-                <a:schemeClr val="bg1">
-                  <a:lumMod val="95000"/>
-                </a:schemeClr>
-              </a:solidFill>
-            </a:endParaRPr>
+            <a:endParaRPr lang="ko-KR" altLang="en-US"/>
           </a:p>
         </p:txBody>
       </p:sp>
@@ -7761,8 +7689,9 @@
           </a:solidFill>
           <a:ln>
             <a:solidFill>
-              <a:schemeClr val="bg1">
-                <a:lumMod val="95000"/>
+              <a:schemeClr val="tx2">
+                <a:lumMod val="60000"/>
+                <a:lumOff val="40000"/>
               </a:schemeClr>
             </a:solidFill>
           </a:ln>
@@ -7791,9 +7720,7 @@
             <a:r>
               <a:rPr lang="en-US" altLang="ko-KR" sz="1600" b="1" dirty="0">
                 <a:solidFill>
-                  <a:schemeClr val="bg1">
-                    <a:lumMod val="95000"/>
-                  </a:schemeClr>
+                  <a:schemeClr val="tx1"/>
                 </a:solidFill>
                 <a:latin typeface="배달의민족 한나체 Pro" pitchFamily="50" charset="-127"/>
                 <a:ea typeface="배달의민족 한나체 Pro" pitchFamily="50" charset="-127"/>
@@ -7803,9 +7730,7 @@
             <a:r>
               <a:rPr lang="ko-KR" altLang="en-US" sz="1600" b="1" dirty="0">
                 <a:solidFill>
-                  <a:schemeClr val="bg1">
-                    <a:lumMod val="95000"/>
-                  </a:schemeClr>
+                  <a:schemeClr val="tx1"/>
                 </a:solidFill>
                 <a:latin typeface="배달의민족 한나체 Pro" pitchFamily="50" charset="-127"/>
                 <a:ea typeface="배달의민족 한나체 Pro" pitchFamily="50" charset="-127"/>
@@ -7834,9 +7759,8 @@
           </a:solidFill>
           <a:ln>
             <a:solidFill>
-              <a:schemeClr val="tx2">
-                <a:lumMod val="60000"/>
-                <a:lumOff val="40000"/>
+              <a:schemeClr val="bg1">
+                <a:lumMod val="95000"/>
               </a:schemeClr>
             </a:solidFill>
           </a:ln>
@@ -7865,72 +7789,6 @@
             <a:r>
               <a:rPr lang="en-US" altLang="ko-KR" b="1" dirty="0">
                 <a:solidFill>
-                  <a:schemeClr val="tx1"/>
-                </a:solidFill>
-                <a:latin typeface="배달의민족 한나체 Pro" pitchFamily="50" charset="-127"/>
-                <a:ea typeface="배달의민족 한나체 Pro" pitchFamily="50" charset="-127"/>
-              </a:rPr>
-              <a:t> G R</a:t>
-            </a:r>
-            <a:endParaRPr lang="ko-KR" altLang="en-US" b="1" dirty="0">
-              <a:solidFill>
-                <a:schemeClr val="tx1"/>
-              </a:solidFill>
-              <a:latin typeface="배달의민족 한나체 Pro" pitchFamily="50" charset="-127"/>
-              <a:ea typeface="배달의민족 한나체 Pro" pitchFamily="50" charset="-127"/>
-            </a:endParaRPr>
-          </a:p>
-        </p:txBody>
-      </p:sp>
-      <p:sp>
-        <p:nvSpPr>
-          <p:cNvPr id="14" name="순서도: 처리 13"/>
-          <p:cNvSpPr/>
-          <p:nvPr/>
-        </p:nvSpPr>
-        <p:spPr>
-          <a:xfrm>
-            <a:off x="7492215" y="5481599"/>
-            <a:ext cx="1152128" cy="504056"/>
-          </a:xfrm>
-          <a:prstGeom prst="flowChartProcess">
-            <a:avLst/>
-          </a:prstGeom>
-          <a:solidFill>
-            <a:schemeClr val="bg1"/>
-          </a:solidFill>
-          <a:ln>
-            <a:solidFill>
-              <a:schemeClr val="bg1">
-                <a:lumMod val="95000"/>
-              </a:schemeClr>
-            </a:solidFill>
-          </a:ln>
-        </p:spPr>
-        <p:style>
-          <a:lnRef idx="2">
-            <a:schemeClr val="accent1">
-              <a:shade val="50000"/>
-            </a:schemeClr>
-          </a:lnRef>
-          <a:fillRef idx="1">
-            <a:schemeClr val="accent1"/>
-          </a:fillRef>
-          <a:effectRef idx="0">
-            <a:schemeClr val="accent1"/>
-          </a:effectRef>
-          <a:fontRef idx="minor">
-            <a:schemeClr val="lt1"/>
-          </a:fontRef>
-        </p:style>
-        <p:txBody>
-          <a:bodyPr rtlCol="0" anchor="ctr"/>
-          <a:lstStyle/>
-          <a:p>
-            <a:pPr algn="ctr"/>
-            <a:r>
-              <a:rPr lang="en-US" altLang="ko-KR" b="1" dirty="0">
-                <a:solidFill>
                   <a:schemeClr val="bg1">
                     <a:lumMod val="95000"/>
                   </a:schemeClr>
@@ -7938,7 +7796,7 @@
                 <a:latin typeface="배달의민족 한나체 Pro" pitchFamily="50" charset="-127"/>
                 <a:ea typeface="배달의민족 한나체 Pro" pitchFamily="50" charset="-127"/>
               </a:rPr>
-              <a:t> I V</a:t>
+              <a:t> G R</a:t>
             </a:r>
             <a:endParaRPr lang="ko-KR" altLang="en-US" b="1" dirty="0">
               <a:solidFill>
@@ -7954,6 +7812,76 @@
       </p:sp>
       <p:sp>
         <p:nvSpPr>
+          <p:cNvPr id="14" name="순서도: 처리 13"/>
+          <p:cNvSpPr/>
+          <p:nvPr/>
+        </p:nvSpPr>
+        <p:spPr>
+          <a:xfrm>
+            <a:off x="7492215" y="5481599"/>
+            <a:ext cx="1152128" cy="504056"/>
+          </a:xfrm>
+          <a:prstGeom prst="flowChartProcess">
+            <a:avLst/>
+          </a:prstGeom>
+          <a:solidFill>
+            <a:schemeClr val="bg1"/>
+          </a:solidFill>
+          <a:ln>
+            <a:solidFill>
+              <a:schemeClr val="bg1">
+                <a:lumMod val="95000"/>
+              </a:schemeClr>
+            </a:solidFill>
+          </a:ln>
+        </p:spPr>
+        <p:style>
+          <a:lnRef idx="2">
+            <a:schemeClr val="accent1">
+              <a:shade val="50000"/>
+            </a:schemeClr>
+          </a:lnRef>
+          <a:fillRef idx="1">
+            <a:schemeClr val="accent1"/>
+          </a:fillRef>
+          <a:effectRef idx="0">
+            <a:schemeClr val="accent1"/>
+          </a:effectRef>
+          <a:fontRef idx="minor">
+            <a:schemeClr val="lt1"/>
+          </a:fontRef>
+        </p:style>
+        <p:txBody>
+          <a:bodyPr rtlCol="0" anchor="ctr"/>
+          <a:lstStyle/>
+          <a:p>
+            <a:pPr algn="ctr"/>
+            <a:r>
+              <a:rPr lang="en-US" altLang="ko-KR" b="1" dirty="0">
+                <a:solidFill>
+                  <a:schemeClr val="bg1">
+                    <a:lumMod val="95000"/>
+                  </a:schemeClr>
+                </a:solidFill>
+                <a:latin typeface="배달의민족 한나체 Pro" pitchFamily="50" charset="-127"/>
+                <a:ea typeface="배달의민족 한나체 Pro" pitchFamily="50" charset="-127"/>
+              </a:rPr>
+              <a:t> I V</a:t>
+            </a:r>
+            <a:endParaRPr lang="ko-KR" altLang="en-US" b="1" dirty="0">
+              <a:solidFill>
+                <a:schemeClr val="bg1">
+                  <a:lumMod val="95000"/>
+                </a:schemeClr>
+              </a:solidFill>
+              <a:latin typeface="배달의민족 한나체 Pro" pitchFamily="50" charset="-127"/>
+              <a:ea typeface="배달의민족 한나체 Pro" pitchFamily="50" charset="-127"/>
+            </a:endParaRPr>
+          </a:p>
+        </p:txBody>
+      </p:sp>
+      <p:sp>
+        <p:nvSpPr>
           <p:cNvPr id="15" name="순서도: 처리 14"/>
           <p:cNvSpPr/>
           <p:nvPr/>
@@ -8909,6 +8837,2474 @@
           </a:solidFill>
           <a:ln>
             <a:solidFill>
+              <a:schemeClr val="tx2">
+                <a:lumMod val="60000"/>
+                <a:lumOff val="40000"/>
+              </a:schemeClr>
+            </a:solidFill>
+          </a:ln>
+        </p:spPr>
+        <p:style>
+          <a:lnRef idx="2">
+            <a:schemeClr val="accent1">
+              <a:shade val="50000"/>
+            </a:schemeClr>
+          </a:lnRef>
+          <a:fillRef idx="1">
+            <a:schemeClr val="accent1"/>
+          </a:fillRef>
+          <a:effectRef idx="0">
+            <a:schemeClr val="accent1"/>
+          </a:effectRef>
+          <a:fontRef idx="minor">
+            <a:schemeClr val="lt1"/>
+          </a:fontRef>
+        </p:style>
+        <p:txBody>
+          <a:bodyPr rtlCol="0" anchor="ctr"/>
+          <a:lstStyle/>
+          <a:p>
+            <a:pPr algn="ctr"/>
+            <a:r>
+              <a:rPr lang="en-US" altLang="ko-KR" dirty="0">
+                <a:solidFill>
+                  <a:schemeClr val="tx1"/>
+                </a:solidFill>
+                <a:latin typeface="배달의민족 한나체 Pro" pitchFamily="50" charset="-127"/>
+                <a:ea typeface="배달의민족 한나체 Pro" pitchFamily="50" charset="-127"/>
+              </a:rPr>
+              <a:t> </a:t>
+            </a:r>
+            <a:r>
+              <a:rPr lang="ko-KR" altLang="en-US" sz="1600" b="1" dirty="0">
+                <a:solidFill>
+                  <a:schemeClr val="tx1"/>
+                </a:solidFill>
+                <a:latin typeface="배달의민족 한나체 Pro" pitchFamily="50" charset="-127"/>
+                <a:ea typeface="배달의민족 한나체 Pro" pitchFamily="50" charset="-127"/>
+              </a:rPr>
+              <a:t>구매 요청 확인</a:t>
+            </a:r>
+          </a:p>
+        </p:txBody>
+      </p:sp>
+      <p:sp>
+        <p:nvSpPr>
+          <p:cNvPr id="78" name="순서도: 처리 77"/>
+          <p:cNvSpPr/>
+          <p:nvPr/>
+        </p:nvSpPr>
+        <p:spPr>
+          <a:xfrm>
+            <a:off x="5782622" y="2943392"/>
+            <a:ext cx="1152128" cy="504056"/>
+          </a:xfrm>
+          <a:prstGeom prst="flowChartProcess">
+            <a:avLst/>
+          </a:prstGeom>
+          <a:solidFill>
+            <a:schemeClr val="bg1"/>
+          </a:solidFill>
+          <a:ln>
+            <a:solidFill>
+              <a:schemeClr val="tx2">
+                <a:lumMod val="60000"/>
+                <a:lumOff val="40000"/>
+              </a:schemeClr>
+            </a:solidFill>
+          </a:ln>
+        </p:spPr>
+        <p:style>
+          <a:lnRef idx="2">
+            <a:schemeClr val="accent1">
+              <a:shade val="50000"/>
+            </a:schemeClr>
+          </a:lnRef>
+          <a:fillRef idx="1">
+            <a:schemeClr val="accent1"/>
+          </a:fillRef>
+          <a:effectRef idx="0">
+            <a:schemeClr val="accent1"/>
+          </a:effectRef>
+          <a:fontRef idx="minor">
+            <a:schemeClr val="lt1"/>
+          </a:fontRef>
+        </p:style>
+        <p:txBody>
+          <a:bodyPr rtlCol="0" anchor="ctr"/>
+          <a:lstStyle/>
+          <a:p>
+            <a:pPr algn="ctr"/>
+            <a:r>
+              <a:rPr lang="en-US" altLang="ko-KR" sz="1600" b="1" dirty="0">
+                <a:solidFill>
+                  <a:schemeClr val="tx1"/>
+                </a:solidFill>
+                <a:latin typeface="배달의민족 한나체 Pro" pitchFamily="50" charset="-127"/>
+                <a:ea typeface="배달의민족 한나체 Pro" pitchFamily="50" charset="-127"/>
+              </a:rPr>
+              <a:t> </a:t>
+            </a:r>
+            <a:r>
+              <a:rPr lang="ko-KR" altLang="en-US" sz="1600" b="1" dirty="0">
+                <a:solidFill>
+                  <a:schemeClr val="tx1"/>
+                </a:solidFill>
+                <a:latin typeface="배달의민족 한나체 Pro" pitchFamily="50" charset="-127"/>
+                <a:ea typeface="배달의민족 한나체 Pro" pitchFamily="50" charset="-127"/>
+              </a:rPr>
+              <a:t>벤더 관리</a:t>
+            </a:r>
+            <a:endParaRPr lang="en-US" altLang="ko-KR" sz="1600" b="1" dirty="0">
+              <a:solidFill>
+                <a:schemeClr val="tx1"/>
+              </a:solidFill>
+              <a:latin typeface="배달의민족 한나체 Pro" pitchFamily="50" charset="-127"/>
+              <a:ea typeface="배달의민족 한나체 Pro" pitchFamily="50" charset="-127"/>
+            </a:endParaRPr>
+          </a:p>
+        </p:txBody>
+      </p:sp>
+      <p:cxnSp>
+        <p:nvCxnSpPr>
+          <p:cNvPr id="79" name="직선 화살표 연결선 78"/>
+          <p:cNvCxnSpPr>
+            <a:stCxn id="77" idx="2"/>
+            <a:endCxn id="78" idx="0"/>
+          </p:cNvCxnSpPr>
+          <p:nvPr/>
+        </p:nvCxnSpPr>
+        <p:spPr>
+          <a:xfrm>
+            <a:off x="6346995" y="2428766"/>
+            <a:ext cx="11691" cy="514626"/>
+          </a:xfrm>
+          <a:prstGeom prst="straightConnector1">
+            <a:avLst/>
+          </a:prstGeom>
+          <a:ln w="28575">
+            <a:solidFill>
+              <a:schemeClr val="tx2">
+                <a:lumMod val="60000"/>
+                <a:lumOff val="40000"/>
+              </a:schemeClr>
+            </a:solidFill>
+            <a:tailEnd type="arrow"/>
+          </a:ln>
+        </p:spPr>
+        <p:style>
+          <a:lnRef idx="1">
+            <a:schemeClr val="accent1"/>
+          </a:lnRef>
+          <a:fillRef idx="0">
+            <a:schemeClr val="accent1"/>
+          </a:fillRef>
+          <a:effectRef idx="0">
+            <a:schemeClr val="accent1"/>
+          </a:effectRef>
+          <a:fontRef idx="minor">
+            <a:schemeClr val="tx1"/>
+          </a:fontRef>
+        </p:style>
+      </p:cxnSp>
+      <p:cxnSp>
+        <p:nvCxnSpPr>
+          <p:cNvPr id="83" name="꺾인 연결선 82"/>
+          <p:cNvCxnSpPr>
+            <a:stCxn id="11" idx="3"/>
+            <a:endCxn id="77" idx="1"/>
+          </p:cNvCxnSpPr>
+          <p:nvPr/>
+        </p:nvCxnSpPr>
+        <p:spPr>
+          <a:xfrm flipV="1">
+            <a:off x="4885046" y="2176738"/>
+            <a:ext cx="885885" cy="1915098"/>
+          </a:xfrm>
+          <a:prstGeom prst="bentConnector3">
+            <a:avLst>
+              <a:gd name="adj1" fmla="val 50000"/>
+            </a:avLst>
+          </a:prstGeom>
+          <a:ln w="28575">
+            <a:solidFill>
+              <a:schemeClr val="bg1">
+                <a:lumMod val="95000"/>
+              </a:schemeClr>
+            </a:solidFill>
+            <a:tailEnd type="triangle"/>
+          </a:ln>
+        </p:spPr>
+        <p:style>
+          <a:lnRef idx="1">
+            <a:schemeClr val="accent1"/>
+          </a:lnRef>
+          <a:fillRef idx="0">
+            <a:schemeClr val="accent1"/>
+          </a:fillRef>
+          <a:effectRef idx="0">
+            <a:schemeClr val="accent1"/>
+          </a:effectRef>
+          <a:fontRef idx="minor">
+            <a:schemeClr val="tx1"/>
+          </a:fontRef>
+        </p:style>
+      </p:cxnSp>
+      <p:cxnSp>
+        <p:nvCxnSpPr>
+          <p:cNvPr id="85" name="직선 화살표 연결선 84"/>
+          <p:cNvCxnSpPr>
+            <a:stCxn id="78" idx="2"/>
+            <a:endCxn id="12" idx="0"/>
+          </p:cNvCxnSpPr>
+          <p:nvPr/>
+        </p:nvCxnSpPr>
+        <p:spPr>
+          <a:xfrm flipH="1">
+            <a:off x="6352840" y="3447448"/>
+            <a:ext cx="5846" cy="389041"/>
+          </a:xfrm>
+          <a:prstGeom prst="straightConnector1">
+            <a:avLst/>
+          </a:prstGeom>
+          <a:ln w="28575">
+            <a:solidFill>
+              <a:schemeClr val="tx2">
+                <a:lumMod val="60000"/>
+                <a:lumOff val="40000"/>
+              </a:schemeClr>
+            </a:solidFill>
+            <a:tailEnd type="arrow"/>
+          </a:ln>
+        </p:spPr>
+        <p:style>
+          <a:lnRef idx="1">
+            <a:schemeClr val="accent1"/>
+          </a:lnRef>
+          <a:fillRef idx="0">
+            <a:schemeClr val="accent1"/>
+          </a:fillRef>
+          <a:effectRef idx="0">
+            <a:schemeClr val="accent1"/>
+          </a:effectRef>
+          <a:fontRef idx="minor">
+            <a:schemeClr val="tx1"/>
+          </a:fontRef>
+        </p:style>
+      </p:cxnSp>
+      <p:sp>
+        <p:nvSpPr>
+          <p:cNvPr id="97" name="순서도: 처리 96"/>
+          <p:cNvSpPr/>
+          <p:nvPr/>
+        </p:nvSpPr>
+        <p:spPr>
+          <a:xfrm>
+            <a:off x="7496527" y="3836489"/>
+            <a:ext cx="1152128" cy="504056"/>
+          </a:xfrm>
+          <a:prstGeom prst="flowChartProcess">
+            <a:avLst/>
+          </a:prstGeom>
+          <a:solidFill>
+            <a:schemeClr val="bg1"/>
+          </a:solidFill>
+          <a:ln>
+            <a:solidFill>
+              <a:schemeClr val="bg1">
+                <a:lumMod val="95000"/>
+              </a:schemeClr>
+            </a:solidFill>
+          </a:ln>
+        </p:spPr>
+        <p:style>
+          <a:lnRef idx="2">
+            <a:schemeClr val="accent1">
+              <a:shade val="50000"/>
+            </a:schemeClr>
+          </a:lnRef>
+          <a:fillRef idx="1">
+            <a:schemeClr val="accent1"/>
+          </a:fillRef>
+          <a:effectRef idx="0">
+            <a:schemeClr val="accent1"/>
+          </a:effectRef>
+          <a:fontRef idx="minor">
+            <a:schemeClr val="lt1"/>
+          </a:fontRef>
+        </p:style>
+        <p:txBody>
+          <a:bodyPr rtlCol="0" anchor="ctr"/>
+          <a:lstStyle/>
+          <a:p>
+            <a:pPr algn="ctr"/>
+            <a:r>
+              <a:rPr lang="en-US" altLang="ko-KR" sz="1600" b="1" dirty="0">
+                <a:solidFill>
+                  <a:schemeClr val="bg1">
+                    <a:lumMod val="95000"/>
+                  </a:schemeClr>
+                </a:solidFill>
+                <a:latin typeface="배달의민족 한나체 Pro" pitchFamily="50" charset="-127"/>
+                <a:ea typeface="배달의민족 한나체 Pro" pitchFamily="50" charset="-127"/>
+              </a:rPr>
+              <a:t> </a:t>
+            </a:r>
+            <a:r>
+              <a:rPr lang="ko-KR" altLang="en-US" sz="1600" b="1" dirty="0">
+                <a:solidFill>
+                  <a:schemeClr val="bg1">
+                    <a:lumMod val="95000"/>
+                  </a:schemeClr>
+                </a:solidFill>
+                <a:latin typeface="배달의민족 한나체 Pro" pitchFamily="50" charset="-127"/>
+                <a:ea typeface="배달의민족 한나체 Pro" pitchFamily="50" charset="-127"/>
+              </a:rPr>
+              <a:t>입고 재고 검사</a:t>
+            </a:r>
+          </a:p>
+        </p:txBody>
+      </p:sp>
+      <p:cxnSp>
+        <p:nvCxnSpPr>
+          <p:cNvPr id="98" name="직선 화살표 연결선 97"/>
+          <p:cNvCxnSpPr>
+            <a:stCxn id="13" idx="2"/>
+            <a:endCxn id="97" idx="0"/>
+          </p:cNvCxnSpPr>
+          <p:nvPr/>
+        </p:nvCxnSpPr>
+        <p:spPr>
+          <a:xfrm>
+            <a:off x="8068279" y="2428766"/>
+            <a:ext cx="4312" cy="1407723"/>
+          </a:xfrm>
+          <a:prstGeom prst="straightConnector1">
+            <a:avLst/>
+          </a:prstGeom>
+          <a:ln w="28575">
+            <a:solidFill>
+              <a:schemeClr val="bg1">
+                <a:lumMod val="95000"/>
+              </a:schemeClr>
+            </a:solidFill>
+            <a:tailEnd type="arrow"/>
+          </a:ln>
+        </p:spPr>
+        <p:style>
+          <a:lnRef idx="1">
+            <a:schemeClr val="accent1"/>
+          </a:lnRef>
+          <a:fillRef idx="0">
+            <a:schemeClr val="accent1"/>
+          </a:fillRef>
+          <a:effectRef idx="0">
+            <a:schemeClr val="accent1"/>
+          </a:effectRef>
+          <a:fontRef idx="minor">
+            <a:schemeClr val="tx1"/>
+          </a:fontRef>
+        </p:style>
+      </p:cxnSp>
+      <p:cxnSp>
+        <p:nvCxnSpPr>
+          <p:cNvPr id="114" name="직선 화살표 연결선 113"/>
+          <p:cNvCxnSpPr>
+            <a:stCxn id="97" idx="2"/>
+            <a:endCxn id="14" idx="0"/>
+          </p:cNvCxnSpPr>
+          <p:nvPr/>
+        </p:nvCxnSpPr>
+        <p:spPr>
+          <a:xfrm flipH="1">
+            <a:off x="8068279" y="4340545"/>
+            <a:ext cx="4312" cy="1141054"/>
+          </a:xfrm>
+          <a:prstGeom prst="straightConnector1">
+            <a:avLst/>
+          </a:prstGeom>
+          <a:ln w="28575">
+            <a:solidFill>
+              <a:schemeClr val="bg1">
+                <a:lumMod val="95000"/>
+              </a:schemeClr>
+            </a:solidFill>
+            <a:tailEnd type="arrow"/>
+          </a:ln>
+        </p:spPr>
+        <p:style>
+          <a:lnRef idx="1">
+            <a:schemeClr val="accent1"/>
+          </a:lnRef>
+          <a:fillRef idx="0">
+            <a:schemeClr val="accent1"/>
+          </a:fillRef>
+          <a:effectRef idx="0">
+            <a:schemeClr val="accent1"/>
+          </a:effectRef>
+          <a:fontRef idx="minor">
+            <a:schemeClr val="tx1"/>
+          </a:fontRef>
+        </p:style>
+      </p:cxnSp>
+      <p:sp>
+        <p:nvSpPr>
+          <p:cNvPr id="41" name="모서리가 둥근 직사각형 40"/>
+          <p:cNvSpPr/>
+          <p:nvPr/>
+        </p:nvSpPr>
+        <p:spPr>
+          <a:xfrm>
+            <a:off x="247518" y="134634"/>
+            <a:ext cx="2092234" cy="504056"/>
+          </a:xfrm>
+          <a:prstGeom prst="roundRect">
+            <a:avLst/>
+          </a:prstGeom>
+          <a:solidFill>
+            <a:schemeClr val="bg1"/>
+          </a:solidFill>
+          <a:ln>
+            <a:solidFill>
+              <a:schemeClr val="tx1"/>
+            </a:solidFill>
+          </a:ln>
+        </p:spPr>
+        <p:style>
+          <a:lnRef idx="2">
+            <a:schemeClr val="accent1">
+              <a:shade val="50000"/>
+            </a:schemeClr>
+          </a:lnRef>
+          <a:fillRef idx="1">
+            <a:schemeClr val="accent1"/>
+          </a:fillRef>
+          <a:effectRef idx="0">
+            <a:schemeClr val="accent1"/>
+          </a:effectRef>
+          <a:fontRef idx="minor">
+            <a:schemeClr val="lt1"/>
+          </a:fontRef>
+        </p:style>
+        <p:txBody>
+          <a:bodyPr rtlCol="0" anchor="ctr"/>
+          <a:lstStyle/>
+          <a:p>
+            <a:pPr algn="ctr"/>
+            <a:r>
+              <a:rPr lang="en-US" altLang="ko-KR" b="1" dirty="0">
+                <a:solidFill>
+                  <a:schemeClr val="tx1"/>
+                </a:solidFill>
+                <a:latin typeface="배달의민족 한나체 Pro" pitchFamily="50" charset="-127"/>
+                <a:ea typeface="배달의민족 한나체 Pro" pitchFamily="50" charset="-127"/>
+              </a:rPr>
+              <a:t>To - Be</a:t>
+            </a:r>
+            <a:endParaRPr lang="ko-KR" altLang="en-US" b="1" dirty="0">
+              <a:solidFill>
+                <a:schemeClr val="tx1"/>
+              </a:solidFill>
+              <a:latin typeface="배달의민족 한나체 Pro" pitchFamily="50" charset="-127"/>
+              <a:ea typeface="배달의민족 한나체 Pro" pitchFamily="50" charset="-127"/>
+            </a:endParaRPr>
+          </a:p>
+        </p:txBody>
+      </p:sp>
+      <p:cxnSp>
+        <p:nvCxnSpPr>
+          <p:cNvPr id="74" name="꺾인 연결선 73"/>
+          <p:cNvCxnSpPr>
+            <a:stCxn id="12" idx="3"/>
+            <a:endCxn id="13" idx="1"/>
+          </p:cNvCxnSpPr>
+          <p:nvPr/>
+        </p:nvCxnSpPr>
+        <p:spPr>
+          <a:xfrm flipV="1">
+            <a:off x="6928904" y="2176738"/>
+            <a:ext cx="563311" cy="1911779"/>
+          </a:xfrm>
+          <a:prstGeom prst="bentConnector3">
+            <a:avLst>
+              <a:gd name="adj1" fmla="val 50000"/>
+            </a:avLst>
+          </a:prstGeom>
+          <a:ln w="28575">
+            <a:solidFill>
+              <a:schemeClr val="bg1">
+                <a:lumMod val="95000"/>
+              </a:schemeClr>
+            </a:solidFill>
+            <a:tailEnd type="triangle"/>
+          </a:ln>
+        </p:spPr>
+        <p:style>
+          <a:lnRef idx="1">
+            <a:schemeClr val="accent1"/>
+          </a:lnRef>
+          <a:fillRef idx="0">
+            <a:schemeClr val="accent1"/>
+          </a:fillRef>
+          <a:effectRef idx="0">
+            <a:schemeClr val="accent1"/>
+          </a:effectRef>
+          <a:fontRef idx="minor">
+            <a:schemeClr val="tx1"/>
+          </a:fontRef>
+        </p:style>
+      </p:cxnSp>
+      <p:cxnSp>
+        <p:nvCxnSpPr>
+          <p:cNvPr id="67" name="직선 화살표 연결선 66"/>
+          <p:cNvCxnSpPr>
+            <a:endCxn id="16" idx="3"/>
+          </p:cNvCxnSpPr>
+          <p:nvPr/>
+        </p:nvCxnSpPr>
+        <p:spPr>
+          <a:xfrm flipH="1">
+            <a:off x="3193846" y="5027940"/>
+            <a:ext cx="4874433" cy="0"/>
+          </a:xfrm>
+          <a:prstGeom prst="straightConnector1">
+            <a:avLst/>
+          </a:prstGeom>
+          <a:ln w="28575">
+            <a:solidFill>
+              <a:schemeClr val="bg1">
+                <a:lumMod val="95000"/>
+              </a:schemeClr>
+            </a:solidFill>
+            <a:tailEnd type="triangle"/>
+          </a:ln>
+        </p:spPr>
+        <p:style>
+          <a:lnRef idx="1">
+            <a:schemeClr val="accent1"/>
+          </a:lnRef>
+          <a:fillRef idx="0">
+            <a:schemeClr val="accent1"/>
+          </a:fillRef>
+          <a:effectRef idx="0">
+            <a:schemeClr val="accent1"/>
+          </a:effectRef>
+          <a:fontRef idx="minor">
+            <a:schemeClr val="tx1"/>
+          </a:fontRef>
+        </p:style>
+      </p:cxnSp>
+      <p:sp>
+        <p:nvSpPr>
+          <p:cNvPr id="42" name="TextBox 41">
+            <a:extLst>
+              <a:ext uri="{FF2B5EF4-FFF2-40B4-BE49-F238E27FC236}">
+                <a16:creationId xmlns:a16="http://schemas.microsoft.com/office/drawing/2014/main" xmlns="" id="{DE3BC444-8FFE-4EE9-A37C-3E87950092A1}"/>
+              </a:ext>
+            </a:extLst>
+          </p:cNvPr>
+          <p:cNvSpPr txBox="1"/>
+          <p:nvPr/>
+        </p:nvSpPr>
+        <p:spPr>
+          <a:xfrm>
+            <a:off x="373942" y="2391022"/>
+            <a:ext cx="5257120" cy="646331"/>
+          </a:xfrm>
+          <a:prstGeom prst="rect">
+            <a:avLst/>
+          </a:prstGeom>
+          <a:noFill/>
+        </p:spPr>
+        <p:txBody>
+          <a:bodyPr wrap="square" rtlCol="0">
+            <a:spAutoFit/>
+          </a:bodyPr>
+          <a:lstStyle/>
+          <a:p>
+            <a:r>
+              <a:rPr lang="ko-KR" altLang="en-US" dirty="0">
+                <a:solidFill>
+                  <a:srgbClr val="0070C0"/>
+                </a:solidFill>
+              </a:rPr>
+              <a:t>사용자가 입력한 조회 조건과 </a:t>
+            </a:r>
+            <a:r>
+              <a:rPr lang="en-US" altLang="ko-KR" dirty="0">
+                <a:solidFill>
+                  <a:srgbClr val="0070C0"/>
+                </a:solidFill>
+              </a:rPr>
+              <a:t>Info Record</a:t>
+            </a:r>
+            <a:r>
+              <a:rPr lang="ko-KR" altLang="en-US" dirty="0">
+                <a:solidFill>
+                  <a:srgbClr val="0070C0"/>
+                </a:solidFill>
+              </a:rPr>
+              <a:t>에 맞는 미결된 </a:t>
+            </a:r>
+            <a:r>
+              <a:rPr lang="en-US" altLang="ko-KR" dirty="0">
+                <a:solidFill>
+                  <a:srgbClr val="0070C0"/>
+                </a:solidFill>
+              </a:rPr>
+              <a:t>PR</a:t>
+            </a:r>
+            <a:r>
+              <a:rPr lang="ko-KR" altLang="en-US" dirty="0">
+                <a:solidFill>
+                  <a:srgbClr val="0070C0"/>
+                </a:solidFill>
+              </a:rPr>
+              <a:t>만을 화면에 표시</a:t>
+            </a:r>
+            <a:endParaRPr lang="en-US" altLang="ko-KR" dirty="0">
+              <a:solidFill>
+                <a:srgbClr val="0070C0"/>
+              </a:solidFill>
+            </a:endParaRPr>
+          </a:p>
+        </p:txBody>
+      </p:sp>
+      <p:sp>
+        <p:nvSpPr>
+          <p:cNvPr id="44" name="TextBox 43">
+            <a:extLst>
+              <a:ext uri="{FF2B5EF4-FFF2-40B4-BE49-F238E27FC236}">
+                <a16:creationId xmlns:a16="http://schemas.microsoft.com/office/drawing/2014/main" xmlns="" id="{08CFBECB-DA0B-4584-A546-556BA09285B6}"/>
+              </a:ext>
+            </a:extLst>
+          </p:cNvPr>
+          <p:cNvSpPr txBox="1"/>
+          <p:nvPr/>
+        </p:nvSpPr>
+        <p:spPr>
+          <a:xfrm>
+            <a:off x="373942" y="3773022"/>
+            <a:ext cx="5257120" cy="646331"/>
+          </a:xfrm>
+          <a:prstGeom prst="rect">
+            <a:avLst/>
+          </a:prstGeom>
+          <a:noFill/>
+        </p:spPr>
+        <p:txBody>
+          <a:bodyPr wrap="square" rtlCol="0">
+            <a:spAutoFit/>
+          </a:bodyPr>
+          <a:lstStyle/>
+          <a:p>
+            <a:r>
+              <a:rPr lang="ko-KR" altLang="en-US" dirty="0">
+                <a:solidFill>
+                  <a:srgbClr val="0070C0"/>
+                </a:solidFill>
+              </a:rPr>
+              <a:t>총 주문량</a:t>
+            </a:r>
+            <a:r>
+              <a:rPr lang="en-US" altLang="ko-KR" dirty="0">
+                <a:solidFill>
+                  <a:srgbClr val="0070C0"/>
+                </a:solidFill>
+              </a:rPr>
+              <a:t>, </a:t>
+            </a:r>
+            <a:r>
+              <a:rPr lang="ko-KR" altLang="en-US" dirty="0">
+                <a:solidFill>
+                  <a:srgbClr val="0070C0"/>
+                </a:solidFill>
+              </a:rPr>
+              <a:t>기 주문량</a:t>
+            </a:r>
+            <a:r>
+              <a:rPr lang="en-US" altLang="ko-KR" dirty="0">
+                <a:solidFill>
+                  <a:srgbClr val="0070C0"/>
+                </a:solidFill>
+              </a:rPr>
+              <a:t>, </a:t>
+            </a:r>
+            <a:r>
+              <a:rPr lang="ko-KR" altLang="en-US" dirty="0">
+                <a:solidFill>
+                  <a:srgbClr val="0070C0"/>
+                </a:solidFill>
+              </a:rPr>
+              <a:t>요 주문량 등을 표시하여</a:t>
+            </a:r>
+            <a:endParaRPr lang="en-US" altLang="ko-KR" dirty="0">
+              <a:solidFill>
+                <a:srgbClr val="0070C0"/>
+              </a:solidFill>
+            </a:endParaRPr>
+          </a:p>
+          <a:p>
+            <a:r>
+              <a:rPr lang="ko-KR" altLang="en-US" dirty="0">
+                <a:solidFill>
+                  <a:srgbClr val="0070C0"/>
+                </a:solidFill>
+              </a:rPr>
+              <a:t>사용자가 주문량만을 기입해 </a:t>
+            </a:r>
+            <a:r>
+              <a:rPr lang="en-US" altLang="ko-KR" dirty="0">
+                <a:solidFill>
+                  <a:srgbClr val="0070C0"/>
+                </a:solidFill>
+              </a:rPr>
+              <a:t>PO</a:t>
+            </a:r>
+            <a:r>
+              <a:rPr lang="ko-KR" altLang="en-US" dirty="0">
+                <a:solidFill>
+                  <a:srgbClr val="0070C0"/>
+                </a:solidFill>
+              </a:rPr>
+              <a:t>를 생성</a:t>
+            </a:r>
+            <a:endParaRPr lang="en-US" altLang="ko-KR" dirty="0">
+              <a:solidFill>
+                <a:srgbClr val="0070C0"/>
+              </a:solidFill>
+            </a:endParaRPr>
+          </a:p>
+        </p:txBody>
+      </p:sp>
+    </p:spTree>
+    <p:extLst>
+      <p:ext uri="{BB962C8B-B14F-4D97-AF65-F5344CB8AC3E}">
+        <p14:creationId xmlns:p14="http://schemas.microsoft.com/office/powerpoint/2010/main" val="1337578663"/>
+      </p:ext>
+    </p:extLst>
+  </p:cSld>
+  <p:clrMapOvr>
+    <a:masterClrMapping/>
+  </p:clrMapOvr>
+</p:sld>
+</file>
+
+<file path=ppt/slides/slide12.xml><?xml version="1.0" encoding="utf-8"?>
+<p:sld xmlns:a="http://schemas.openxmlformats.org/drawingml/2006/main" xmlns:r="http://schemas.openxmlformats.org/officeDocument/2006/relationships" xmlns:p="http://schemas.openxmlformats.org/presentationml/2006/main">
+  <p:cSld>
+    <p:spTree>
+      <p:nvGrpSpPr>
+        <p:cNvPr id="1" name=""/>
+        <p:cNvGrpSpPr/>
+        <p:nvPr/>
+      </p:nvGrpSpPr>
+      <p:grpSpPr>
+        <a:xfrm>
+          <a:off x="0" y="0"/>
+          <a:ext cx="0" cy="0"/>
+          <a:chOff x="0" y="0"/>
+          <a:chExt cx="0" cy="0"/>
+        </a:xfrm>
+      </p:grpSpPr>
+      <p:sp>
+        <p:nvSpPr>
+          <p:cNvPr id="4" name="모서리가 둥근 직사각형 3"/>
+          <p:cNvSpPr/>
+          <p:nvPr/>
+        </p:nvSpPr>
+        <p:spPr>
+          <a:xfrm>
+            <a:off x="179512" y="1016732"/>
+            <a:ext cx="1325923" cy="5544616"/>
+          </a:xfrm>
+          <a:prstGeom prst="roundRect">
+            <a:avLst/>
+          </a:prstGeom>
+          <a:solidFill>
+            <a:schemeClr val="bg1"/>
+          </a:solidFill>
+          <a:ln>
+            <a:solidFill>
+              <a:schemeClr val="bg1">
+                <a:lumMod val="95000"/>
+              </a:schemeClr>
+            </a:solidFill>
+          </a:ln>
+        </p:spPr>
+        <p:style>
+          <a:lnRef idx="2">
+            <a:schemeClr val="accent1">
+              <a:shade val="50000"/>
+            </a:schemeClr>
+          </a:lnRef>
+          <a:fillRef idx="1">
+            <a:schemeClr val="accent1"/>
+          </a:fillRef>
+          <a:effectRef idx="0">
+            <a:schemeClr val="accent1"/>
+          </a:effectRef>
+          <a:fontRef idx="minor">
+            <a:schemeClr val="lt1"/>
+          </a:fontRef>
+        </p:style>
+        <p:txBody>
+          <a:bodyPr rtlCol="0" anchor="ctr"/>
+          <a:lstStyle/>
+          <a:p>
+            <a:pPr algn="ctr"/>
+            <a:endParaRPr lang="ko-KR" altLang="en-US">
+              <a:solidFill>
+                <a:schemeClr val="bg1">
+                  <a:lumMod val="95000"/>
+                </a:schemeClr>
+              </a:solidFill>
+            </a:endParaRPr>
+          </a:p>
+        </p:txBody>
+      </p:sp>
+      <p:sp>
+        <p:nvSpPr>
+          <p:cNvPr id="5" name="모서리가 둥근 직사각형 4"/>
+          <p:cNvSpPr/>
+          <p:nvPr/>
+        </p:nvSpPr>
+        <p:spPr>
+          <a:xfrm>
+            <a:off x="1760193" y="1017723"/>
+            <a:ext cx="3412312" cy="5544616"/>
+          </a:xfrm>
+          <a:prstGeom prst="roundRect">
+            <a:avLst/>
+          </a:prstGeom>
+          <a:solidFill>
+            <a:schemeClr val="bg1"/>
+          </a:solidFill>
+          <a:ln>
+            <a:solidFill>
+              <a:schemeClr val="bg1">
+                <a:lumMod val="95000"/>
+              </a:schemeClr>
+            </a:solidFill>
+          </a:ln>
+        </p:spPr>
+        <p:style>
+          <a:lnRef idx="2">
+            <a:schemeClr val="accent1">
+              <a:shade val="50000"/>
+            </a:schemeClr>
+          </a:lnRef>
+          <a:fillRef idx="1">
+            <a:schemeClr val="accent1"/>
+          </a:fillRef>
+          <a:effectRef idx="0">
+            <a:schemeClr val="accent1"/>
+          </a:effectRef>
+          <a:fontRef idx="minor">
+            <a:schemeClr val="lt1"/>
+          </a:fontRef>
+        </p:style>
+        <p:txBody>
+          <a:bodyPr rtlCol="0" anchor="ctr"/>
+          <a:lstStyle/>
+          <a:p>
+            <a:pPr algn="ctr"/>
+            <a:endParaRPr lang="ko-KR" altLang="en-US">
+              <a:solidFill>
+                <a:schemeClr val="bg1">
+                  <a:lumMod val="95000"/>
+                </a:schemeClr>
+              </a:solidFill>
+            </a:endParaRPr>
+          </a:p>
+        </p:txBody>
+      </p:sp>
+      <p:sp>
+        <p:nvSpPr>
+          <p:cNvPr id="6" name="모서리가 둥근 직사각형 5"/>
+          <p:cNvSpPr/>
+          <p:nvPr/>
+        </p:nvSpPr>
+        <p:spPr>
+          <a:xfrm>
+            <a:off x="3494609" y="1016732"/>
+            <a:ext cx="5397871" cy="5544616"/>
+          </a:xfrm>
+          <a:prstGeom prst="roundRect">
+            <a:avLst/>
+          </a:prstGeom>
+          <a:noFill/>
+          <a:ln>
+            <a:solidFill>
+              <a:schemeClr val="bg1">
+                <a:lumMod val="95000"/>
+              </a:schemeClr>
+            </a:solidFill>
+          </a:ln>
+        </p:spPr>
+        <p:style>
+          <a:lnRef idx="2">
+            <a:schemeClr val="accent1">
+              <a:shade val="50000"/>
+            </a:schemeClr>
+          </a:lnRef>
+          <a:fillRef idx="1">
+            <a:schemeClr val="accent1"/>
+          </a:fillRef>
+          <a:effectRef idx="0">
+            <a:schemeClr val="accent1"/>
+          </a:effectRef>
+          <a:fontRef idx="minor">
+            <a:schemeClr val="lt1"/>
+          </a:fontRef>
+        </p:style>
+        <p:txBody>
+          <a:bodyPr rtlCol="0" anchor="ctr"/>
+          <a:lstStyle/>
+          <a:p>
+            <a:pPr algn="ctr"/>
+            <a:endParaRPr lang="ko-KR" altLang="en-US">
+              <a:solidFill>
+                <a:schemeClr val="bg1">
+                  <a:lumMod val="95000"/>
+                </a:schemeClr>
+              </a:solidFill>
+            </a:endParaRPr>
+          </a:p>
+        </p:txBody>
+      </p:sp>
+      <p:sp>
+        <p:nvSpPr>
+          <p:cNvPr id="7" name="순서도: 처리 6"/>
+          <p:cNvSpPr/>
+          <p:nvPr/>
+        </p:nvSpPr>
+        <p:spPr>
+          <a:xfrm>
+            <a:off x="247518" y="1512647"/>
+            <a:ext cx="1152128" cy="504056"/>
+          </a:xfrm>
+          <a:prstGeom prst="flowChartProcess">
+            <a:avLst/>
+          </a:prstGeom>
+          <a:solidFill>
+            <a:schemeClr val="bg1"/>
+          </a:solidFill>
+          <a:ln>
+            <a:solidFill>
+              <a:schemeClr val="bg1">
+                <a:lumMod val="95000"/>
+              </a:schemeClr>
+            </a:solidFill>
+          </a:ln>
+        </p:spPr>
+        <p:style>
+          <a:lnRef idx="2">
+            <a:schemeClr val="accent1">
+              <a:shade val="50000"/>
+            </a:schemeClr>
+          </a:lnRef>
+          <a:fillRef idx="1">
+            <a:schemeClr val="accent1"/>
+          </a:fillRef>
+          <a:effectRef idx="0">
+            <a:schemeClr val="accent1"/>
+          </a:effectRef>
+          <a:fontRef idx="minor">
+            <a:schemeClr val="lt1"/>
+          </a:fontRef>
+        </p:style>
+        <p:txBody>
+          <a:bodyPr rtlCol="0" anchor="ctr"/>
+          <a:lstStyle/>
+          <a:p>
+            <a:pPr algn="ctr"/>
+            <a:r>
+              <a:rPr lang="en-US" altLang="ko-KR" b="1" dirty="0">
+                <a:solidFill>
+                  <a:schemeClr val="bg1">
+                    <a:lumMod val="95000"/>
+                  </a:schemeClr>
+                </a:solidFill>
+                <a:latin typeface="배달의민족 한나체 Pro" pitchFamily="50" charset="-127"/>
+                <a:ea typeface="배달의민족 한나체 Pro" pitchFamily="50" charset="-127"/>
+              </a:rPr>
+              <a:t> </a:t>
+            </a:r>
+            <a:r>
+              <a:rPr lang="ko-KR" altLang="en-US" sz="1600" b="1" dirty="0">
+                <a:solidFill>
+                  <a:schemeClr val="bg1">
+                    <a:lumMod val="95000"/>
+                  </a:schemeClr>
+                </a:solidFill>
+                <a:latin typeface="배달의민족 한나체 Pro" pitchFamily="50" charset="-127"/>
+                <a:ea typeface="배달의민족 한나체 Pro" pitchFamily="50" charset="-127"/>
+              </a:rPr>
+              <a:t>주문 접수</a:t>
+            </a:r>
+          </a:p>
+        </p:txBody>
+      </p:sp>
+      <p:sp>
+        <p:nvSpPr>
+          <p:cNvPr id="8" name="순서도: 처리 7"/>
+          <p:cNvSpPr/>
+          <p:nvPr/>
+        </p:nvSpPr>
+        <p:spPr>
+          <a:xfrm>
+            <a:off x="247518" y="2376743"/>
+            <a:ext cx="1152128" cy="504056"/>
+          </a:xfrm>
+          <a:prstGeom prst="flowChartProcess">
+            <a:avLst/>
+          </a:prstGeom>
+          <a:solidFill>
+            <a:schemeClr val="bg1"/>
+          </a:solidFill>
+          <a:ln>
+            <a:solidFill>
+              <a:schemeClr val="bg1">
+                <a:lumMod val="95000"/>
+              </a:schemeClr>
+            </a:solidFill>
+          </a:ln>
+        </p:spPr>
+        <p:style>
+          <a:lnRef idx="2">
+            <a:schemeClr val="accent1">
+              <a:shade val="50000"/>
+            </a:schemeClr>
+          </a:lnRef>
+          <a:fillRef idx="1">
+            <a:schemeClr val="accent1"/>
+          </a:fillRef>
+          <a:effectRef idx="0">
+            <a:schemeClr val="accent1"/>
+          </a:effectRef>
+          <a:fontRef idx="minor">
+            <a:schemeClr val="lt1"/>
+          </a:fontRef>
+        </p:style>
+        <p:txBody>
+          <a:bodyPr rtlCol="0" anchor="ctr"/>
+          <a:lstStyle/>
+          <a:p>
+            <a:pPr algn="ctr"/>
+            <a:r>
+              <a:rPr lang="en-US" altLang="ko-KR" sz="1600" b="1" dirty="0">
+                <a:solidFill>
+                  <a:schemeClr val="bg1">
+                    <a:lumMod val="95000"/>
+                  </a:schemeClr>
+                </a:solidFill>
+                <a:latin typeface="배달의민족 한나체 Pro" pitchFamily="50" charset="-127"/>
+                <a:ea typeface="배달의민족 한나체 Pro" pitchFamily="50" charset="-127"/>
+              </a:rPr>
+              <a:t> </a:t>
+            </a:r>
+            <a:r>
+              <a:rPr lang="ko-KR" altLang="en-US" sz="1600" b="1" dirty="0">
+                <a:solidFill>
+                  <a:schemeClr val="bg1">
+                    <a:lumMod val="95000"/>
+                  </a:schemeClr>
+                </a:solidFill>
+                <a:latin typeface="배달의민족 한나체 Pro" pitchFamily="50" charset="-127"/>
+                <a:ea typeface="배달의민족 한나체 Pro" pitchFamily="50" charset="-127"/>
+              </a:rPr>
+              <a:t>판매 오더</a:t>
+            </a:r>
+          </a:p>
+        </p:txBody>
+      </p:sp>
+      <p:sp>
+        <p:nvSpPr>
+          <p:cNvPr id="9" name="순서도: 처리 8"/>
+          <p:cNvSpPr/>
+          <p:nvPr/>
+        </p:nvSpPr>
+        <p:spPr>
+          <a:xfrm>
+            <a:off x="2036709" y="2903704"/>
+            <a:ext cx="1152128" cy="504056"/>
+          </a:xfrm>
+          <a:prstGeom prst="flowChartProcess">
+            <a:avLst/>
+          </a:prstGeom>
+          <a:solidFill>
+            <a:schemeClr val="bg1"/>
+          </a:solidFill>
+          <a:ln>
+            <a:solidFill>
+              <a:schemeClr val="bg1">
+                <a:lumMod val="95000"/>
+              </a:schemeClr>
+            </a:solidFill>
+          </a:ln>
+        </p:spPr>
+        <p:style>
+          <a:lnRef idx="2">
+            <a:schemeClr val="accent1">
+              <a:shade val="50000"/>
+            </a:schemeClr>
+          </a:lnRef>
+          <a:fillRef idx="1">
+            <a:schemeClr val="accent1"/>
+          </a:fillRef>
+          <a:effectRef idx="0">
+            <a:schemeClr val="accent1"/>
+          </a:effectRef>
+          <a:fontRef idx="minor">
+            <a:schemeClr val="lt1"/>
+          </a:fontRef>
+        </p:style>
+        <p:txBody>
+          <a:bodyPr rtlCol="0" anchor="ctr"/>
+          <a:lstStyle/>
+          <a:p>
+            <a:pPr algn="ctr"/>
+            <a:r>
+              <a:rPr lang="en-US" altLang="ko-KR" dirty="0">
+                <a:solidFill>
+                  <a:schemeClr val="bg1">
+                    <a:lumMod val="95000"/>
+                  </a:schemeClr>
+                </a:solidFill>
+                <a:latin typeface="배달의민족 한나체 Pro" pitchFamily="50" charset="-127"/>
+                <a:ea typeface="배달의민족 한나체 Pro" pitchFamily="50" charset="-127"/>
+              </a:rPr>
+              <a:t> </a:t>
+            </a:r>
+            <a:r>
+              <a:rPr lang="ko-KR" altLang="en-US" sz="1600" b="1" dirty="0">
+                <a:solidFill>
+                  <a:schemeClr val="bg1">
+                    <a:lumMod val="95000"/>
+                  </a:schemeClr>
+                </a:solidFill>
+                <a:latin typeface="배달의민족 한나체 Pro" pitchFamily="50" charset="-127"/>
+                <a:ea typeface="배달의민족 한나체 Pro" pitchFamily="50" charset="-127"/>
+              </a:rPr>
+              <a:t>생산 오더</a:t>
+            </a:r>
+          </a:p>
+        </p:txBody>
+      </p:sp>
+      <p:sp>
+        <p:nvSpPr>
+          <p:cNvPr id="10" name="순서도: 처리 9"/>
+          <p:cNvSpPr/>
+          <p:nvPr/>
+        </p:nvSpPr>
+        <p:spPr>
+          <a:xfrm>
+            <a:off x="3741977" y="1924710"/>
+            <a:ext cx="1152128" cy="504056"/>
+          </a:xfrm>
+          <a:prstGeom prst="flowChartProcess">
+            <a:avLst/>
+          </a:prstGeom>
+          <a:solidFill>
+            <a:schemeClr val="bg1"/>
+          </a:solidFill>
+          <a:ln>
+            <a:solidFill>
+              <a:schemeClr val="bg1">
+                <a:lumMod val="95000"/>
+              </a:schemeClr>
+            </a:solidFill>
+          </a:ln>
+        </p:spPr>
+        <p:style>
+          <a:lnRef idx="2">
+            <a:schemeClr val="accent1">
+              <a:shade val="50000"/>
+            </a:schemeClr>
+          </a:lnRef>
+          <a:fillRef idx="1">
+            <a:schemeClr val="accent1"/>
+          </a:fillRef>
+          <a:effectRef idx="0">
+            <a:schemeClr val="accent1"/>
+          </a:effectRef>
+          <a:fontRef idx="minor">
+            <a:schemeClr val="lt1"/>
+          </a:fontRef>
+        </p:style>
+        <p:txBody>
+          <a:bodyPr rtlCol="0" anchor="ctr"/>
+          <a:lstStyle/>
+          <a:p>
+            <a:pPr algn="ctr"/>
+            <a:r>
+              <a:rPr lang="en-US" altLang="ko-KR" sz="1300" b="1" dirty="0">
+                <a:solidFill>
+                  <a:schemeClr val="bg1">
+                    <a:lumMod val="95000"/>
+                  </a:schemeClr>
+                </a:solidFill>
+                <a:latin typeface="배달의민족 한나체 Pro" pitchFamily="50" charset="-127"/>
+                <a:ea typeface="배달의민족 한나체 Pro" pitchFamily="50" charset="-127"/>
+              </a:rPr>
+              <a:t> </a:t>
+            </a:r>
+            <a:r>
+              <a:rPr lang="ko-KR" altLang="en-US" sz="1300" b="1" dirty="0">
+                <a:solidFill>
+                  <a:schemeClr val="bg1">
+                    <a:lumMod val="95000"/>
+                  </a:schemeClr>
+                </a:solidFill>
+                <a:latin typeface="배달의민족 한나체 Pro" pitchFamily="50" charset="-127"/>
+                <a:ea typeface="배달의민족 한나체 Pro" pitchFamily="50" charset="-127"/>
+              </a:rPr>
+              <a:t>사용량 파악</a:t>
+            </a:r>
+          </a:p>
+        </p:txBody>
+      </p:sp>
+      <p:sp>
+        <p:nvSpPr>
+          <p:cNvPr id="11" name="순서도: 처리 10"/>
+          <p:cNvSpPr/>
+          <p:nvPr/>
+        </p:nvSpPr>
+        <p:spPr>
+          <a:xfrm>
+            <a:off x="3732918" y="3839808"/>
+            <a:ext cx="1152128" cy="504056"/>
+          </a:xfrm>
+          <a:prstGeom prst="flowChartProcess">
+            <a:avLst/>
+          </a:prstGeom>
+          <a:solidFill>
+            <a:schemeClr val="bg1"/>
+          </a:solidFill>
+          <a:ln>
+            <a:solidFill>
+              <a:schemeClr val="bg1">
+                <a:lumMod val="95000"/>
+              </a:schemeClr>
+            </a:solidFill>
+          </a:ln>
+        </p:spPr>
+        <p:style>
+          <a:lnRef idx="2">
+            <a:schemeClr val="accent1">
+              <a:shade val="50000"/>
+            </a:schemeClr>
+          </a:lnRef>
+          <a:fillRef idx="1">
+            <a:schemeClr val="accent1"/>
+          </a:fillRef>
+          <a:effectRef idx="0">
+            <a:schemeClr val="accent1"/>
+          </a:effectRef>
+          <a:fontRef idx="minor">
+            <a:schemeClr val="lt1"/>
+          </a:fontRef>
+        </p:style>
+        <p:txBody>
+          <a:bodyPr rtlCol="0" anchor="ctr"/>
+          <a:lstStyle/>
+          <a:p>
+            <a:pPr algn="ctr"/>
+            <a:r>
+              <a:rPr lang="en-US" altLang="ko-KR" sz="1600" b="1" dirty="0">
+                <a:solidFill>
+                  <a:schemeClr val="bg1">
+                    <a:lumMod val="95000"/>
+                  </a:schemeClr>
+                </a:solidFill>
+                <a:latin typeface="배달의민족 한나체 Pro" pitchFamily="50" charset="-127"/>
+                <a:ea typeface="배달의민족 한나체 Pro" pitchFamily="50" charset="-127"/>
+              </a:rPr>
+              <a:t> </a:t>
+            </a:r>
+            <a:r>
+              <a:rPr lang="ko-KR" altLang="en-US" sz="1600" b="1" dirty="0">
+                <a:solidFill>
+                  <a:schemeClr val="bg1">
+                    <a:lumMod val="95000"/>
+                  </a:schemeClr>
+                </a:solidFill>
+                <a:latin typeface="배달의민족 한나체 Pro" pitchFamily="50" charset="-127"/>
+                <a:ea typeface="배달의민족 한나체 Pro" pitchFamily="50" charset="-127"/>
+              </a:rPr>
+              <a:t>구매 요청</a:t>
+            </a:r>
+          </a:p>
+        </p:txBody>
+      </p:sp>
+      <p:sp>
+        <p:nvSpPr>
+          <p:cNvPr id="12" name="순서도: 처리 11"/>
+          <p:cNvSpPr/>
+          <p:nvPr/>
+        </p:nvSpPr>
+        <p:spPr>
+          <a:xfrm>
+            <a:off x="5776776" y="3836489"/>
+            <a:ext cx="1152128" cy="504056"/>
+          </a:xfrm>
+          <a:prstGeom prst="flowChartProcess">
+            <a:avLst/>
+          </a:prstGeom>
+          <a:solidFill>
+            <a:schemeClr val="bg1"/>
+          </a:solidFill>
+          <a:ln>
+            <a:solidFill>
+              <a:schemeClr val="bg1">
+                <a:lumMod val="95000"/>
+              </a:schemeClr>
+            </a:solidFill>
+          </a:ln>
+        </p:spPr>
+        <p:style>
+          <a:lnRef idx="2">
+            <a:schemeClr val="accent1">
+              <a:shade val="50000"/>
+            </a:schemeClr>
+          </a:lnRef>
+          <a:fillRef idx="1">
+            <a:schemeClr val="accent1"/>
+          </a:fillRef>
+          <a:effectRef idx="0">
+            <a:schemeClr val="accent1"/>
+          </a:effectRef>
+          <a:fontRef idx="minor">
+            <a:schemeClr val="lt1"/>
+          </a:fontRef>
+        </p:style>
+        <p:txBody>
+          <a:bodyPr rtlCol="0" anchor="ctr"/>
+          <a:lstStyle/>
+          <a:p>
+            <a:pPr algn="ctr"/>
+            <a:r>
+              <a:rPr lang="en-US" altLang="ko-KR" sz="1600" b="1" dirty="0">
+                <a:solidFill>
+                  <a:schemeClr val="bg1">
+                    <a:lumMod val="95000"/>
+                  </a:schemeClr>
+                </a:solidFill>
+                <a:latin typeface="배달의민족 한나체 Pro" pitchFamily="50" charset="-127"/>
+                <a:ea typeface="배달의민족 한나체 Pro" pitchFamily="50" charset="-127"/>
+              </a:rPr>
+              <a:t> P O </a:t>
+            </a:r>
+            <a:r>
+              <a:rPr lang="ko-KR" altLang="en-US" sz="1600" b="1" dirty="0">
+                <a:solidFill>
+                  <a:schemeClr val="bg1">
+                    <a:lumMod val="95000"/>
+                  </a:schemeClr>
+                </a:solidFill>
+                <a:latin typeface="배달의민족 한나체 Pro" pitchFamily="50" charset="-127"/>
+                <a:ea typeface="배달의민족 한나체 Pro" pitchFamily="50" charset="-127"/>
+              </a:rPr>
+              <a:t>발행</a:t>
+            </a:r>
+          </a:p>
+        </p:txBody>
+      </p:sp>
+      <p:sp>
+        <p:nvSpPr>
+          <p:cNvPr id="13" name="순서도: 처리 12"/>
+          <p:cNvSpPr/>
+          <p:nvPr/>
+        </p:nvSpPr>
+        <p:spPr>
+          <a:xfrm>
+            <a:off x="7492215" y="1924710"/>
+            <a:ext cx="1152128" cy="504056"/>
+          </a:xfrm>
+          <a:prstGeom prst="flowChartProcess">
+            <a:avLst/>
+          </a:prstGeom>
+          <a:solidFill>
+            <a:schemeClr val="bg1"/>
+          </a:solidFill>
+          <a:ln>
+            <a:solidFill>
+              <a:schemeClr val="tx2">
+                <a:lumMod val="60000"/>
+                <a:lumOff val="40000"/>
+              </a:schemeClr>
+            </a:solidFill>
+          </a:ln>
+        </p:spPr>
+        <p:style>
+          <a:lnRef idx="2">
+            <a:schemeClr val="accent1">
+              <a:shade val="50000"/>
+            </a:schemeClr>
+          </a:lnRef>
+          <a:fillRef idx="1">
+            <a:schemeClr val="accent1"/>
+          </a:fillRef>
+          <a:effectRef idx="0">
+            <a:schemeClr val="accent1"/>
+          </a:effectRef>
+          <a:fontRef idx="minor">
+            <a:schemeClr val="lt1"/>
+          </a:fontRef>
+        </p:style>
+        <p:txBody>
+          <a:bodyPr rtlCol="0" anchor="ctr"/>
+          <a:lstStyle/>
+          <a:p>
+            <a:pPr algn="ctr"/>
+            <a:r>
+              <a:rPr lang="en-US" altLang="ko-KR" b="1" dirty="0">
+                <a:solidFill>
+                  <a:schemeClr val="tx1"/>
+                </a:solidFill>
+                <a:latin typeface="배달의민족 한나체 Pro" pitchFamily="50" charset="-127"/>
+                <a:ea typeface="배달의민족 한나체 Pro" pitchFamily="50" charset="-127"/>
+              </a:rPr>
+              <a:t> G R</a:t>
+            </a:r>
+            <a:endParaRPr lang="ko-KR" altLang="en-US" b="1" dirty="0">
+              <a:solidFill>
+                <a:schemeClr val="tx1"/>
+              </a:solidFill>
+              <a:latin typeface="배달의민족 한나체 Pro" pitchFamily="50" charset="-127"/>
+              <a:ea typeface="배달의민족 한나체 Pro" pitchFamily="50" charset="-127"/>
+            </a:endParaRPr>
+          </a:p>
+        </p:txBody>
+      </p:sp>
+      <p:sp>
+        <p:nvSpPr>
+          <p:cNvPr id="14" name="순서도: 처리 13"/>
+          <p:cNvSpPr/>
+          <p:nvPr/>
+        </p:nvSpPr>
+        <p:spPr>
+          <a:xfrm>
+            <a:off x="7492215" y="5481599"/>
+            <a:ext cx="1152128" cy="504056"/>
+          </a:xfrm>
+          <a:prstGeom prst="flowChartProcess">
+            <a:avLst/>
+          </a:prstGeom>
+          <a:solidFill>
+            <a:schemeClr val="bg1"/>
+          </a:solidFill>
+          <a:ln>
+            <a:solidFill>
+              <a:schemeClr val="bg1">
+                <a:lumMod val="95000"/>
+              </a:schemeClr>
+            </a:solidFill>
+          </a:ln>
+        </p:spPr>
+        <p:style>
+          <a:lnRef idx="2">
+            <a:schemeClr val="accent1">
+              <a:shade val="50000"/>
+            </a:schemeClr>
+          </a:lnRef>
+          <a:fillRef idx="1">
+            <a:schemeClr val="accent1"/>
+          </a:fillRef>
+          <a:effectRef idx="0">
+            <a:schemeClr val="accent1"/>
+          </a:effectRef>
+          <a:fontRef idx="minor">
+            <a:schemeClr val="lt1"/>
+          </a:fontRef>
+        </p:style>
+        <p:txBody>
+          <a:bodyPr rtlCol="0" anchor="ctr"/>
+          <a:lstStyle/>
+          <a:p>
+            <a:pPr algn="ctr"/>
+            <a:r>
+              <a:rPr lang="en-US" altLang="ko-KR" b="1" dirty="0">
+                <a:solidFill>
+                  <a:schemeClr val="bg1">
+                    <a:lumMod val="95000"/>
+                  </a:schemeClr>
+                </a:solidFill>
+                <a:latin typeface="배달의민족 한나체 Pro" pitchFamily="50" charset="-127"/>
+                <a:ea typeface="배달의민족 한나체 Pro" pitchFamily="50" charset="-127"/>
+              </a:rPr>
+              <a:t> I V</a:t>
+            </a:r>
+            <a:endParaRPr lang="ko-KR" altLang="en-US" b="1" dirty="0">
+              <a:solidFill>
+                <a:schemeClr val="bg1">
+                  <a:lumMod val="95000"/>
+                </a:schemeClr>
+              </a:solidFill>
+              <a:latin typeface="배달의민족 한나체 Pro" pitchFamily="50" charset="-127"/>
+              <a:ea typeface="배달의민족 한나체 Pro" pitchFamily="50" charset="-127"/>
+            </a:endParaRPr>
+          </a:p>
+        </p:txBody>
+      </p:sp>
+      <p:sp>
+        <p:nvSpPr>
+          <p:cNvPr id="15" name="순서도: 처리 14"/>
+          <p:cNvSpPr/>
+          <p:nvPr/>
+        </p:nvSpPr>
+        <p:spPr>
+          <a:xfrm>
+            <a:off x="2036709" y="3839808"/>
+            <a:ext cx="1152128" cy="504056"/>
+          </a:xfrm>
+          <a:prstGeom prst="flowChartProcess">
+            <a:avLst/>
+          </a:prstGeom>
+          <a:solidFill>
+            <a:schemeClr val="bg1"/>
+          </a:solidFill>
+          <a:ln>
+            <a:solidFill>
+              <a:schemeClr val="bg1">
+                <a:lumMod val="95000"/>
+              </a:schemeClr>
+            </a:solidFill>
+          </a:ln>
+        </p:spPr>
+        <p:style>
+          <a:lnRef idx="2">
+            <a:schemeClr val="accent1">
+              <a:shade val="50000"/>
+            </a:schemeClr>
+          </a:lnRef>
+          <a:fillRef idx="1">
+            <a:schemeClr val="accent1"/>
+          </a:fillRef>
+          <a:effectRef idx="0">
+            <a:schemeClr val="accent1"/>
+          </a:effectRef>
+          <a:fontRef idx="minor">
+            <a:schemeClr val="lt1"/>
+          </a:fontRef>
+        </p:style>
+        <p:txBody>
+          <a:bodyPr rtlCol="0" anchor="ctr"/>
+          <a:lstStyle/>
+          <a:p>
+            <a:pPr algn="ctr"/>
+            <a:r>
+              <a:rPr lang="en-US" altLang="ko-KR" b="1" dirty="0">
+                <a:solidFill>
+                  <a:schemeClr val="bg1">
+                    <a:lumMod val="95000"/>
+                  </a:schemeClr>
+                </a:solidFill>
+                <a:latin typeface="배달의민족 한나체 Pro" pitchFamily="50" charset="-127"/>
+                <a:ea typeface="배달의민족 한나체 Pro" pitchFamily="50" charset="-127"/>
+              </a:rPr>
+              <a:t> </a:t>
+            </a:r>
+            <a:r>
+              <a:rPr lang="ko-KR" altLang="en-US" sz="1600" b="1" dirty="0">
+                <a:solidFill>
+                  <a:schemeClr val="bg1">
+                    <a:lumMod val="95000"/>
+                  </a:schemeClr>
+                </a:solidFill>
+                <a:latin typeface="배달의민족 한나체 Pro" pitchFamily="50" charset="-127"/>
+                <a:ea typeface="배달의민족 한나체 Pro" pitchFamily="50" charset="-127"/>
+              </a:rPr>
+              <a:t>생산 계획</a:t>
+            </a:r>
+          </a:p>
+        </p:txBody>
+      </p:sp>
+      <p:sp>
+        <p:nvSpPr>
+          <p:cNvPr id="16" name="순서도: 처리 15"/>
+          <p:cNvSpPr/>
+          <p:nvPr/>
+        </p:nvSpPr>
+        <p:spPr>
+          <a:xfrm>
+            <a:off x="2041718" y="4775912"/>
+            <a:ext cx="1152128" cy="504056"/>
+          </a:xfrm>
+          <a:prstGeom prst="flowChartProcess">
+            <a:avLst/>
+          </a:prstGeom>
+          <a:solidFill>
+            <a:schemeClr val="bg1"/>
+          </a:solidFill>
+          <a:ln>
+            <a:solidFill>
+              <a:schemeClr val="bg1">
+                <a:lumMod val="95000"/>
+              </a:schemeClr>
+            </a:solidFill>
+          </a:ln>
+        </p:spPr>
+        <p:style>
+          <a:lnRef idx="2">
+            <a:schemeClr val="accent1">
+              <a:shade val="50000"/>
+            </a:schemeClr>
+          </a:lnRef>
+          <a:fillRef idx="1">
+            <a:schemeClr val="accent1"/>
+          </a:fillRef>
+          <a:effectRef idx="0">
+            <a:schemeClr val="accent1"/>
+          </a:effectRef>
+          <a:fontRef idx="minor">
+            <a:schemeClr val="lt1"/>
+          </a:fontRef>
+        </p:style>
+        <p:txBody>
+          <a:bodyPr rtlCol="0" anchor="ctr"/>
+          <a:lstStyle/>
+          <a:p>
+            <a:pPr algn="ctr"/>
+            <a:r>
+              <a:rPr lang="en-US" altLang="ko-KR" dirty="0">
+                <a:solidFill>
+                  <a:schemeClr val="bg1">
+                    <a:lumMod val="95000"/>
+                  </a:schemeClr>
+                </a:solidFill>
+                <a:latin typeface="배달의민족 한나체 Pro" pitchFamily="50" charset="-127"/>
+                <a:ea typeface="배달의민족 한나체 Pro" pitchFamily="50" charset="-127"/>
+              </a:rPr>
+              <a:t> </a:t>
+            </a:r>
+            <a:r>
+              <a:rPr lang="ko-KR" altLang="en-US" b="1" dirty="0">
+                <a:solidFill>
+                  <a:schemeClr val="bg1">
+                    <a:lumMod val="95000"/>
+                  </a:schemeClr>
+                </a:solidFill>
+                <a:latin typeface="배달의민족 한나체 Pro" pitchFamily="50" charset="-127"/>
+                <a:ea typeface="배달의민족 한나체 Pro" pitchFamily="50" charset="-127"/>
+              </a:rPr>
+              <a:t>생 산</a:t>
+            </a:r>
+          </a:p>
+        </p:txBody>
+      </p:sp>
+      <p:sp>
+        <p:nvSpPr>
+          <p:cNvPr id="17" name="순서도: 처리 16"/>
+          <p:cNvSpPr/>
+          <p:nvPr/>
+        </p:nvSpPr>
+        <p:spPr>
+          <a:xfrm>
+            <a:off x="2036709" y="5712016"/>
+            <a:ext cx="1152128" cy="504056"/>
+          </a:xfrm>
+          <a:prstGeom prst="flowChartProcess">
+            <a:avLst/>
+          </a:prstGeom>
+          <a:solidFill>
+            <a:schemeClr val="bg1"/>
+          </a:solidFill>
+          <a:ln>
+            <a:solidFill>
+              <a:schemeClr val="bg1">
+                <a:lumMod val="95000"/>
+              </a:schemeClr>
+            </a:solidFill>
+          </a:ln>
+        </p:spPr>
+        <p:style>
+          <a:lnRef idx="2">
+            <a:schemeClr val="accent1">
+              <a:shade val="50000"/>
+            </a:schemeClr>
+          </a:lnRef>
+          <a:fillRef idx="1">
+            <a:schemeClr val="accent1"/>
+          </a:fillRef>
+          <a:effectRef idx="0">
+            <a:schemeClr val="accent1"/>
+          </a:effectRef>
+          <a:fontRef idx="minor">
+            <a:schemeClr val="lt1"/>
+          </a:fontRef>
+        </p:style>
+        <p:txBody>
+          <a:bodyPr rtlCol="0" anchor="ctr"/>
+          <a:lstStyle/>
+          <a:p>
+            <a:pPr algn="ctr"/>
+            <a:r>
+              <a:rPr lang="en-US" altLang="ko-KR" dirty="0">
+                <a:solidFill>
+                  <a:schemeClr val="bg1">
+                    <a:lumMod val="95000"/>
+                  </a:schemeClr>
+                </a:solidFill>
+                <a:latin typeface="배달의민족 한나체 Pro" pitchFamily="50" charset="-127"/>
+                <a:ea typeface="배달의민족 한나체 Pro" pitchFamily="50" charset="-127"/>
+              </a:rPr>
+              <a:t> </a:t>
+            </a:r>
+            <a:r>
+              <a:rPr lang="ko-KR" altLang="en-US" b="1" dirty="0">
+                <a:solidFill>
+                  <a:schemeClr val="bg1">
+                    <a:lumMod val="95000"/>
+                  </a:schemeClr>
+                </a:solidFill>
+                <a:latin typeface="배달의민족 한나체 Pro" pitchFamily="50" charset="-127"/>
+                <a:ea typeface="배달의민족 한나체 Pro" pitchFamily="50" charset="-127"/>
+              </a:rPr>
+              <a:t>출 고</a:t>
+            </a:r>
+          </a:p>
+        </p:txBody>
+      </p:sp>
+      <p:cxnSp>
+        <p:nvCxnSpPr>
+          <p:cNvPr id="19" name="직선 화살표 연결선 18"/>
+          <p:cNvCxnSpPr/>
+          <p:nvPr/>
+        </p:nvCxnSpPr>
+        <p:spPr>
+          <a:xfrm>
+            <a:off x="827584" y="2016703"/>
+            <a:ext cx="0" cy="360040"/>
+          </a:xfrm>
+          <a:prstGeom prst="straightConnector1">
+            <a:avLst/>
+          </a:prstGeom>
+          <a:ln w="28575">
+            <a:solidFill>
+              <a:schemeClr val="bg1">
+                <a:lumMod val="95000"/>
+              </a:schemeClr>
+            </a:solidFill>
+            <a:tailEnd type="arrow"/>
+          </a:ln>
+        </p:spPr>
+        <p:style>
+          <a:lnRef idx="1">
+            <a:schemeClr val="accent1"/>
+          </a:lnRef>
+          <a:fillRef idx="0">
+            <a:schemeClr val="accent1"/>
+          </a:fillRef>
+          <a:effectRef idx="0">
+            <a:schemeClr val="accent1"/>
+          </a:effectRef>
+          <a:fontRef idx="minor">
+            <a:schemeClr val="tx1"/>
+          </a:fontRef>
+        </p:style>
+      </p:cxnSp>
+      <p:cxnSp>
+        <p:nvCxnSpPr>
+          <p:cNvPr id="20" name="꺾인 연결선 19"/>
+          <p:cNvCxnSpPr>
+            <a:stCxn id="8" idx="3"/>
+            <a:endCxn id="9" idx="0"/>
+          </p:cNvCxnSpPr>
+          <p:nvPr/>
+        </p:nvCxnSpPr>
+        <p:spPr>
+          <a:xfrm>
+            <a:off x="1399646" y="2628771"/>
+            <a:ext cx="1213127" cy="274933"/>
+          </a:xfrm>
+          <a:prstGeom prst="bentConnector2">
+            <a:avLst/>
+          </a:prstGeom>
+          <a:ln w="28575">
+            <a:solidFill>
+              <a:schemeClr val="bg1">
+                <a:lumMod val="95000"/>
+              </a:schemeClr>
+            </a:solidFill>
+            <a:tailEnd type="arrow"/>
+          </a:ln>
+        </p:spPr>
+        <p:style>
+          <a:lnRef idx="1">
+            <a:schemeClr val="accent1"/>
+          </a:lnRef>
+          <a:fillRef idx="0">
+            <a:schemeClr val="accent1"/>
+          </a:fillRef>
+          <a:effectRef idx="0">
+            <a:schemeClr val="accent1"/>
+          </a:effectRef>
+          <a:fontRef idx="minor">
+            <a:schemeClr val="tx1"/>
+          </a:fontRef>
+        </p:style>
+      </p:cxnSp>
+      <p:cxnSp>
+        <p:nvCxnSpPr>
+          <p:cNvPr id="22" name="직선 화살표 연결선 21"/>
+          <p:cNvCxnSpPr>
+            <a:stCxn id="9" idx="2"/>
+            <a:endCxn id="15" idx="0"/>
+          </p:cNvCxnSpPr>
+          <p:nvPr/>
+        </p:nvCxnSpPr>
+        <p:spPr>
+          <a:xfrm>
+            <a:off x="2612773" y="3407760"/>
+            <a:ext cx="0" cy="432048"/>
+          </a:xfrm>
+          <a:prstGeom prst="straightConnector1">
+            <a:avLst/>
+          </a:prstGeom>
+          <a:ln w="28575">
+            <a:solidFill>
+              <a:schemeClr val="bg1">
+                <a:lumMod val="95000"/>
+              </a:schemeClr>
+            </a:solidFill>
+            <a:tailEnd type="arrow"/>
+          </a:ln>
+        </p:spPr>
+        <p:style>
+          <a:lnRef idx="1">
+            <a:schemeClr val="accent1"/>
+          </a:lnRef>
+          <a:fillRef idx="0">
+            <a:schemeClr val="accent1"/>
+          </a:fillRef>
+          <a:effectRef idx="0">
+            <a:schemeClr val="accent1"/>
+          </a:effectRef>
+          <a:fontRef idx="minor">
+            <a:schemeClr val="tx1"/>
+          </a:fontRef>
+        </p:style>
+      </p:cxnSp>
+      <p:cxnSp>
+        <p:nvCxnSpPr>
+          <p:cNvPr id="23" name="직선 화살표 연결선 22"/>
+          <p:cNvCxnSpPr>
+            <a:endCxn id="16" idx="0"/>
+          </p:cNvCxnSpPr>
+          <p:nvPr/>
+        </p:nvCxnSpPr>
+        <p:spPr>
+          <a:xfrm flipH="1">
+            <a:off x="2617782" y="4343864"/>
+            <a:ext cx="1" cy="432048"/>
+          </a:xfrm>
+          <a:prstGeom prst="straightConnector1">
+            <a:avLst/>
+          </a:prstGeom>
+          <a:ln w="28575">
+            <a:solidFill>
+              <a:schemeClr val="bg1">
+                <a:lumMod val="95000"/>
+              </a:schemeClr>
+            </a:solidFill>
+            <a:tailEnd type="arrow"/>
+          </a:ln>
+        </p:spPr>
+        <p:style>
+          <a:lnRef idx="1">
+            <a:schemeClr val="accent1"/>
+          </a:lnRef>
+          <a:fillRef idx="0">
+            <a:schemeClr val="accent1"/>
+          </a:fillRef>
+          <a:effectRef idx="0">
+            <a:schemeClr val="accent1"/>
+          </a:effectRef>
+          <a:fontRef idx="minor">
+            <a:schemeClr val="tx1"/>
+          </a:fontRef>
+        </p:style>
+      </p:cxnSp>
+      <p:cxnSp>
+        <p:nvCxnSpPr>
+          <p:cNvPr id="24" name="직선 화살표 연결선 23"/>
+          <p:cNvCxnSpPr>
+            <a:endCxn id="17" idx="0"/>
+          </p:cNvCxnSpPr>
+          <p:nvPr/>
+        </p:nvCxnSpPr>
+        <p:spPr>
+          <a:xfrm flipH="1">
+            <a:off x="2612773" y="5279968"/>
+            <a:ext cx="5010" cy="432048"/>
+          </a:xfrm>
+          <a:prstGeom prst="straightConnector1">
+            <a:avLst/>
+          </a:prstGeom>
+          <a:ln w="28575">
+            <a:solidFill>
+              <a:schemeClr val="bg1">
+                <a:lumMod val="95000"/>
+              </a:schemeClr>
+            </a:solidFill>
+            <a:tailEnd type="arrow"/>
+          </a:ln>
+        </p:spPr>
+        <p:style>
+          <a:lnRef idx="1">
+            <a:schemeClr val="accent1"/>
+          </a:lnRef>
+          <a:fillRef idx="0">
+            <a:schemeClr val="accent1"/>
+          </a:fillRef>
+          <a:effectRef idx="0">
+            <a:schemeClr val="accent1"/>
+          </a:effectRef>
+          <a:fontRef idx="minor">
+            <a:schemeClr val="tx1"/>
+          </a:fontRef>
+        </p:style>
+      </p:cxnSp>
+      <p:cxnSp>
+        <p:nvCxnSpPr>
+          <p:cNvPr id="30" name="직선 화살표 연결선 29"/>
+          <p:cNvCxnSpPr>
+            <a:stCxn id="17" idx="1"/>
+            <a:endCxn id="68" idx="3"/>
+          </p:cNvCxnSpPr>
+          <p:nvPr/>
+        </p:nvCxnSpPr>
+        <p:spPr>
+          <a:xfrm flipH="1">
+            <a:off x="1430399" y="5964044"/>
+            <a:ext cx="606310" cy="0"/>
+          </a:xfrm>
+          <a:prstGeom prst="straightConnector1">
+            <a:avLst/>
+          </a:prstGeom>
+          <a:ln w="28575">
+            <a:solidFill>
+              <a:schemeClr val="bg1">
+                <a:lumMod val="95000"/>
+              </a:schemeClr>
+            </a:solidFill>
+            <a:tailEnd type="arrow"/>
+          </a:ln>
+        </p:spPr>
+        <p:style>
+          <a:lnRef idx="1">
+            <a:schemeClr val="accent1"/>
+          </a:lnRef>
+          <a:fillRef idx="0">
+            <a:schemeClr val="accent1"/>
+          </a:fillRef>
+          <a:effectRef idx="0">
+            <a:schemeClr val="accent1"/>
+          </a:effectRef>
+          <a:fontRef idx="minor">
+            <a:schemeClr val="tx1"/>
+          </a:fontRef>
+        </p:style>
+      </p:cxnSp>
+      <p:sp>
+        <p:nvSpPr>
+          <p:cNvPr id="31" name="모서리가 둥근 직사각형 30"/>
+          <p:cNvSpPr/>
+          <p:nvPr/>
+        </p:nvSpPr>
+        <p:spPr>
+          <a:xfrm>
+            <a:off x="477545" y="764704"/>
+            <a:ext cx="753580" cy="504056"/>
+          </a:xfrm>
+          <a:prstGeom prst="roundRect">
+            <a:avLst/>
+          </a:prstGeom>
+          <a:solidFill>
+            <a:schemeClr val="bg1"/>
+          </a:solidFill>
+          <a:ln>
+            <a:solidFill>
+              <a:schemeClr val="bg1">
+                <a:lumMod val="95000"/>
+              </a:schemeClr>
+            </a:solidFill>
+          </a:ln>
+        </p:spPr>
+        <p:style>
+          <a:lnRef idx="2">
+            <a:schemeClr val="accent1">
+              <a:shade val="50000"/>
+            </a:schemeClr>
+          </a:lnRef>
+          <a:fillRef idx="1">
+            <a:schemeClr val="accent1"/>
+          </a:fillRef>
+          <a:effectRef idx="0">
+            <a:schemeClr val="accent1"/>
+          </a:effectRef>
+          <a:fontRef idx="minor">
+            <a:schemeClr val="lt1"/>
+          </a:fontRef>
+        </p:style>
+        <p:txBody>
+          <a:bodyPr rtlCol="0" anchor="ctr"/>
+          <a:lstStyle/>
+          <a:p>
+            <a:pPr algn="ctr"/>
+            <a:r>
+              <a:rPr lang="ko-KR" altLang="en-US" b="1" dirty="0">
+                <a:solidFill>
+                  <a:schemeClr val="bg1">
+                    <a:lumMod val="95000"/>
+                  </a:schemeClr>
+                </a:solidFill>
+                <a:latin typeface="배달의민족 한나체 Pro" pitchFamily="50" charset="-127"/>
+                <a:ea typeface="배달의민족 한나체 Pro" pitchFamily="50" charset="-127"/>
+              </a:rPr>
+              <a:t>영업</a:t>
+            </a:r>
+          </a:p>
+        </p:txBody>
+      </p:sp>
+      <p:sp>
+        <p:nvSpPr>
+          <p:cNvPr id="32" name="모서리가 둥근 직사각형 31"/>
+          <p:cNvSpPr/>
+          <p:nvPr/>
+        </p:nvSpPr>
+        <p:spPr>
+          <a:xfrm>
+            <a:off x="2201494" y="761564"/>
+            <a:ext cx="722060" cy="521067"/>
+          </a:xfrm>
+          <a:prstGeom prst="roundRect">
+            <a:avLst/>
+          </a:prstGeom>
+          <a:solidFill>
+            <a:schemeClr val="bg1"/>
+          </a:solidFill>
+          <a:ln>
+            <a:solidFill>
+              <a:schemeClr val="bg1">
+                <a:lumMod val="95000"/>
+              </a:schemeClr>
+            </a:solidFill>
+          </a:ln>
+        </p:spPr>
+        <p:style>
+          <a:lnRef idx="2">
+            <a:schemeClr val="accent1">
+              <a:shade val="50000"/>
+            </a:schemeClr>
+          </a:lnRef>
+          <a:fillRef idx="1">
+            <a:schemeClr val="accent1"/>
+          </a:fillRef>
+          <a:effectRef idx="0">
+            <a:schemeClr val="accent1"/>
+          </a:effectRef>
+          <a:fontRef idx="minor">
+            <a:schemeClr val="lt1"/>
+          </a:fontRef>
+        </p:style>
+        <p:txBody>
+          <a:bodyPr rtlCol="0" anchor="ctr"/>
+          <a:lstStyle/>
+          <a:p>
+            <a:pPr algn="ctr"/>
+            <a:r>
+              <a:rPr lang="ko-KR" altLang="en-US" b="1" dirty="0">
+                <a:solidFill>
+                  <a:schemeClr val="bg1">
+                    <a:lumMod val="95000"/>
+                  </a:schemeClr>
+                </a:solidFill>
+                <a:latin typeface="배달의민족 한나체 Pro" pitchFamily="50" charset="-127"/>
+                <a:ea typeface="배달의민족 한나체 Pro" pitchFamily="50" charset="-127"/>
+              </a:rPr>
+              <a:t>생산</a:t>
+            </a:r>
+          </a:p>
+        </p:txBody>
+      </p:sp>
+      <p:sp>
+        <p:nvSpPr>
+          <p:cNvPr id="33" name="모서리가 둥근 직사각형 32"/>
+          <p:cNvSpPr/>
+          <p:nvPr/>
+        </p:nvSpPr>
+        <p:spPr>
+          <a:xfrm>
+            <a:off x="5932114" y="741069"/>
+            <a:ext cx="792088" cy="504056"/>
+          </a:xfrm>
+          <a:prstGeom prst="roundRect">
+            <a:avLst/>
+          </a:prstGeom>
+          <a:solidFill>
+            <a:schemeClr val="bg1"/>
+          </a:solidFill>
+          <a:ln>
+            <a:solidFill>
+              <a:schemeClr val="bg1">
+                <a:lumMod val="95000"/>
+              </a:schemeClr>
+            </a:solidFill>
+          </a:ln>
+        </p:spPr>
+        <p:style>
+          <a:lnRef idx="2">
+            <a:schemeClr val="accent1">
+              <a:shade val="50000"/>
+            </a:schemeClr>
+          </a:lnRef>
+          <a:fillRef idx="1">
+            <a:schemeClr val="accent1"/>
+          </a:fillRef>
+          <a:effectRef idx="0">
+            <a:schemeClr val="accent1"/>
+          </a:effectRef>
+          <a:fontRef idx="minor">
+            <a:schemeClr val="lt1"/>
+          </a:fontRef>
+        </p:style>
+        <p:txBody>
+          <a:bodyPr rtlCol="0" anchor="ctr"/>
+          <a:lstStyle/>
+          <a:p>
+            <a:pPr algn="ctr"/>
+            <a:r>
+              <a:rPr lang="ko-KR" altLang="en-US" b="1" dirty="0">
+                <a:solidFill>
+                  <a:schemeClr val="bg1">
+                    <a:lumMod val="95000"/>
+                  </a:schemeClr>
+                </a:solidFill>
+                <a:latin typeface="배달의민족 한나체 Pro" pitchFamily="50" charset="-127"/>
+                <a:ea typeface="배달의민족 한나체 Pro" pitchFamily="50" charset="-127"/>
+              </a:rPr>
+              <a:t>구매</a:t>
+            </a:r>
+          </a:p>
+        </p:txBody>
+      </p:sp>
+      <p:cxnSp>
+        <p:nvCxnSpPr>
+          <p:cNvPr id="52" name="꺾인 연결선 51"/>
+          <p:cNvCxnSpPr>
+            <a:stCxn id="8" idx="3"/>
+            <a:endCxn id="10" idx="1"/>
+          </p:cNvCxnSpPr>
+          <p:nvPr/>
+        </p:nvCxnSpPr>
+        <p:spPr>
+          <a:xfrm flipV="1">
+            <a:off x="1399646" y="2176738"/>
+            <a:ext cx="2342331" cy="452033"/>
+          </a:xfrm>
+          <a:prstGeom prst="bentConnector3">
+            <a:avLst>
+              <a:gd name="adj1" fmla="val 52110"/>
+            </a:avLst>
+          </a:prstGeom>
+          <a:ln w="28575">
+            <a:solidFill>
+              <a:schemeClr val="bg1">
+                <a:lumMod val="95000"/>
+              </a:schemeClr>
+            </a:solidFill>
+            <a:tailEnd type="triangle"/>
+          </a:ln>
+        </p:spPr>
+        <p:style>
+          <a:lnRef idx="1">
+            <a:schemeClr val="accent1"/>
+          </a:lnRef>
+          <a:fillRef idx="0">
+            <a:schemeClr val="accent1"/>
+          </a:fillRef>
+          <a:effectRef idx="0">
+            <a:schemeClr val="accent1"/>
+          </a:effectRef>
+          <a:fontRef idx="minor">
+            <a:schemeClr val="tx1"/>
+          </a:fontRef>
+        </p:style>
+      </p:cxnSp>
+      <p:sp>
+        <p:nvSpPr>
+          <p:cNvPr id="54" name="순서도: 처리 53"/>
+          <p:cNvSpPr/>
+          <p:nvPr/>
+        </p:nvSpPr>
+        <p:spPr>
+          <a:xfrm>
+            <a:off x="3753668" y="2943392"/>
+            <a:ext cx="1152128" cy="504056"/>
+          </a:xfrm>
+          <a:prstGeom prst="flowChartProcess">
+            <a:avLst/>
+          </a:prstGeom>
+          <a:solidFill>
+            <a:schemeClr val="bg1"/>
+          </a:solidFill>
+          <a:ln>
+            <a:solidFill>
+              <a:schemeClr val="bg1">
+                <a:lumMod val="95000"/>
+              </a:schemeClr>
+            </a:solidFill>
+          </a:ln>
+        </p:spPr>
+        <p:style>
+          <a:lnRef idx="2">
+            <a:schemeClr val="accent1">
+              <a:shade val="50000"/>
+            </a:schemeClr>
+          </a:lnRef>
+          <a:fillRef idx="1">
+            <a:schemeClr val="accent1"/>
+          </a:fillRef>
+          <a:effectRef idx="0">
+            <a:schemeClr val="accent1"/>
+          </a:effectRef>
+          <a:fontRef idx="minor">
+            <a:schemeClr val="lt1"/>
+          </a:fontRef>
+        </p:style>
+        <p:txBody>
+          <a:bodyPr rtlCol="0" anchor="ctr"/>
+          <a:lstStyle/>
+          <a:p>
+            <a:pPr algn="ctr"/>
+            <a:r>
+              <a:rPr lang="en-US" altLang="ko-KR" sz="1400" b="1" dirty="0">
+                <a:solidFill>
+                  <a:schemeClr val="bg1">
+                    <a:lumMod val="95000"/>
+                  </a:schemeClr>
+                </a:solidFill>
+                <a:latin typeface="배달의민족 한나체 Pro" pitchFamily="50" charset="-127"/>
+                <a:ea typeface="배달의민족 한나체 Pro" pitchFamily="50" charset="-127"/>
+              </a:rPr>
+              <a:t> </a:t>
+            </a:r>
+            <a:r>
+              <a:rPr lang="ko-KR" altLang="en-US" sz="1400" b="1" dirty="0">
+                <a:solidFill>
+                  <a:schemeClr val="bg1">
+                    <a:lumMod val="95000"/>
+                  </a:schemeClr>
+                </a:solidFill>
+                <a:latin typeface="배달의민족 한나체 Pro" pitchFamily="50" charset="-127"/>
+                <a:ea typeface="배달의민족 한나체 Pro" pitchFamily="50" charset="-127"/>
+              </a:rPr>
+              <a:t>시스템</a:t>
+            </a:r>
+            <a:endParaRPr lang="en-US" altLang="ko-KR" sz="1400" b="1" dirty="0">
+              <a:solidFill>
+                <a:schemeClr val="bg1">
+                  <a:lumMod val="95000"/>
+                </a:schemeClr>
+              </a:solidFill>
+              <a:latin typeface="배달의민족 한나체 Pro" pitchFamily="50" charset="-127"/>
+              <a:ea typeface="배달의민족 한나체 Pro" pitchFamily="50" charset="-127"/>
+            </a:endParaRPr>
+          </a:p>
+          <a:p>
+            <a:pPr algn="ctr"/>
+            <a:r>
+              <a:rPr lang="ko-KR" altLang="en-US" sz="1400" b="1" dirty="0">
+                <a:solidFill>
+                  <a:schemeClr val="bg1">
+                    <a:lumMod val="95000"/>
+                  </a:schemeClr>
+                </a:solidFill>
+                <a:latin typeface="배달의민족 한나체 Pro" pitchFamily="50" charset="-127"/>
+                <a:ea typeface="배달의민족 한나체 Pro" pitchFamily="50" charset="-127"/>
+              </a:rPr>
+              <a:t>재고 파악</a:t>
+            </a:r>
+          </a:p>
+        </p:txBody>
+      </p:sp>
+      <p:cxnSp>
+        <p:nvCxnSpPr>
+          <p:cNvPr id="55" name="직선 화살표 연결선 54"/>
+          <p:cNvCxnSpPr>
+            <a:stCxn id="10" idx="2"/>
+            <a:endCxn id="54" idx="0"/>
+          </p:cNvCxnSpPr>
+          <p:nvPr/>
+        </p:nvCxnSpPr>
+        <p:spPr>
+          <a:xfrm>
+            <a:off x="4318041" y="2428766"/>
+            <a:ext cx="11691" cy="514626"/>
+          </a:xfrm>
+          <a:prstGeom prst="straightConnector1">
+            <a:avLst/>
+          </a:prstGeom>
+          <a:ln w="28575">
+            <a:solidFill>
+              <a:schemeClr val="bg1">
+                <a:lumMod val="95000"/>
+              </a:schemeClr>
+            </a:solidFill>
+            <a:tailEnd type="arrow"/>
+          </a:ln>
+        </p:spPr>
+        <p:style>
+          <a:lnRef idx="1">
+            <a:schemeClr val="accent1"/>
+          </a:lnRef>
+          <a:fillRef idx="0">
+            <a:schemeClr val="accent1"/>
+          </a:fillRef>
+          <a:effectRef idx="0">
+            <a:schemeClr val="accent1"/>
+          </a:effectRef>
+          <a:fontRef idx="minor">
+            <a:schemeClr val="tx1"/>
+          </a:fontRef>
+        </p:style>
+      </p:cxnSp>
+      <p:cxnSp>
+        <p:nvCxnSpPr>
+          <p:cNvPr id="66" name="직선 화살표 연결선 65"/>
+          <p:cNvCxnSpPr>
+            <a:stCxn id="54" idx="2"/>
+            <a:endCxn id="11" idx="0"/>
+          </p:cNvCxnSpPr>
+          <p:nvPr/>
+        </p:nvCxnSpPr>
+        <p:spPr>
+          <a:xfrm flipH="1">
+            <a:off x="4308982" y="3447448"/>
+            <a:ext cx="20750" cy="392360"/>
+          </a:xfrm>
+          <a:prstGeom prst="straightConnector1">
+            <a:avLst/>
+          </a:prstGeom>
+          <a:ln w="28575">
+            <a:solidFill>
+              <a:schemeClr val="bg1">
+                <a:lumMod val="95000"/>
+              </a:schemeClr>
+            </a:solidFill>
+            <a:tailEnd type="arrow"/>
+          </a:ln>
+        </p:spPr>
+        <p:style>
+          <a:lnRef idx="1">
+            <a:schemeClr val="accent1"/>
+          </a:lnRef>
+          <a:fillRef idx="0">
+            <a:schemeClr val="accent1"/>
+          </a:fillRef>
+          <a:effectRef idx="0">
+            <a:schemeClr val="accent1"/>
+          </a:effectRef>
+          <a:fontRef idx="minor">
+            <a:schemeClr val="tx1"/>
+          </a:fontRef>
+        </p:style>
+      </p:cxnSp>
+      <p:sp>
+        <p:nvSpPr>
+          <p:cNvPr id="68" name="순서도: 처리 67"/>
+          <p:cNvSpPr/>
+          <p:nvPr/>
+        </p:nvSpPr>
+        <p:spPr>
+          <a:xfrm>
+            <a:off x="278271" y="5712016"/>
+            <a:ext cx="1152128" cy="504056"/>
+          </a:xfrm>
+          <a:prstGeom prst="flowChartProcess">
+            <a:avLst/>
+          </a:prstGeom>
+          <a:solidFill>
+            <a:schemeClr val="bg1"/>
+          </a:solidFill>
+          <a:ln>
+            <a:solidFill>
+              <a:schemeClr val="bg1">
+                <a:lumMod val="95000"/>
+              </a:schemeClr>
+            </a:solidFill>
+          </a:ln>
+        </p:spPr>
+        <p:style>
+          <a:lnRef idx="2">
+            <a:schemeClr val="accent1">
+              <a:shade val="50000"/>
+            </a:schemeClr>
+          </a:lnRef>
+          <a:fillRef idx="1">
+            <a:schemeClr val="accent1"/>
+          </a:fillRef>
+          <a:effectRef idx="0">
+            <a:schemeClr val="accent1"/>
+          </a:effectRef>
+          <a:fontRef idx="minor">
+            <a:schemeClr val="lt1"/>
+          </a:fontRef>
+        </p:style>
+        <p:txBody>
+          <a:bodyPr rtlCol="0" anchor="ctr"/>
+          <a:lstStyle/>
+          <a:p>
+            <a:pPr algn="ctr"/>
+            <a:r>
+              <a:rPr lang="en-US" altLang="ko-KR" dirty="0">
+                <a:solidFill>
+                  <a:schemeClr val="bg1">
+                    <a:lumMod val="95000"/>
+                  </a:schemeClr>
+                </a:solidFill>
+                <a:latin typeface="배달의민족 한나체 Pro" pitchFamily="50" charset="-127"/>
+                <a:ea typeface="배달의민족 한나체 Pro" pitchFamily="50" charset="-127"/>
+              </a:rPr>
+              <a:t> </a:t>
+            </a:r>
+            <a:r>
+              <a:rPr lang="ko-KR" altLang="en-US" b="1" dirty="0">
+                <a:solidFill>
+                  <a:schemeClr val="bg1">
+                    <a:lumMod val="95000"/>
+                  </a:schemeClr>
+                </a:solidFill>
+                <a:latin typeface="배달의민족 한나체 Pro" pitchFamily="50" charset="-127"/>
+                <a:ea typeface="배달의민족 한나체 Pro" pitchFamily="50" charset="-127"/>
+              </a:rPr>
+              <a:t>판 매</a:t>
+            </a:r>
+          </a:p>
+        </p:txBody>
+      </p:sp>
+      <p:sp>
+        <p:nvSpPr>
+          <p:cNvPr id="77" name="순서도: 처리 76"/>
+          <p:cNvSpPr/>
+          <p:nvPr/>
+        </p:nvSpPr>
+        <p:spPr>
+          <a:xfrm>
+            <a:off x="5770931" y="1924710"/>
+            <a:ext cx="1152128" cy="504056"/>
+          </a:xfrm>
+          <a:prstGeom prst="flowChartProcess">
+            <a:avLst/>
+          </a:prstGeom>
+          <a:solidFill>
+            <a:schemeClr val="bg1"/>
+          </a:solidFill>
+          <a:ln>
+            <a:solidFill>
               <a:schemeClr val="bg1">
                 <a:lumMod val="95000"/>
               </a:schemeClr>
@@ -9475,7 +11871,7 @@
           <p:cNvPr id="42" name="TextBox 41">
             <a:extLst>
               <a:ext uri="{FF2B5EF4-FFF2-40B4-BE49-F238E27FC236}">
-                <a16:creationId xmlns:a16="http://schemas.microsoft.com/office/drawing/2014/main" id="{59AF12BC-E2EF-4987-95F5-2AAE710DBA91}"/>
+                <a16:creationId xmlns:a16="http://schemas.microsoft.com/office/drawing/2014/main" xmlns="" id="{59AF12BC-E2EF-4987-95F5-2AAE710DBA91}"/>
               </a:ext>
             </a:extLst>
           </p:cNvPr>
@@ -9535,7 +11931,7 @@
           <p:cNvPr id="43" name="TextBox 42">
             <a:extLst>
               <a:ext uri="{FF2B5EF4-FFF2-40B4-BE49-F238E27FC236}">
-                <a16:creationId xmlns:a16="http://schemas.microsoft.com/office/drawing/2014/main" id="{59AF12BC-E2EF-4987-95F5-2AAE710DBA91}"/>
+                <a16:creationId xmlns:a16="http://schemas.microsoft.com/office/drawing/2014/main" xmlns="" id="{59AF12BC-E2EF-4987-95F5-2AAE710DBA91}"/>
               </a:ext>
             </a:extLst>
           </p:cNvPr>
@@ -14023,7 +16419,7 @@
           <p:cNvPr id="2" name="TextBox 1">
             <a:extLst>
               <a:ext uri="{FF2B5EF4-FFF2-40B4-BE49-F238E27FC236}">
-                <a16:creationId xmlns:a16="http://schemas.microsoft.com/office/drawing/2014/main" id="{214E7FCE-BF80-4C57-B1B4-463CAAC4BE3C}"/>
+                <a16:creationId xmlns:a16="http://schemas.microsoft.com/office/drawing/2014/main" xmlns="" id="{214E7FCE-BF80-4C57-B1B4-463CAAC4BE3C}"/>
               </a:ext>
             </a:extLst>
           </p:cNvPr>
@@ -14062,7 +16458,7 @@
           <p:cNvPr id="42" name="TextBox 41">
             <a:extLst>
               <a:ext uri="{FF2B5EF4-FFF2-40B4-BE49-F238E27FC236}">
-                <a16:creationId xmlns:a16="http://schemas.microsoft.com/office/drawing/2014/main" id="{8C4CE3A1-90A1-4214-90C7-323E475C6220}"/>
+                <a16:creationId xmlns:a16="http://schemas.microsoft.com/office/drawing/2014/main" xmlns="" id="{8C4CE3A1-90A1-4214-90C7-323E475C6220}"/>
               </a:ext>
             </a:extLst>
           </p:cNvPr>
@@ -16405,7 +18801,7 @@
           <p:cNvPr id="42" name="TextBox 41">
             <a:extLst>
               <a:ext uri="{FF2B5EF4-FFF2-40B4-BE49-F238E27FC236}">
-                <a16:creationId xmlns:a16="http://schemas.microsoft.com/office/drawing/2014/main" id="{8C6873D8-41F4-4166-83EE-53DEEDBA15C4}"/>
+                <a16:creationId xmlns:a16="http://schemas.microsoft.com/office/drawing/2014/main" xmlns="" id="{8C6873D8-41F4-4166-83EE-53DEEDBA15C4}"/>
               </a:ext>
             </a:extLst>
           </p:cNvPr>
@@ -18767,7 +21163,7 @@
           <p:cNvPr id="42" name="TextBox 41">
             <a:extLst>
               <a:ext uri="{FF2B5EF4-FFF2-40B4-BE49-F238E27FC236}">
-                <a16:creationId xmlns:a16="http://schemas.microsoft.com/office/drawing/2014/main" id="{DE3BC444-8FFE-4EE9-A37C-3E87950092A1}"/>
+                <a16:creationId xmlns:a16="http://schemas.microsoft.com/office/drawing/2014/main" xmlns="" id="{DE3BC444-8FFE-4EE9-A37C-3E87950092A1}"/>
               </a:ext>
             </a:extLst>
           </p:cNvPr>
@@ -18850,7 +21246,7 @@
           <p:cNvPr id="43" name="TextBox 42">
             <a:extLst>
               <a:ext uri="{FF2B5EF4-FFF2-40B4-BE49-F238E27FC236}">
-                <a16:creationId xmlns:a16="http://schemas.microsoft.com/office/drawing/2014/main" id="{E7A87615-4F51-4151-8688-F71DFD3D115E}"/>
+                <a16:creationId xmlns:a16="http://schemas.microsoft.com/office/drawing/2014/main" xmlns="" id="{E7A87615-4F51-4151-8688-F71DFD3D115E}"/>
               </a:ext>
             </a:extLst>
           </p:cNvPr>
@@ -21208,7 +23604,7 @@
           <p:cNvPr id="42" name="TextBox 41">
             <a:extLst>
               <a:ext uri="{FF2B5EF4-FFF2-40B4-BE49-F238E27FC236}">
-                <a16:creationId xmlns:a16="http://schemas.microsoft.com/office/drawing/2014/main" id="{59AF12BC-E2EF-4987-95F5-2AAE710DBA91}"/>
+                <a16:creationId xmlns:a16="http://schemas.microsoft.com/office/drawing/2014/main" xmlns="" id="{59AF12BC-E2EF-4987-95F5-2AAE710DBA91}"/>
               </a:ext>
             </a:extLst>
           </p:cNvPr>
@@ -21340,7 +23736,7 @@
         <p:spPr>
           <a:xfrm>
             <a:off x="179512" y="1016732"/>
-            <a:ext cx="1325923" cy="5544616"/>
+            <a:ext cx="1440160" cy="5544616"/>
           </a:xfrm>
           <a:prstGeom prst="roundRect">
             <a:avLst/>
@@ -21350,9 +23746,7 @@
           </a:solidFill>
           <a:ln>
             <a:solidFill>
-              <a:schemeClr val="bg1">
-                <a:lumMod val="95000"/>
-              </a:schemeClr>
+              <a:schemeClr val="tx1"/>
             </a:solidFill>
           </a:ln>
         </p:spPr>
@@ -21390,7 +23784,7 @@
         <p:spPr>
           <a:xfrm>
             <a:off x="1760193" y="1017723"/>
-            <a:ext cx="3412312" cy="5544616"/>
+            <a:ext cx="1706156" cy="5544616"/>
           </a:xfrm>
           <a:prstGeom prst="roundRect">
             <a:avLst/>
@@ -21400,9 +23794,7 @@
           </a:solidFill>
           <a:ln>
             <a:solidFill>
-              <a:schemeClr val="bg1">
-                <a:lumMod val="95000"/>
-              </a:schemeClr>
+              <a:schemeClr val="tx1"/>
             </a:solidFill>
           </a:ln>
         </p:spPr>
@@ -21433,25 +23825,22 @@
       </p:sp>
       <p:sp>
         <p:nvSpPr>
-          <p:cNvPr id="6" name="모서리가 둥근 직사각형 5"/>
+          <p:cNvPr id="25" name="직사각형 24"/>
           <p:cNvSpPr/>
           <p:nvPr/>
         </p:nvSpPr>
         <p:spPr>
           <a:xfrm>
-            <a:off x="3494609" y="1016732"/>
-            <a:ext cx="5397871" cy="5544616"/>
-          </a:xfrm>
-          <a:prstGeom prst="roundRect">
+            <a:off x="3851056" y="1798510"/>
+            <a:ext cx="1368152" cy="2795213"/>
+          </a:xfrm>
+          <a:prstGeom prst="rect">
             <a:avLst/>
           </a:prstGeom>
           <a:noFill/>
-          <a:ln>
-            <a:solidFill>
-              <a:schemeClr val="tx2">
-                <a:lumMod val="60000"/>
-                <a:lumOff val="40000"/>
-              </a:schemeClr>
+          <a:ln w="38100">
+            <a:solidFill>
+              <a:srgbClr val="00B050"/>
             </a:solidFill>
           </a:ln>
         </p:spPr>
@@ -21482,13 +23871,64 @@
       </p:sp>
       <p:sp>
         <p:nvSpPr>
+          <p:cNvPr id="6" name="모서리가 둥근 직사각형 5"/>
+          <p:cNvSpPr/>
+          <p:nvPr/>
+        </p:nvSpPr>
+        <p:spPr>
+          <a:xfrm>
+            <a:off x="3635896" y="1016732"/>
+            <a:ext cx="5256584" cy="5544616"/>
+          </a:xfrm>
+          <a:prstGeom prst="roundRect">
+            <a:avLst>
+              <a:gd name="adj" fmla="val 5884"/>
+            </a:avLst>
+          </a:prstGeom>
+          <a:noFill/>
+          <a:ln>
+            <a:solidFill>
+              <a:schemeClr val="tx2">
+                <a:lumMod val="60000"/>
+                <a:lumOff val="40000"/>
+              </a:schemeClr>
+            </a:solidFill>
+          </a:ln>
+        </p:spPr>
+        <p:style>
+          <a:lnRef idx="2">
+            <a:schemeClr val="accent1">
+              <a:shade val="50000"/>
+            </a:schemeClr>
+          </a:lnRef>
+          <a:fillRef idx="1">
+            <a:schemeClr val="accent1"/>
+          </a:fillRef>
+          <a:effectRef idx="0">
+            <a:schemeClr val="accent1"/>
+          </a:effectRef>
+          <a:fontRef idx="minor">
+            <a:schemeClr val="lt1"/>
+          </a:fontRef>
+        </p:style>
+        <p:txBody>
+          <a:bodyPr rtlCol="0" anchor="ctr"/>
+          <a:lstStyle/>
+          <a:p>
+            <a:pPr algn="ctr"/>
+            <a:endParaRPr lang="ko-KR" altLang="en-US"/>
+          </a:p>
+        </p:txBody>
+      </p:sp>
+      <p:sp>
+        <p:nvSpPr>
           <p:cNvPr id="7" name="순서도: 처리 6"/>
           <p:cNvSpPr/>
           <p:nvPr/>
         </p:nvSpPr>
         <p:spPr>
           <a:xfrm>
-            <a:off x="247518" y="1512647"/>
+            <a:off x="323528" y="2360634"/>
             <a:ext cx="1152128" cy="504056"/>
           </a:xfrm>
           <a:prstGeom prst="flowChartProcess">
@@ -21528,7 +23968,7 @@
           <a:p>
             <a:pPr algn="ctr"/>
             <a:r>
-              <a:rPr lang="en-US" altLang="ko-KR" b="1" dirty="0">
+              <a:rPr lang="en-US" altLang="ko-KR" dirty="0">
                 <a:solidFill>
                   <a:schemeClr val="tx1"/>
                 </a:solidFill>
@@ -21538,7 +23978,7 @@
               <a:t> </a:t>
             </a:r>
             <a:r>
-              <a:rPr lang="ko-KR" altLang="en-US" sz="1600" b="1" dirty="0">
+              <a:rPr lang="ko-KR" altLang="en-US" dirty="0">
                 <a:solidFill>
                   <a:schemeClr val="tx1"/>
                 </a:solidFill>
@@ -21558,7 +23998,7 @@
         </p:nvSpPr>
         <p:spPr>
           <a:xfrm>
-            <a:off x="247518" y="2376743"/>
+            <a:off x="323528" y="3297315"/>
             <a:ext cx="1152128" cy="504056"/>
           </a:xfrm>
           <a:prstGeom prst="flowChartProcess">
@@ -21598,7 +24038,7 @@
           <a:p>
             <a:pPr algn="ctr"/>
             <a:r>
-              <a:rPr lang="en-US" altLang="ko-KR" sz="1600" b="1" dirty="0">
+              <a:rPr lang="en-US" altLang="ko-KR" dirty="0">
                 <a:solidFill>
                   <a:schemeClr val="tx1"/>
                 </a:solidFill>
@@ -21608,7 +24048,7 @@
               <a:t> </a:t>
             </a:r>
             <a:r>
-              <a:rPr lang="ko-KR" altLang="en-US" sz="1600" b="1" dirty="0">
+              <a:rPr lang="ko-KR" altLang="en-US" dirty="0">
                 <a:solidFill>
                   <a:schemeClr val="tx1"/>
                 </a:solidFill>
@@ -21639,9 +24079,7 @@
           </a:solidFill>
           <a:ln>
             <a:solidFill>
-              <a:schemeClr val="bg1">
-                <a:lumMod val="95000"/>
-              </a:schemeClr>
+              <a:schemeClr val="tx1"/>
             </a:solidFill>
           </a:ln>
         </p:spPr>
@@ -21669,9 +24107,7 @@
             <a:r>
               <a:rPr lang="en-US" altLang="ko-KR" dirty="0">
                 <a:solidFill>
-                  <a:schemeClr val="bg1">
-                    <a:lumMod val="95000"/>
-                  </a:schemeClr>
+                  <a:schemeClr val="tx1"/>
                 </a:solidFill>
                 <a:latin typeface="배달의민족 한나체 Pro" pitchFamily="50" charset="-127"/>
                 <a:ea typeface="배달의민족 한나체 Pro" pitchFamily="50" charset="-127"/>
@@ -21679,11 +24115,9 @@
               <a:t> </a:t>
             </a:r>
             <a:r>
-              <a:rPr lang="ko-KR" altLang="en-US" sz="1600" b="1" dirty="0">
-                <a:solidFill>
-                  <a:schemeClr val="bg1">
-                    <a:lumMod val="95000"/>
-                  </a:schemeClr>
+              <a:rPr lang="ko-KR" altLang="en-US" dirty="0">
+                <a:solidFill>
+                  <a:schemeClr val="tx1"/>
                 </a:solidFill>
                 <a:latin typeface="배달의민족 한나체 Pro" pitchFamily="50" charset="-127"/>
                 <a:ea typeface="배달의민족 한나체 Pro" pitchFamily="50" charset="-127"/>
@@ -21695,13 +24129,13 @@
       </p:sp>
       <p:sp>
         <p:nvSpPr>
-          <p:cNvPr id="10" name="순서도: 처리 9"/>
+          <p:cNvPr id="11" name="순서도: 처리 10"/>
           <p:cNvSpPr/>
           <p:nvPr/>
         </p:nvSpPr>
         <p:spPr>
           <a:xfrm>
-            <a:off x="3741977" y="1924710"/>
+            <a:off x="3975693" y="3933753"/>
             <a:ext cx="1152128" cy="504056"/>
           </a:xfrm>
           <a:prstGeom prst="flowChartProcess">
@@ -21712,7 +24146,10 @@
           </a:solidFill>
           <a:ln>
             <a:solidFill>
-              <a:schemeClr val="accent1"/>
+              <a:schemeClr val="tx2">
+                <a:lumMod val="60000"/>
+                <a:lumOff val="40000"/>
+              </a:schemeClr>
             </a:solidFill>
           </a:ln>
         </p:spPr>
@@ -21738,7 +24175,7 @@
           <a:p>
             <a:pPr algn="ctr"/>
             <a:r>
-              <a:rPr lang="en-US" altLang="ko-KR" sz="1300" b="1" dirty="0">
+              <a:rPr lang="en-US" altLang="ko-KR" dirty="0">
                 <a:solidFill>
                   <a:schemeClr val="tx1"/>
                 </a:solidFill>
@@ -21748,27 +24185,27 @@
               <a:t> </a:t>
             </a:r>
             <a:r>
-              <a:rPr lang="ko-KR" altLang="en-US" sz="1300" b="1" dirty="0">
+              <a:rPr lang="ko-KR" altLang="en-US" dirty="0">
                 <a:solidFill>
                   <a:schemeClr val="tx1"/>
                 </a:solidFill>
                 <a:latin typeface="배달의민족 한나체 Pro" pitchFamily="50" charset="-127"/>
                 <a:ea typeface="배달의민족 한나체 Pro" pitchFamily="50" charset="-127"/>
               </a:rPr>
-              <a:t>사용량 파악</a:t>
-            </a:r>
-          </a:p>
-        </p:txBody>
-      </p:sp>
-      <p:sp>
-        <p:nvSpPr>
-          <p:cNvPr id="11" name="순서도: 처리 10"/>
+              <a:t>구매 요청</a:t>
+            </a:r>
+          </a:p>
+        </p:txBody>
+      </p:sp>
+      <p:sp>
+        <p:nvSpPr>
+          <p:cNvPr id="10" name="순서도: 처리 9"/>
           <p:cNvSpPr/>
           <p:nvPr/>
         </p:nvSpPr>
         <p:spPr>
           <a:xfrm>
-            <a:off x="3732918" y="3839808"/>
+            <a:off x="3959068" y="2629268"/>
             <a:ext cx="1152128" cy="504056"/>
           </a:xfrm>
           <a:prstGeom prst="flowChartProcess">
@@ -21779,10 +24216,7 @@
           </a:solidFill>
           <a:ln>
             <a:solidFill>
-              <a:schemeClr val="tx2">
-                <a:lumMod val="60000"/>
-                <a:lumOff val="40000"/>
-              </a:schemeClr>
+              <a:schemeClr val="accent1"/>
             </a:solidFill>
           </a:ln>
         </p:spPr>
@@ -21808,7 +24242,7 @@
           <a:p>
             <a:pPr algn="ctr"/>
             <a:r>
-              <a:rPr lang="en-US" altLang="ko-KR" sz="1600" b="1" dirty="0">
+              <a:rPr lang="en-US" altLang="ko-KR" dirty="0">
                 <a:solidFill>
                   <a:schemeClr val="tx1"/>
                 </a:solidFill>
@@ -21818,14 +24252,14 @@
               <a:t> </a:t>
             </a:r>
             <a:r>
-              <a:rPr lang="ko-KR" altLang="en-US" sz="1600" b="1" dirty="0">
+              <a:rPr lang="ko-KR" altLang="en-US" sz="1500" dirty="0">
                 <a:solidFill>
                   <a:schemeClr val="tx1"/>
                 </a:solidFill>
                 <a:latin typeface="배달의민족 한나체 Pro" pitchFamily="50" charset="-127"/>
                 <a:ea typeface="배달의민족 한나체 Pro" pitchFamily="50" charset="-127"/>
               </a:rPr>
-              <a:t>구매 요청</a:t>
+              <a:t>사용량 파악</a:t>
             </a:r>
           </a:p>
         </p:txBody>
@@ -21838,7 +24272,7 @@
         </p:nvSpPr>
         <p:spPr>
           <a:xfrm>
-            <a:off x="5776776" y="3836489"/>
+            <a:off x="5752094" y="3933056"/>
             <a:ext cx="1152128" cy="504056"/>
           </a:xfrm>
           <a:prstGeom prst="flowChartProcess">
@@ -21878,7 +24312,7 @@
           <a:p>
             <a:pPr algn="ctr"/>
             <a:r>
-              <a:rPr lang="en-US" altLang="ko-KR" sz="1600" b="1" dirty="0">
+              <a:rPr lang="en-US" altLang="ko-KR" dirty="0">
                 <a:solidFill>
                   <a:schemeClr val="tx1"/>
                 </a:solidFill>
@@ -21888,7 +24322,7 @@
               <a:t> P O </a:t>
             </a:r>
             <a:r>
-              <a:rPr lang="ko-KR" altLang="en-US" sz="1600" b="1" dirty="0">
+              <a:rPr lang="ko-KR" altLang="en-US" dirty="0">
                 <a:solidFill>
                   <a:schemeClr val="tx1"/>
                 </a:solidFill>
@@ -21908,7 +24342,7 @@
         </p:nvSpPr>
         <p:spPr>
           <a:xfrm>
-            <a:off x="7492215" y="1924710"/>
+            <a:off x="7505722" y="2651676"/>
             <a:ext cx="1152128" cy="504056"/>
           </a:xfrm>
           <a:prstGeom prst="flowChartProcess">
@@ -21948,7 +24382,7 @@
           <a:p>
             <a:pPr algn="ctr"/>
             <a:r>
-              <a:rPr lang="en-US" altLang="ko-KR" b="1" dirty="0">
+              <a:rPr lang="en-US" altLang="ko-KR" dirty="0">
                 <a:solidFill>
                   <a:schemeClr val="tx1"/>
                 </a:solidFill>
@@ -21957,7 +24391,7 @@
               </a:rPr>
               <a:t> G R</a:t>
             </a:r>
-            <a:endParaRPr lang="ko-KR" altLang="en-US" b="1" dirty="0">
+            <a:endParaRPr lang="ko-KR" altLang="en-US" dirty="0">
               <a:solidFill>
                 <a:schemeClr val="tx1"/>
               </a:solidFill>
@@ -22015,7 +24449,7 @@
           <a:p>
             <a:pPr algn="ctr"/>
             <a:r>
-              <a:rPr lang="en-US" altLang="ko-KR" b="1" dirty="0">
+              <a:rPr lang="en-US" altLang="ko-KR" dirty="0">
                 <a:solidFill>
                   <a:schemeClr val="tx1"/>
                 </a:solidFill>
@@ -22024,7 +24458,7 @@
               </a:rPr>
               <a:t> I V</a:t>
             </a:r>
-            <a:endParaRPr lang="ko-KR" altLang="en-US" b="1" dirty="0">
+            <a:endParaRPr lang="ko-KR" altLang="en-US" dirty="0">
               <a:solidFill>
                 <a:schemeClr val="tx1"/>
               </a:solidFill>
@@ -22053,9 +24487,7 @@
           </a:solidFill>
           <a:ln>
             <a:solidFill>
-              <a:schemeClr val="bg1">
-                <a:lumMod val="95000"/>
-              </a:schemeClr>
+              <a:schemeClr val="tx1"/>
             </a:solidFill>
           </a:ln>
         </p:spPr>
@@ -22081,11 +24513,9 @@
           <a:p>
             <a:pPr algn="ctr"/>
             <a:r>
-              <a:rPr lang="en-US" altLang="ko-KR" b="1" dirty="0">
-                <a:solidFill>
-                  <a:schemeClr val="bg1">
-                    <a:lumMod val="95000"/>
-                  </a:schemeClr>
+              <a:rPr lang="en-US" altLang="ko-KR" dirty="0">
+                <a:solidFill>
+                  <a:schemeClr val="tx1"/>
                 </a:solidFill>
                 <a:latin typeface="배달의민족 한나체 Pro" pitchFamily="50" charset="-127"/>
                 <a:ea typeface="배달의민족 한나체 Pro" pitchFamily="50" charset="-127"/>
@@ -22093,11 +24523,9 @@
               <a:t> </a:t>
             </a:r>
             <a:r>
-              <a:rPr lang="ko-KR" altLang="en-US" sz="1600" b="1" dirty="0">
-                <a:solidFill>
-                  <a:schemeClr val="bg1">
-                    <a:lumMod val="95000"/>
-                  </a:schemeClr>
+              <a:rPr lang="ko-KR" altLang="en-US" dirty="0">
+                <a:solidFill>
+                  <a:schemeClr val="tx1"/>
                 </a:solidFill>
                 <a:latin typeface="배달의민족 한나체 Pro" pitchFamily="50" charset="-127"/>
                 <a:ea typeface="배달의민족 한나체 Pro" pitchFamily="50" charset="-127"/>
@@ -22126,9 +24554,7 @@
           </a:solidFill>
           <a:ln>
             <a:solidFill>
-              <a:schemeClr val="bg1">
-                <a:lumMod val="95000"/>
-              </a:schemeClr>
+              <a:schemeClr val="tx1"/>
             </a:solidFill>
           </a:ln>
         </p:spPr>
@@ -22156,9 +24582,7 @@
             <a:r>
               <a:rPr lang="en-US" altLang="ko-KR" dirty="0">
                 <a:solidFill>
-                  <a:schemeClr val="bg1">
-                    <a:lumMod val="95000"/>
-                  </a:schemeClr>
+                  <a:schemeClr val="tx1"/>
                 </a:solidFill>
                 <a:latin typeface="배달의민족 한나체 Pro" pitchFamily="50" charset="-127"/>
                 <a:ea typeface="배달의민족 한나체 Pro" pitchFamily="50" charset="-127"/>
@@ -22166,11 +24590,9 @@
               <a:t> </a:t>
             </a:r>
             <a:r>
-              <a:rPr lang="ko-KR" altLang="en-US" b="1" dirty="0">
-                <a:solidFill>
-                  <a:schemeClr val="bg1">
-                    <a:lumMod val="95000"/>
-                  </a:schemeClr>
+              <a:rPr lang="ko-KR" altLang="en-US" dirty="0">
+                <a:solidFill>
+                  <a:schemeClr val="tx1"/>
                 </a:solidFill>
                 <a:latin typeface="배달의민족 한나체 Pro" pitchFamily="50" charset="-127"/>
                 <a:ea typeface="배달의민족 한나체 Pro" pitchFamily="50" charset="-127"/>
@@ -22199,9 +24621,7 @@
           </a:solidFill>
           <a:ln>
             <a:solidFill>
-              <a:schemeClr val="bg1">
-                <a:lumMod val="95000"/>
-              </a:schemeClr>
+              <a:schemeClr val="tx1"/>
             </a:solidFill>
           </a:ln>
         </p:spPr>
@@ -22229,9 +24649,7 @@
             <a:r>
               <a:rPr lang="en-US" altLang="ko-KR" dirty="0">
                 <a:solidFill>
-                  <a:schemeClr val="bg1">
-                    <a:lumMod val="95000"/>
-                  </a:schemeClr>
+                  <a:schemeClr val="tx1"/>
                 </a:solidFill>
                 <a:latin typeface="배달의민족 한나체 Pro" pitchFamily="50" charset="-127"/>
                 <a:ea typeface="배달의민족 한나체 Pro" pitchFamily="50" charset="-127"/>
@@ -22239,11 +24657,9 @@
               <a:t> </a:t>
             </a:r>
             <a:r>
-              <a:rPr lang="ko-KR" altLang="en-US" b="1" dirty="0">
-                <a:solidFill>
-                  <a:schemeClr val="bg1">
-                    <a:lumMod val="95000"/>
-                  </a:schemeClr>
+              <a:rPr lang="ko-KR" altLang="en-US" dirty="0">
+                <a:solidFill>
+                  <a:schemeClr val="tx1"/>
                 </a:solidFill>
                 <a:latin typeface="배달의민족 한나체 Pro" pitchFamily="50" charset="-127"/>
                 <a:ea typeface="배달의민족 한나체 Pro" pitchFamily="50" charset="-127"/>
@@ -22261,7 +24677,7 @@
         </p:nvCxnSpPr>
         <p:spPr>
           <a:xfrm>
-            <a:off x="827584" y="2016703"/>
+            <a:off x="858337" y="2924944"/>
             <a:ext cx="0" cy="360040"/>
           </a:xfrm>
           <a:prstGeom prst="straightConnector1">
@@ -22296,24 +24712,24 @@
         <p:nvCxnSpPr>
           <p:cNvPr id="20" name="꺾인 연결선 19"/>
           <p:cNvCxnSpPr>
-            <a:stCxn id="8" idx="3"/>
             <a:endCxn id="9" idx="0"/>
           </p:cNvCxnSpPr>
           <p:nvPr/>
         </p:nvCxnSpPr>
         <p:spPr>
-          <a:xfrm>
-            <a:off x="1399646" y="2628771"/>
-            <a:ext cx="1213127" cy="274933"/>
-          </a:xfrm>
-          <a:prstGeom prst="bentConnector2">
-            <a:avLst/>
+          <a:xfrm flipV="1">
+            <a:off x="1551540" y="2903704"/>
+            <a:ext cx="1061233" cy="165257"/>
+          </a:xfrm>
+          <a:prstGeom prst="bentConnector4">
+            <a:avLst>
+              <a:gd name="adj1" fmla="val 35392"/>
+              <a:gd name="adj2" fmla="val 590443"/>
+            </a:avLst>
           </a:prstGeom>
           <a:ln w="28575">
             <a:solidFill>
-              <a:schemeClr val="bg1">
-                <a:lumMod val="95000"/>
-              </a:schemeClr>
+              <a:schemeClr val="tx1"/>
             </a:solidFill>
             <a:tailEnd type="arrow"/>
           </a:ln>
@@ -22352,9 +24768,7 @@
           </a:prstGeom>
           <a:ln w="28575">
             <a:solidFill>
-              <a:schemeClr val="bg1">
-                <a:lumMod val="95000"/>
-              </a:schemeClr>
+              <a:schemeClr val="tx1"/>
             </a:solidFill>
             <a:tailEnd type="arrow"/>
           </a:ln>
@@ -22392,9 +24806,7 @@
           </a:prstGeom>
           <a:ln w="28575">
             <a:solidFill>
-              <a:schemeClr val="bg1">
-                <a:lumMod val="95000"/>
-              </a:schemeClr>
+              <a:schemeClr val="tx1"/>
             </a:solidFill>
             <a:tailEnd type="arrow"/>
           </a:ln>
@@ -22432,9 +24844,7 @@
           </a:prstGeom>
           <a:ln w="28575">
             <a:solidFill>
-              <a:schemeClr val="bg1">
-                <a:lumMod val="95000"/>
-              </a:schemeClr>
+              <a:schemeClr val="tx1"/>
             </a:solidFill>
             <a:tailEnd type="arrow"/>
           </a:ln>
@@ -22473,9 +24883,7 @@
           </a:prstGeom>
           <a:ln w="28575">
             <a:solidFill>
-              <a:schemeClr val="bg1">
-                <a:lumMod val="95000"/>
-              </a:schemeClr>
+              <a:schemeClr val="tx1"/>
             </a:solidFill>
             <a:tailEnd type="arrow"/>
           </a:ln>
@@ -22514,9 +24922,7 @@
           </a:solidFill>
           <a:ln>
             <a:solidFill>
-              <a:schemeClr val="bg1">
-                <a:lumMod val="95000"/>
-              </a:schemeClr>
+              <a:schemeClr val="tx1"/>
             </a:solidFill>
           </a:ln>
         </p:spPr>
@@ -22542,247 +24948,16 @@
           <a:p>
             <a:pPr algn="ctr"/>
             <a:r>
-              <a:rPr lang="ko-KR" altLang="en-US" b="1" dirty="0">
-                <a:solidFill>
-                  <a:schemeClr val="bg1">
-                    <a:lumMod val="95000"/>
-                  </a:schemeClr>
-                </a:solidFill>
-                <a:latin typeface="배달의민족 한나체 Pro" pitchFamily="50" charset="-127"/>
-                <a:ea typeface="배달의민족 한나체 Pro" pitchFamily="50" charset="-127"/>
-              </a:rPr>
-              <a:t>영업</a:t>
-            </a:r>
-          </a:p>
-        </p:txBody>
-      </p:sp>
-      <p:sp>
-        <p:nvSpPr>
-          <p:cNvPr id="32" name="모서리가 둥근 직사각형 31"/>
-          <p:cNvSpPr/>
-          <p:nvPr/>
-        </p:nvSpPr>
-        <p:spPr>
-          <a:xfrm>
-            <a:off x="2201494" y="761564"/>
-            <a:ext cx="722060" cy="521067"/>
-          </a:xfrm>
-          <a:prstGeom prst="roundRect">
-            <a:avLst/>
-          </a:prstGeom>
-          <a:solidFill>
-            <a:schemeClr val="bg1"/>
-          </a:solidFill>
-          <a:ln>
-            <a:solidFill>
-              <a:schemeClr val="bg1">
-                <a:lumMod val="95000"/>
-              </a:schemeClr>
-            </a:solidFill>
-          </a:ln>
-        </p:spPr>
-        <p:style>
-          <a:lnRef idx="2">
-            <a:schemeClr val="accent1">
-              <a:shade val="50000"/>
-            </a:schemeClr>
-          </a:lnRef>
-          <a:fillRef idx="1">
-            <a:schemeClr val="accent1"/>
-          </a:fillRef>
-          <a:effectRef idx="0">
-            <a:schemeClr val="accent1"/>
-          </a:effectRef>
-          <a:fontRef idx="minor">
-            <a:schemeClr val="lt1"/>
-          </a:fontRef>
-        </p:style>
-        <p:txBody>
-          <a:bodyPr rtlCol="0" anchor="ctr"/>
-          <a:lstStyle/>
-          <a:p>
-            <a:pPr algn="ctr"/>
-            <a:r>
-              <a:rPr lang="ko-KR" altLang="en-US" b="1" dirty="0">
-                <a:solidFill>
-                  <a:schemeClr val="bg1">
-                    <a:lumMod val="95000"/>
-                  </a:schemeClr>
-                </a:solidFill>
-                <a:latin typeface="배달의민족 한나체 Pro" pitchFamily="50" charset="-127"/>
-                <a:ea typeface="배달의민족 한나체 Pro" pitchFamily="50" charset="-127"/>
-              </a:rPr>
-              <a:t>생산</a:t>
-            </a:r>
-          </a:p>
-        </p:txBody>
-      </p:sp>
-      <p:sp>
-        <p:nvSpPr>
-          <p:cNvPr id="33" name="모서리가 둥근 직사각형 32"/>
-          <p:cNvSpPr/>
-          <p:nvPr/>
-        </p:nvSpPr>
-        <p:spPr>
-          <a:xfrm>
-            <a:off x="5932114" y="741069"/>
-            <a:ext cx="792088" cy="504056"/>
-          </a:xfrm>
-          <a:prstGeom prst="roundRect">
-            <a:avLst/>
-          </a:prstGeom>
-          <a:solidFill>
-            <a:schemeClr val="bg1"/>
-          </a:solidFill>
-          <a:ln>
-            <a:solidFill>
-              <a:schemeClr val="tx2">
-                <a:lumMod val="60000"/>
-                <a:lumOff val="40000"/>
-              </a:schemeClr>
-            </a:solidFill>
-          </a:ln>
-        </p:spPr>
-        <p:style>
-          <a:lnRef idx="2">
-            <a:schemeClr val="accent1">
-              <a:shade val="50000"/>
-            </a:schemeClr>
-          </a:lnRef>
-          <a:fillRef idx="1">
-            <a:schemeClr val="accent1"/>
-          </a:fillRef>
-          <a:effectRef idx="0">
-            <a:schemeClr val="accent1"/>
-          </a:effectRef>
-          <a:fontRef idx="minor">
-            <a:schemeClr val="lt1"/>
-          </a:fontRef>
-        </p:style>
-        <p:txBody>
-          <a:bodyPr rtlCol="0" anchor="ctr"/>
-          <a:lstStyle/>
-          <a:p>
-            <a:pPr algn="ctr"/>
-            <a:r>
-              <a:rPr lang="ko-KR" altLang="en-US" b="1" dirty="0">
+              <a:rPr lang="en-US" altLang="ko-KR" dirty="0" smtClean="0">
                 <a:solidFill>
                   <a:schemeClr val="tx1"/>
                 </a:solidFill>
                 <a:latin typeface="배달의민족 한나체 Pro" pitchFamily="50" charset="-127"/>
                 <a:ea typeface="배달의민족 한나체 Pro" pitchFamily="50" charset="-127"/>
               </a:rPr>
-              <a:t>구매</a:t>
-            </a:r>
-          </a:p>
-        </p:txBody>
-      </p:sp>
-      <p:cxnSp>
-        <p:nvCxnSpPr>
-          <p:cNvPr id="52" name="꺾인 연결선 51"/>
-          <p:cNvCxnSpPr>
-            <a:stCxn id="8" idx="3"/>
-            <a:endCxn id="10" idx="1"/>
-          </p:cNvCxnSpPr>
-          <p:nvPr/>
-        </p:nvCxnSpPr>
-        <p:spPr>
-          <a:xfrm flipV="1">
-            <a:off x="1399646" y="2176738"/>
-            <a:ext cx="2342331" cy="452033"/>
-          </a:xfrm>
-          <a:prstGeom prst="bentConnector3">
-            <a:avLst>
-              <a:gd name="adj1" fmla="val 52110"/>
-            </a:avLst>
-          </a:prstGeom>
-          <a:ln w="28575">
-            <a:tailEnd type="triangle"/>
-          </a:ln>
-        </p:spPr>
-        <p:style>
-          <a:lnRef idx="1">
-            <a:schemeClr val="accent1"/>
-          </a:lnRef>
-          <a:fillRef idx="0">
-            <a:schemeClr val="accent1"/>
-          </a:fillRef>
-          <a:effectRef idx="0">
-            <a:schemeClr val="accent1"/>
-          </a:effectRef>
-          <a:fontRef idx="minor">
-            <a:schemeClr val="tx1"/>
-          </a:fontRef>
-        </p:style>
-      </p:cxnSp>
-      <p:sp>
-        <p:nvSpPr>
-          <p:cNvPr id="54" name="순서도: 처리 53"/>
-          <p:cNvSpPr/>
-          <p:nvPr/>
-        </p:nvSpPr>
-        <p:spPr>
-          <a:xfrm>
-            <a:off x="3753668" y="2943392"/>
-            <a:ext cx="1152128" cy="504056"/>
-          </a:xfrm>
-          <a:prstGeom prst="flowChartProcess">
-            <a:avLst/>
-          </a:prstGeom>
-          <a:solidFill>
-            <a:schemeClr val="bg1"/>
-          </a:solidFill>
-          <a:ln>
-            <a:solidFill>
-              <a:schemeClr val="tx2">
-                <a:lumMod val="60000"/>
-                <a:lumOff val="40000"/>
-              </a:schemeClr>
-            </a:solidFill>
-          </a:ln>
-        </p:spPr>
-        <p:style>
-          <a:lnRef idx="2">
-            <a:schemeClr val="accent1">
-              <a:shade val="50000"/>
-            </a:schemeClr>
-          </a:lnRef>
-          <a:fillRef idx="1">
-            <a:schemeClr val="accent1"/>
-          </a:fillRef>
-          <a:effectRef idx="0">
-            <a:schemeClr val="accent1"/>
-          </a:effectRef>
-          <a:fontRef idx="minor">
-            <a:schemeClr val="lt1"/>
-          </a:fontRef>
-        </p:style>
-        <p:txBody>
-          <a:bodyPr rtlCol="0" anchor="ctr"/>
-          <a:lstStyle/>
-          <a:p>
-            <a:pPr algn="ctr"/>
-            <a:r>
-              <a:rPr lang="en-US" altLang="ko-KR" sz="1400" b="1" dirty="0">
-                <a:solidFill>
-                  <a:schemeClr val="tx1"/>
-                </a:solidFill>
-                <a:latin typeface="배달의민족 한나체 Pro" pitchFamily="50" charset="-127"/>
-                <a:ea typeface="배달의민족 한나체 Pro" pitchFamily="50" charset="-127"/>
-              </a:rPr>
-              <a:t> </a:t>
-            </a:r>
-            <a:r>
-              <a:rPr lang="ko-KR" altLang="en-US" sz="1400" b="1" dirty="0">
-                <a:solidFill>
-                  <a:schemeClr val="tx1"/>
-                </a:solidFill>
-                <a:latin typeface="배달의민족 한나체 Pro" pitchFamily="50" charset="-127"/>
-                <a:ea typeface="배달의민족 한나체 Pro" pitchFamily="50" charset="-127"/>
-              </a:rPr>
-              <a:t>시스템</a:t>
-            </a:r>
-            <a:endParaRPr lang="en-US" altLang="ko-KR" sz="1400" b="1" dirty="0">
+              <a:t>SD</a:t>
+            </a:r>
+            <a:endParaRPr lang="ko-KR" altLang="en-US" dirty="0">
               <a:solidFill>
                 <a:schemeClr val="tx1"/>
               </a:solidFill>
@@ -22790,117 +24965,20 @@
               <a:ea typeface="배달의민족 한나체 Pro" pitchFamily="50" charset="-127"/>
             </a:endParaRPr>
           </a:p>
-          <a:p>
-            <a:pPr algn="ctr"/>
-            <a:r>
-              <a:rPr lang="ko-KR" altLang="en-US" sz="1400" b="1" dirty="0">
-                <a:solidFill>
-                  <a:schemeClr val="tx1"/>
-                </a:solidFill>
-                <a:latin typeface="배달의민족 한나체 Pro" pitchFamily="50" charset="-127"/>
-                <a:ea typeface="배달의민족 한나체 Pro" pitchFamily="50" charset="-127"/>
-              </a:rPr>
-              <a:t>재고 파악</a:t>
-            </a:r>
-          </a:p>
-        </p:txBody>
-      </p:sp>
-      <p:cxnSp>
-        <p:nvCxnSpPr>
-          <p:cNvPr id="55" name="직선 화살표 연결선 54"/>
-          <p:cNvCxnSpPr>
-            <a:stCxn id="10" idx="2"/>
-            <a:endCxn id="54" idx="0"/>
-          </p:cNvCxnSpPr>
-          <p:nvPr/>
-        </p:nvCxnSpPr>
-        <p:spPr>
-          <a:xfrm>
-            <a:off x="4318041" y="2428766"/>
-            <a:ext cx="11691" cy="514626"/>
-          </a:xfrm>
-          <a:prstGeom prst="straightConnector1">
-            <a:avLst/>
-          </a:prstGeom>
-          <a:ln w="28575">
-            <a:solidFill>
-              <a:schemeClr val="tx2">
-                <a:lumMod val="60000"/>
-                <a:lumOff val="40000"/>
-              </a:schemeClr>
-            </a:solidFill>
-            <a:tailEnd type="arrow"/>
-          </a:ln>
-        </p:spPr>
-        <p:style>
-          <a:lnRef idx="1">
-            <a:schemeClr val="accent1"/>
-          </a:lnRef>
-          <a:fillRef idx="0">
-            <a:schemeClr val="accent1"/>
-          </a:fillRef>
-          <a:effectRef idx="0">
-            <a:schemeClr val="accent1"/>
-          </a:effectRef>
-          <a:fontRef idx="minor">
-            <a:schemeClr val="tx1"/>
-          </a:fontRef>
-        </p:style>
-      </p:cxnSp>
-      <p:cxnSp>
-        <p:nvCxnSpPr>
-          <p:cNvPr id="66" name="직선 화살표 연결선 65"/>
-          <p:cNvCxnSpPr>
-            <a:stCxn id="54" idx="2"/>
-            <a:endCxn id="11" idx="0"/>
-          </p:cNvCxnSpPr>
-          <p:nvPr/>
-        </p:nvCxnSpPr>
-        <p:spPr>
-          <a:xfrm flipH="1">
-            <a:off x="4308982" y="3447448"/>
-            <a:ext cx="20750" cy="392360"/>
-          </a:xfrm>
-          <a:prstGeom prst="straightConnector1">
-            <a:avLst/>
-          </a:prstGeom>
-          <a:ln w="28575">
-            <a:solidFill>
-              <a:schemeClr val="tx2">
-                <a:lumMod val="60000"/>
-                <a:lumOff val="40000"/>
-              </a:schemeClr>
-            </a:solidFill>
-            <a:tailEnd type="arrow"/>
-          </a:ln>
-        </p:spPr>
-        <p:style>
-          <a:lnRef idx="1">
-            <a:schemeClr val="accent1"/>
-          </a:lnRef>
-          <a:fillRef idx="0">
-            <a:schemeClr val="accent1"/>
-          </a:fillRef>
-          <a:effectRef idx="0">
-            <a:schemeClr val="accent1"/>
-          </a:effectRef>
-          <a:fontRef idx="minor">
-            <a:schemeClr val="tx1"/>
-          </a:fontRef>
-        </p:style>
-      </p:cxnSp>
-      <p:sp>
-        <p:nvSpPr>
-          <p:cNvPr id="68" name="순서도: 처리 67"/>
+        </p:txBody>
+      </p:sp>
+      <p:sp>
+        <p:nvSpPr>
+          <p:cNvPr id="32" name="모서리가 둥근 직사각형 31"/>
           <p:cNvSpPr/>
           <p:nvPr/>
         </p:nvSpPr>
         <p:spPr>
           <a:xfrm>
-            <a:off x="278271" y="5712016"/>
-            <a:ext cx="1152128" cy="504056"/>
-          </a:xfrm>
-          <a:prstGeom prst="flowChartProcess">
+            <a:off x="2201494" y="761564"/>
+            <a:ext cx="722060" cy="521067"/>
+          </a:xfrm>
+          <a:prstGeom prst="roundRect">
             <a:avLst/>
           </a:prstGeom>
           <a:solidFill>
@@ -22908,9 +24986,7 @@
           </a:solidFill>
           <a:ln>
             <a:solidFill>
-              <a:schemeClr val="bg1">
-                <a:lumMod val="95000"/>
-              </a:schemeClr>
+              <a:schemeClr val="tx1"/>
             </a:solidFill>
           </a:ln>
         </p:spPr>
@@ -22936,170 +25012,16 @@
           <a:p>
             <a:pPr algn="ctr"/>
             <a:r>
-              <a:rPr lang="en-US" altLang="ko-KR" dirty="0">
-                <a:solidFill>
-                  <a:schemeClr val="bg1">
-                    <a:lumMod val="95000"/>
-                  </a:schemeClr>
-                </a:solidFill>
-                <a:latin typeface="배달의민족 한나체 Pro" pitchFamily="50" charset="-127"/>
-                <a:ea typeface="배달의민족 한나체 Pro" pitchFamily="50" charset="-127"/>
-              </a:rPr>
-              <a:t> </a:t>
-            </a:r>
-            <a:r>
-              <a:rPr lang="ko-KR" altLang="en-US" b="1" dirty="0">
-                <a:solidFill>
-                  <a:schemeClr val="bg1">
-                    <a:lumMod val="95000"/>
-                  </a:schemeClr>
-                </a:solidFill>
-                <a:latin typeface="배달의민족 한나체 Pro" pitchFamily="50" charset="-127"/>
-                <a:ea typeface="배달의민족 한나체 Pro" pitchFamily="50" charset="-127"/>
-              </a:rPr>
-              <a:t>판 매</a:t>
-            </a:r>
-          </a:p>
-        </p:txBody>
-      </p:sp>
-      <p:sp>
-        <p:nvSpPr>
-          <p:cNvPr id="77" name="순서도: 처리 76"/>
-          <p:cNvSpPr/>
-          <p:nvPr/>
-        </p:nvSpPr>
-        <p:spPr>
-          <a:xfrm>
-            <a:off x="5770931" y="1924710"/>
-            <a:ext cx="1152128" cy="504056"/>
-          </a:xfrm>
-          <a:prstGeom prst="flowChartProcess">
-            <a:avLst/>
-          </a:prstGeom>
-          <a:solidFill>
-            <a:schemeClr val="bg1"/>
-          </a:solidFill>
-          <a:ln>
-            <a:solidFill>
-              <a:schemeClr val="tx2">
-                <a:lumMod val="60000"/>
-                <a:lumOff val="40000"/>
-              </a:schemeClr>
-            </a:solidFill>
-          </a:ln>
-        </p:spPr>
-        <p:style>
-          <a:lnRef idx="2">
-            <a:schemeClr val="accent1">
-              <a:shade val="50000"/>
-            </a:schemeClr>
-          </a:lnRef>
-          <a:fillRef idx="1">
-            <a:schemeClr val="accent1"/>
-          </a:fillRef>
-          <a:effectRef idx="0">
-            <a:schemeClr val="accent1"/>
-          </a:effectRef>
-          <a:fontRef idx="minor">
-            <a:schemeClr val="lt1"/>
-          </a:fontRef>
-        </p:style>
-        <p:txBody>
-          <a:bodyPr rtlCol="0" anchor="ctr"/>
-          <a:lstStyle/>
-          <a:p>
-            <a:pPr algn="ctr"/>
-            <a:r>
-              <a:rPr lang="en-US" altLang="ko-KR" dirty="0">
+              <a:rPr lang="en-US" altLang="ko-KR" dirty="0" smtClean="0">
                 <a:solidFill>
                   <a:schemeClr val="tx1"/>
                 </a:solidFill>
                 <a:latin typeface="배달의민족 한나체 Pro" pitchFamily="50" charset="-127"/>
                 <a:ea typeface="배달의민족 한나체 Pro" pitchFamily="50" charset="-127"/>
               </a:rPr>
-              <a:t> </a:t>
-            </a:r>
-            <a:r>
-              <a:rPr lang="ko-KR" altLang="en-US" sz="1600" b="1" dirty="0">
-                <a:solidFill>
-                  <a:schemeClr val="tx1"/>
-                </a:solidFill>
-                <a:latin typeface="배달의민족 한나체 Pro" pitchFamily="50" charset="-127"/>
-                <a:ea typeface="배달의민족 한나체 Pro" pitchFamily="50" charset="-127"/>
-              </a:rPr>
-              <a:t>구매 요청 확인</a:t>
-            </a:r>
-          </a:p>
-        </p:txBody>
-      </p:sp>
-      <p:sp>
-        <p:nvSpPr>
-          <p:cNvPr id="78" name="순서도: 처리 77"/>
-          <p:cNvSpPr/>
-          <p:nvPr/>
-        </p:nvSpPr>
-        <p:spPr>
-          <a:xfrm>
-            <a:off x="5782622" y="2943392"/>
-            <a:ext cx="1152128" cy="504056"/>
-          </a:xfrm>
-          <a:prstGeom prst="flowChartProcess">
-            <a:avLst/>
-          </a:prstGeom>
-          <a:solidFill>
-            <a:schemeClr val="bg1"/>
-          </a:solidFill>
-          <a:ln>
-            <a:solidFill>
-              <a:schemeClr val="tx2">
-                <a:lumMod val="60000"/>
-                <a:lumOff val="40000"/>
-              </a:schemeClr>
-            </a:solidFill>
-          </a:ln>
-        </p:spPr>
-        <p:style>
-          <a:lnRef idx="2">
-            <a:schemeClr val="accent1">
-              <a:shade val="50000"/>
-            </a:schemeClr>
-          </a:lnRef>
-          <a:fillRef idx="1">
-            <a:schemeClr val="accent1"/>
-          </a:fillRef>
-          <a:effectRef idx="0">
-            <a:schemeClr val="accent1"/>
-          </a:effectRef>
-          <a:fontRef idx="minor">
-            <a:schemeClr val="lt1"/>
-          </a:fontRef>
-        </p:style>
-        <p:txBody>
-          <a:bodyPr rtlCol="0" anchor="ctr"/>
-          <a:lstStyle/>
-          <a:p>
-            <a:pPr algn="ctr"/>
-            <a:r>
-              <a:rPr lang="en-US" altLang="ko-KR" sz="1600" b="1" dirty="0">
-                <a:solidFill>
-                  <a:schemeClr val="tx1"/>
-                </a:solidFill>
-                <a:latin typeface="배달의민족 한나체 Pro" pitchFamily="50" charset="-127"/>
-                <a:ea typeface="배달의민족 한나체 Pro" pitchFamily="50" charset="-127"/>
-              </a:rPr>
-              <a:t> </a:t>
-            </a:r>
-            <a:r>
-              <a:rPr lang="ko-KR" altLang="en-US" sz="1600" b="1" dirty="0">
-                <a:solidFill>
-                  <a:schemeClr val="tx1"/>
-                </a:solidFill>
-                <a:latin typeface="배달의민족 한나체 Pro" pitchFamily="50" charset="-127"/>
-                <a:ea typeface="배달의민족 한나체 Pro" pitchFamily="50" charset="-127"/>
-              </a:rPr>
-              <a:t>벤더 관리</a:t>
-            </a:r>
-            <a:endParaRPr lang="en-US" altLang="ko-KR" sz="1600" b="1" dirty="0">
+              <a:t>PP</a:t>
+            </a:r>
+            <a:endParaRPr lang="ko-KR" altLang="en-US" dirty="0">
               <a:solidFill>
                 <a:schemeClr val="tx1"/>
               </a:solidFill>
@@ -23109,140 +25031,18 @@
           </a:p>
         </p:txBody>
       </p:sp>
-      <p:cxnSp>
-        <p:nvCxnSpPr>
-          <p:cNvPr id="79" name="직선 화살표 연결선 78"/>
-          <p:cNvCxnSpPr>
-            <a:stCxn id="77" idx="2"/>
-            <a:endCxn id="78" idx="0"/>
-          </p:cNvCxnSpPr>
-          <p:nvPr/>
-        </p:nvCxnSpPr>
-        <p:spPr>
-          <a:xfrm>
-            <a:off x="6346995" y="2428766"/>
-            <a:ext cx="11691" cy="514626"/>
-          </a:xfrm>
-          <a:prstGeom prst="straightConnector1">
-            <a:avLst/>
-          </a:prstGeom>
-          <a:ln w="28575">
-            <a:solidFill>
-              <a:schemeClr val="tx2">
-                <a:lumMod val="60000"/>
-                <a:lumOff val="40000"/>
-              </a:schemeClr>
-            </a:solidFill>
-            <a:tailEnd type="arrow"/>
-          </a:ln>
-        </p:spPr>
-        <p:style>
-          <a:lnRef idx="1">
-            <a:schemeClr val="accent1"/>
-          </a:lnRef>
-          <a:fillRef idx="0">
-            <a:schemeClr val="accent1"/>
-          </a:fillRef>
-          <a:effectRef idx="0">
-            <a:schemeClr val="accent1"/>
-          </a:effectRef>
-          <a:fontRef idx="minor">
-            <a:schemeClr val="tx1"/>
-          </a:fontRef>
-        </p:style>
-      </p:cxnSp>
-      <p:cxnSp>
-        <p:nvCxnSpPr>
-          <p:cNvPr id="83" name="꺾인 연결선 82"/>
-          <p:cNvCxnSpPr>
-            <a:stCxn id="11" idx="3"/>
-            <a:endCxn id="77" idx="1"/>
-          </p:cNvCxnSpPr>
-          <p:nvPr/>
-        </p:nvCxnSpPr>
-        <p:spPr>
-          <a:xfrm flipV="1">
-            <a:off x="4885046" y="2176738"/>
-            <a:ext cx="885885" cy="1915098"/>
-          </a:xfrm>
-          <a:prstGeom prst="bentConnector3">
-            <a:avLst>
-              <a:gd name="adj1" fmla="val 50000"/>
-            </a:avLst>
-          </a:prstGeom>
-          <a:ln w="28575">
-            <a:tailEnd type="triangle"/>
-          </a:ln>
-        </p:spPr>
-        <p:style>
-          <a:lnRef idx="1">
-            <a:schemeClr val="accent1"/>
-          </a:lnRef>
-          <a:fillRef idx="0">
-            <a:schemeClr val="accent1"/>
-          </a:fillRef>
-          <a:effectRef idx="0">
-            <a:schemeClr val="accent1"/>
-          </a:effectRef>
-          <a:fontRef idx="minor">
-            <a:schemeClr val="tx1"/>
-          </a:fontRef>
-        </p:style>
-      </p:cxnSp>
-      <p:cxnSp>
-        <p:nvCxnSpPr>
-          <p:cNvPr id="85" name="직선 화살표 연결선 84"/>
-          <p:cNvCxnSpPr>
-            <a:stCxn id="78" idx="2"/>
-            <a:endCxn id="12" idx="0"/>
-          </p:cNvCxnSpPr>
-          <p:nvPr/>
-        </p:nvCxnSpPr>
-        <p:spPr>
-          <a:xfrm flipH="1">
-            <a:off x="6352840" y="3447448"/>
-            <a:ext cx="5846" cy="389041"/>
-          </a:xfrm>
-          <a:prstGeom prst="straightConnector1">
-            <a:avLst/>
-          </a:prstGeom>
-          <a:ln w="28575">
-            <a:solidFill>
-              <a:schemeClr val="tx2">
-                <a:lumMod val="60000"/>
-                <a:lumOff val="40000"/>
-              </a:schemeClr>
-            </a:solidFill>
-            <a:tailEnd type="arrow"/>
-          </a:ln>
-        </p:spPr>
-        <p:style>
-          <a:lnRef idx="1">
-            <a:schemeClr val="accent1"/>
-          </a:lnRef>
-          <a:fillRef idx="0">
-            <a:schemeClr val="accent1"/>
-          </a:fillRef>
-          <a:effectRef idx="0">
-            <a:schemeClr val="accent1"/>
-          </a:effectRef>
-          <a:fontRef idx="minor">
-            <a:schemeClr val="tx1"/>
-          </a:fontRef>
-        </p:style>
-      </p:cxnSp>
-      <p:sp>
-        <p:nvSpPr>
-          <p:cNvPr id="97" name="순서도: 처리 96"/>
+      <p:sp>
+        <p:nvSpPr>
+          <p:cNvPr id="33" name="모서리가 둥근 직사각형 32"/>
           <p:cNvSpPr/>
           <p:nvPr/>
         </p:nvSpPr>
         <p:spPr>
           <a:xfrm>
-            <a:off x="7496527" y="3836489"/>
-            <a:ext cx="1152128" cy="504056"/>
-          </a:xfrm>
-          <a:prstGeom prst="flowChartProcess">
+            <a:off x="5932114" y="741069"/>
+            <a:ext cx="792088" cy="504056"/>
+          </a:xfrm>
+          <a:prstGeom prst="roundRect">
             <a:avLst/>
           </a:prstGeom>
           <a:solidFill>
@@ -23279,167 +25079,16 @@
           <a:p>
             <a:pPr algn="ctr"/>
             <a:r>
-              <a:rPr lang="en-US" altLang="ko-KR" sz="1600" b="1" dirty="0">
+              <a:rPr lang="en-US" altLang="ko-KR" dirty="0" smtClean="0">
                 <a:solidFill>
                   <a:schemeClr val="tx1"/>
                 </a:solidFill>
                 <a:latin typeface="배달의민족 한나체 Pro" pitchFamily="50" charset="-127"/>
                 <a:ea typeface="배달의민족 한나체 Pro" pitchFamily="50" charset="-127"/>
               </a:rPr>
-              <a:t> </a:t>
-            </a:r>
-            <a:r>
-              <a:rPr lang="ko-KR" altLang="en-US" sz="1600" b="1" dirty="0">
-                <a:solidFill>
-                  <a:schemeClr val="tx1"/>
-                </a:solidFill>
-                <a:latin typeface="배달의민족 한나체 Pro" pitchFamily="50" charset="-127"/>
-                <a:ea typeface="배달의민족 한나체 Pro" pitchFamily="50" charset="-127"/>
-              </a:rPr>
-              <a:t>입고 재고 검사</a:t>
-            </a:r>
-          </a:p>
-        </p:txBody>
-      </p:sp>
-      <p:cxnSp>
-        <p:nvCxnSpPr>
-          <p:cNvPr id="98" name="직선 화살표 연결선 97"/>
-          <p:cNvCxnSpPr>
-            <a:stCxn id="13" idx="2"/>
-            <a:endCxn id="97" idx="0"/>
-          </p:cNvCxnSpPr>
-          <p:nvPr/>
-        </p:nvCxnSpPr>
-        <p:spPr>
-          <a:xfrm>
-            <a:off x="8068279" y="2428766"/>
-            <a:ext cx="4312" cy="1407723"/>
-          </a:xfrm>
-          <a:prstGeom prst="straightConnector1">
-            <a:avLst/>
-          </a:prstGeom>
-          <a:ln w="28575">
-            <a:solidFill>
-              <a:schemeClr val="tx2">
-                <a:lumMod val="60000"/>
-                <a:lumOff val="40000"/>
-              </a:schemeClr>
-            </a:solidFill>
-            <a:tailEnd type="arrow"/>
-          </a:ln>
-        </p:spPr>
-        <p:style>
-          <a:lnRef idx="1">
-            <a:schemeClr val="accent1"/>
-          </a:lnRef>
-          <a:fillRef idx="0">
-            <a:schemeClr val="accent1"/>
-          </a:fillRef>
-          <a:effectRef idx="0">
-            <a:schemeClr val="accent1"/>
-          </a:effectRef>
-          <a:fontRef idx="minor">
-            <a:schemeClr val="tx1"/>
-          </a:fontRef>
-        </p:style>
-      </p:cxnSp>
-      <p:cxnSp>
-        <p:nvCxnSpPr>
-          <p:cNvPr id="114" name="직선 화살표 연결선 113"/>
-          <p:cNvCxnSpPr>
-            <a:stCxn id="97" idx="2"/>
-            <a:endCxn id="14" idx="0"/>
-          </p:cNvCxnSpPr>
-          <p:nvPr/>
-        </p:nvCxnSpPr>
-        <p:spPr>
-          <a:xfrm flipH="1">
-            <a:off x="8068279" y="4340545"/>
-            <a:ext cx="4312" cy="1141054"/>
-          </a:xfrm>
-          <a:prstGeom prst="straightConnector1">
-            <a:avLst/>
-          </a:prstGeom>
-          <a:ln w="28575">
-            <a:solidFill>
-              <a:schemeClr val="tx2">
-                <a:lumMod val="60000"/>
-                <a:lumOff val="40000"/>
-              </a:schemeClr>
-            </a:solidFill>
-            <a:tailEnd type="arrow"/>
-          </a:ln>
-        </p:spPr>
-        <p:style>
-          <a:lnRef idx="1">
-            <a:schemeClr val="accent1"/>
-          </a:lnRef>
-          <a:fillRef idx="0">
-            <a:schemeClr val="accent1"/>
-          </a:fillRef>
-          <a:effectRef idx="0">
-            <a:schemeClr val="accent1"/>
-          </a:effectRef>
-          <a:fontRef idx="minor">
-            <a:schemeClr val="tx1"/>
-          </a:fontRef>
-        </p:style>
-      </p:cxnSp>
-      <p:sp>
-        <p:nvSpPr>
-          <p:cNvPr id="41" name="모서리가 둥근 직사각형 40"/>
-          <p:cNvSpPr/>
-          <p:nvPr/>
-        </p:nvSpPr>
-        <p:spPr>
-          <a:xfrm>
-            <a:off x="247518" y="134634"/>
-            <a:ext cx="2092234" cy="504056"/>
-          </a:xfrm>
-          <a:prstGeom prst="roundRect">
-            <a:avLst/>
-          </a:prstGeom>
-          <a:solidFill>
-            <a:schemeClr val="bg1"/>
-          </a:solidFill>
-          <a:ln>
-            <a:solidFill>
-              <a:schemeClr val="tx1"/>
-            </a:solidFill>
-          </a:ln>
-        </p:spPr>
-        <p:style>
-          <a:lnRef idx="2">
-            <a:schemeClr val="accent1">
-              <a:shade val="50000"/>
-            </a:schemeClr>
-          </a:lnRef>
-          <a:fillRef idx="1">
-            <a:schemeClr val="accent1"/>
-          </a:fillRef>
-          <a:effectRef idx="0">
-            <a:schemeClr val="accent1"/>
-          </a:effectRef>
-          <a:fontRef idx="minor">
-            <a:schemeClr val="lt1"/>
-          </a:fontRef>
-        </p:style>
-        <p:txBody>
-          <a:bodyPr rtlCol="0" anchor="ctr"/>
-          <a:lstStyle/>
-          <a:p>
-            <a:pPr algn="ctr"/>
-            <a:r>
-              <a:rPr lang="en-US" altLang="ko-KR" b="1" dirty="0">
-                <a:solidFill>
-                  <a:schemeClr val="tx1"/>
-                </a:solidFill>
-                <a:latin typeface="배달의민족 한나체 Pro" pitchFamily="50" charset="-127"/>
-                <a:ea typeface="배달의민족 한나체 Pro" pitchFamily="50" charset="-127"/>
-              </a:rPr>
-              <a:t>To - Be</a:t>
-            </a:r>
-            <a:endParaRPr lang="ko-KR" altLang="en-US" b="1" dirty="0">
+              <a:t>MM</a:t>
+            </a:r>
+            <a:endParaRPr lang="ko-KR" altLang="en-US" dirty="0">
               <a:solidFill>
                 <a:schemeClr val="tx1"/>
               </a:solidFill>
@@ -23451,17 +25100,572 @@
       </p:sp>
       <p:cxnSp>
         <p:nvCxnSpPr>
+          <p:cNvPr id="52" name="꺾인 연결선 51"/>
+          <p:cNvCxnSpPr>
+            <a:endCxn id="37" idx="1"/>
+          </p:cNvCxnSpPr>
+          <p:nvPr/>
+        </p:nvCxnSpPr>
+        <p:spPr>
+          <a:xfrm flipV="1">
+            <a:off x="1752238" y="2087975"/>
+            <a:ext cx="2098818" cy="981682"/>
+          </a:xfrm>
+          <a:prstGeom prst="bentConnector3">
+            <a:avLst>
+              <a:gd name="adj1" fmla="val 8413"/>
+            </a:avLst>
+          </a:prstGeom>
+          <a:ln w="28575">
+            <a:tailEnd type="triangle"/>
+          </a:ln>
+        </p:spPr>
+        <p:style>
+          <a:lnRef idx="1">
+            <a:schemeClr val="accent1"/>
+          </a:lnRef>
+          <a:fillRef idx="0">
+            <a:schemeClr val="accent1"/>
+          </a:fillRef>
+          <a:effectRef idx="0">
+            <a:schemeClr val="accent1"/>
+          </a:effectRef>
+          <a:fontRef idx="minor">
+            <a:schemeClr val="tx1"/>
+          </a:fontRef>
+        </p:style>
+      </p:cxnSp>
+      <p:sp>
+        <p:nvSpPr>
+          <p:cNvPr id="54" name="순서도: 처리 53"/>
+          <p:cNvSpPr/>
+          <p:nvPr/>
+        </p:nvSpPr>
+        <p:spPr>
+          <a:xfrm>
+            <a:off x="3971490" y="3288243"/>
+            <a:ext cx="1152128" cy="504056"/>
+          </a:xfrm>
+          <a:prstGeom prst="flowChartProcess">
+            <a:avLst/>
+          </a:prstGeom>
+          <a:solidFill>
+            <a:schemeClr val="bg1"/>
+          </a:solidFill>
+          <a:ln>
+            <a:solidFill>
+              <a:schemeClr val="tx2">
+                <a:lumMod val="60000"/>
+                <a:lumOff val="40000"/>
+              </a:schemeClr>
+            </a:solidFill>
+          </a:ln>
+        </p:spPr>
+        <p:style>
+          <a:lnRef idx="2">
+            <a:schemeClr val="accent1">
+              <a:shade val="50000"/>
+            </a:schemeClr>
+          </a:lnRef>
+          <a:fillRef idx="1">
+            <a:schemeClr val="accent1"/>
+          </a:fillRef>
+          <a:effectRef idx="0">
+            <a:schemeClr val="accent1"/>
+          </a:effectRef>
+          <a:fontRef idx="minor">
+            <a:schemeClr val="lt1"/>
+          </a:fontRef>
+        </p:style>
+        <p:txBody>
+          <a:bodyPr rtlCol="0" anchor="ctr"/>
+          <a:lstStyle/>
+          <a:p>
+            <a:pPr algn="ctr"/>
+            <a:r>
+              <a:rPr lang="en-US" altLang="ko-KR" dirty="0">
+                <a:solidFill>
+                  <a:schemeClr val="tx1"/>
+                </a:solidFill>
+                <a:latin typeface="배달의민족 한나체 Pro" pitchFamily="50" charset="-127"/>
+                <a:ea typeface="배달의민족 한나체 Pro" pitchFamily="50" charset="-127"/>
+              </a:rPr>
+              <a:t> </a:t>
+            </a:r>
+            <a:r>
+              <a:rPr lang="ko-KR" altLang="en-US" dirty="0">
+                <a:solidFill>
+                  <a:schemeClr val="tx1"/>
+                </a:solidFill>
+                <a:latin typeface="배달의민족 한나체 Pro" pitchFamily="50" charset="-127"/>
+                <a:ea typeface="배달의민족 한나체 Pro" pitchFamily="50" charset="-127"/>
+              </a:rPr>
+              <a:t>시스템</a:t>
+            </a:r>
+            <a:endParaRPr lang="en-US" altLang="ko-KR" dirty="0">
+              <a:solidFill>
+                <a:schemeClr val="tx1"/>
+              </a:solidFill>
+              <a:latin typeface="배달의민족 한나체 Pro" pitchFamily="50" charset="-127"/>
+              <a:ea typeface="배달의민족 한나체 Pro" pitchFamily="50" charset="-127"/>
+            </a:endParaRPr>
+          </a:p>
+          <a:p>
+            <a:pPr algn="ctr"/>
+            <a:r>
+              <a:rPr lang="ko-KR" altLang="en-US" dirty="0">
+                <a:solidFill>
+                  <a:schemeClr val="tx1"/>
+                </a:solidFill>
+                <a:latin typeface="배달의민족 한나체 Pro" pitchFamily="50" charset="-127"/>
+                <a:ea typeface="배달의민족 한나체 Pro" pitchFamily="50" charset="-127"/>
+              </a:rPr>
+              <a:t>재고 파악</a:t>
+            </a:r>
+          </a:p>
+        </p:txBody>
+      </p:sp>
+      <p:sp>
+        <p:nvSpPr>
+          <p:cNvPr id="68" name="순서도: 처리 67"/>
+          <p:cNvSpPr/>
+          <p:nvPr/>
+        </p:nvSpPr>
+        <p:spPr>
+          <a:xfrm>
+            <a:off x="278271" y="5712016"/>
+            <a:ext cx="1152128" cy="504056"/>
+          </a:xfrm>
+          <a:prstGeom prst="flowChartProcess">
+            <a:avLst/>
+          </a:prstGeom>
+          <a:solidFill>
+            <a:schemeClr val="bg1"/>
+          </a:solidFill>
+          <a:ln>
+            <a:solidFill>
+              <a:schemeClr val="tx1"/>
+            </a:solidFill>
+          </a:ln>
+        </p:spPr>
+        <p:style>
+          <a:lnRef idx="2">
+            <a:schemeClr val="accent1">
+              <a:shade val="50000"/>
+            </a:schemeClr>
+          </a:lnRef>
+          <a:fillRef idx="1">
+            <a:schemeClr val="accent1"/>
+          </a:fillRef>
+          <a:effectRef idx="0">
+            <a:schemeClr val="accent1"/>
+          </a:effectRef>
+          <a:fontRef idx="minor">
+            <a:schemeClr val="lt1"/>
+          </a:fontRef>
+        </p:style>
+        <p:txBody>
+          <a:bodyPr rtlCol="0" anchor="ctr"/>
+          <a:lstStyle/>
+          <a:p>
+            <a:pPr algn="ctr"/>
+            <a:r>
+              <a:rPr lang="en-US" altLang="ko-KR" dirty="0">
+                <a:solidFill>
+                  <a:schemeClr val="tx1"/>
+                </a:solidFill>
+                <a:latin typeface="배달의민족 한나체 Pro" pitchFamily="50" charset="-127"/>
+                <a:ea typeface="배달의민족 한나체 Pro" pitchFamily="50" charset="-127"/>
+              </a:rPr>
+              <a:t> </a:t>
+            </a:r>
+            <a:r>
+              <a:rPr lang="ko-KR" altLang="en-US" dirty="0">
+                <a:solidFill>
+                  <a:schemeClr val="tx1"/>
+                </a:solidFill>
+                <a:latin typeface="배달의민족 한나체 Pro" pitchFamily="50" charset="-127"/>
+                <a:ea typeface="배달의민족 한나체 Pro" pitchFamily="50" charset="-127"/>
+              </a:rPr>
+              <a:t>판 매</a:t>
+            </a:r>
+          </a:p>
+        </p:txBody>
+      </p:sp>
+      <p:sp>
+        <p:nvSpPr>
+          <p:cNvPr id="77" name="순서도: 처리 76"/>
+          <p:cNvSpPr/>
+          <p:nvPr/>
+        </p:nvSpPr>
+        <p:spPr>
+          <a:xfrm>
+            <a:off x="5770931" y="2651676"/>
+            <a:ext cx="1152128" cy="504056"/>
+          </a:xfrm>
+          <a:prstGeom prst="flowChartProcess">
+            <a:avLst/>
+          </a:prstGeom>
+          <a:solidFill>
+            <a:schemeClr val="bg1"/>
+          </a:solidFill>
+          <a:ln>
+            <a:solidFill>
+              <a:schemeClr val="tx2">
+                <a:lumMod val="60000"/>
+                <a:lumOff val="40000"/>
+              </a:schemeClr>
+            </a:solidFill>
+          </a:ln>
+        </p:spPr>
+        <p:style>
+          <a:lnRef idx="2">
+            <a:schemeClr val="accent1">
+              <a:shade val="50000"/>
+            </a:schemeClr>
+          </a:lnRef>
+          <a:fillRef idx="1">
+            <a:schemeClr val="accent1"/>
+          </a:fillRef>
+          <a:effectRef idx="0">
+            <a:schemeClr val="accent1"/>
+          </a:effectRef>
+          <a:fontRef idx="minor">
+            <a:schemeClr val="lt1"/>
+          </a:fontRef>
+        </p:style>
+        <p:txBody>
+          <a:bodyPr rtlCol="0" anchor="ctr"/>
+          <a:lstStyle/>
+          <a:p>
+            <a:pPr algn="ctr"/>
+            <a:r>
+              <a:rPr lang="en-US" altLang="ko-KR" dirty="0">
+                <a:solidFill>
+                  <a:schemeClr val="tx1"/>
+                </a:solidFill>
+                <a:latin typeface="배달의민족 한나체 Pro" pitchFamily="50" charset="-127"/>
+                <a:ea typeface="배달의민족 한나체 Pro" pitchFamily="50" charset="-127"/>
+              </a:rPr>
+              <a:t> </a:t>
+            </a:r>
+            <a:r>
+              <a:rPr lang="ko-KR" altLang="en-US" dirty="0">
+                <a:solidFill>
+                  <a:schemeClr val="tx1"/>
+                </a:solidFill>
+                <a:latin typeface="배달의민족 한나체 Pro" pitchFamily="50" charset="-127"/>
+                <a:ea typeface="배달의민족 한나체 Pro" pitchFamily="50" charset="-127"/>
+              </a:rPr>
+              <a:t>구매 요청 확인</a:t>
+            </a:r>
+          </a:p>
+        </p:txBody>
+      </p:sp>
+      <p:sp>
+        <p:nvSpPr>
+          <p:cNvPr id="78" name="순서도: 처리 77"/>
+          <p:cNvSpPr/>
+          <p:nvPr/>
+        </p:nvSpPr>
+        <p:spPr>
+          <a:xfrm>
+            <a:off x="5770931" y="3287546"/>
+            <a:ext cx="1152128" cy="504056"/>
+          </a:xfrm>
+          <a:prstGeom prst="flowChartProcess">
+            <a:avLst/>
+          </a:prstGeom>
+          <a:solidFill>
+            <a:schemeClr val="bg1"/>
+          </a:solidFill>
+          <a:ln>
+            <a:solidFill>
+              <a:schemeClr val="tx2">
+                <a:lumMod val="60000"/>
+                <a:lumOff val="40000"/>
+              </a:schemeClr>
+            </a:solidFill>
+          </a:ln>
+        </p:spPr>
+        <p:style>
+          <a:lnRef idx="2">
+            <a:schemeClr val="accent1">
+              <a:shade val="50000"/>
+            </a:schemeClr>
+          </a:lnRef>
+          <a:fillRef idx="1">
+            <a:schemeClr val="accent1"/>
+          </a:fillRef>
+          <a:effectRef idx="0">
+            <a:schemeClr val="accent1"/>
+          </a:effectRef>
+          <a:fontRef idx="minor">
+            <a:schemeClr val="lt1"/>
+          </a:fontRef>
+        </p:style>
+        <p:txBody>
+          <a:bodyPr rtlCol="0" anchor="ctr"/>
+          <a:lstStyle/>
+          <a:p>
+            <a:pPr algn="ctr"/>
+            <a:r>
+              <a:rPr lang="en-US" altLang="ko-KR" dirty="0">
+                <a:solidFill>
+                  <a:schemeClr val="tx1"/>
+                </a:solidFill>
+                <a:latin typeface="배달의민족 한나체 Pro" pitchFamily="50" charset="-127"/>
+                <a:ea typeface="배달의민족 한나체 Pro" pitchFamily="50" charset="-127"/>
+              </a:rPr>
+              <a:t> </a:t>
+            </a:r>
+            <a:r>
+              <a:rPr lang="ko-KR" altLang="en-US" dirty="0">
+                <a:solidFill>
+                  <a:schemeClr val="tx1"/>
+                </a:solidFill>
+                <a:latin typeface="배달의민족 한나체 Pro" pitchFamily="50" charset="-127"/>
+                <a:ea typeface="배달의민족 한나체 Pro" pitchFamily="50" charset="-127"/>
+              </a:rPr>
+              <a:t>벤더 관리</a:t>
+            </a:r>
+            <a:endParaRPr lang="en-US" altLang="ko-KR" dirty="0">
+              <a:solidFill>
+                <a:schemeClr val="tx1"/>
+              </a:solidFill>
+              <a:latin typeface="배달의민족 한나체 Pro" pitchFamily="50" charset="-127"/>
+              <a:ea typeface="배달의민족 한나체 Pro" pitchFamily="50" charset="-127"/>
+            </a:endParaRPr>
+          </a:p>
+        </p:txBody>
+      </p:sp>
+      <p:cxnSp>
+        <p:nvCxnSpPr>
+          <p:cNvPr id="83" name="꺾인 연결선 82"/>
+          <p:cNvCxnSpPr>
+            <a:stCxn id="25" idx="3"/>
+            <a:endCxn id="65" idx="1"/>
+          </p:cNvCxnSpPr>
+          <p:nvPr/>
+        </p:nvCxnSpPr>
+        <p:spPr>
+          <a:xfrm flipV="1">
+            <a:off x="5219208" y="2071169"/>
+            <a:ext cx="443711" cy="1124948"/>
+          </a:xfrm>
+          <a:prstGeom prst="bentConnector3">
+            <a:avLst>
+              <a:gd name="adj1" fmla="val 50000"/>
+            </a:avLst>
+          </a:prstGeom>
+          <a:ln w="28575">
+            <a:tailEnd type="triangle"/>
+          </a:ln>
+        </p:spPr>
+        <p:style>
+          <a:lnRef idx="1">
+            <a:schemeClr val="accent1"/>
+          </a:lnRef>
+          <a:fillRef idx="0">
+            <a:schemeClr val="accent1"/>
+          </a:fillRef>
+          <a:effectRef idx="0">
+            <a:schemeClr val="accent1"/>
+          </a:effectRef>
+          <a:fontRef idx="minor">
+            <a:schemeClr val="tx1"/>
+          </a:fontRef>
+        </p:style>
+      </p:cxnSp>
+      <p:sp>
+        <p:nvSpPr>
+          <p:cNvPr id="97" name="순서도: 처리 96"/>
+          <p:cNvSpPr/>
+          <p:nvPr/>
+        </p:nvSpPr>
+        <p:spPr>
+          <a:xfrm>
+            <a:off x="7496527" y="3836489"/>
+            <a:ext cx="1152128" cy="504056"/>
+          </a:xfrm>
+          <a:prstGeom prst="flowChartProcess">
+            <a:avLst/>
+          </a:prstGeom>
+          <a:solidFill>
+            <a:schemeClr val="bg1"/>
+          </a:solidFill>
+          <a:ln>
+            <a:solidFill>
+              <a:schemeClr val="tx2">
+                <a:lumMod val="60000"/>
+                <a:lumOff val="40000"/>
+              </a:schemeClr>
+            </a:solidFill>
+          </a:ln>
+        </p:spPr>
+        <p:style>
+          <a:lnRef idx="2">
+            <a:schemeClr val="accent1">
+              <a:shade val="50000"/>
+            </a:schemeClr>
+          </a:lnRef>
+          <a:fillRef idx="1">
+            <a:schemeClr val="accent1"/>
+          </a:fillRef>
+          <a:effectRef idx="0">
+            <a:schemeClr val="accent1"/>
+          </a:effectRef>
+          <a:fontRef idx="minor">
+            <a:schemeClr val="lt1"/>
+          </a:fontRef>
+        </p:style>
+        <p:txBody>
+          <a:bodyPr rtlCol="0" anchor="ctr"/>
+          <a:lstStyle/>
+          <a:p>
+            <a:pPr algn="ctr"/>
+            <a:r>
+              <a:rPr lang="en-US" altLang="ko-KR" dirty="0">
+                <a:solidFill>
+                  <a:schemeClr val="tx1"/>
+                </a:solidFill>
+                <a:latin typeface="배달의민족 한나체 Pro" pitchFamily="50" charset="-127"/>
+                <a:ea typeface="배달의민족 한나체 Pro" pitchFamily="50" charset="-127"/>
+              </a:rPr>
+              <a:t> </a:t>
+            </a:r>
+            <a:r>
+              <a:rPr lang="ko-KR" altLang="en-US" dirty="0">
+                <a:solidFill>
+                  <a:schemeClr val="tx1"/>
+                </a:solidFill>
+                <a:latin typeface="배달의민족 한나체 Pro" pitchFamily="50" charset="-127"/>
+                <a:ea typeface="배달의민족 한나체 Pro" pitchFamily="50" charset="-127"/>
+              </a:rPr>
+              <a:t>입고 재고 검사</a:t>
+            </a:r>
+          </a:p>
+        </p:txBody>
+      </p:sp>
+      <p:cxnSp>
+        <p:nvCxnSpPr>
+          <p:cNvPr id="114" name="직선 화살표 연결선 113"/>
+          <p:cNvCxnSpPr>
+            <a:stCxn id="90" idx="2"/>
+            <a:endCxn id="14" idx="0"/>
+          </p:cNvCxnSpPr>
+          <p:nvPr/>
+        </p:nvCxnSpPr>
+        <p:spPr>
+          <a:xfrm flipH="1">
+            <a:off x="8068279" y="4593723"/>
+            <a:ext cx="4312" cy="887876"/>
+          </a:xfrm>
+          <a:prstGeom prst="straightConnector1">
+            <a:avLst/>
+          </a:prstGeom>
+          <a:ln w="28575">
+            <a:solidFill>
+              <a:schemeClr val="tx2">
+                <a:lumMod val="60000"/>
+                <a:lumOff val="40000"/>
+              </a:schemeClr>
+            </a:solidFill>
+            <a:tailEnd type="arrow"/>
+          </a:ln>
+        </p:spPr>
+        <p:style>
+          <a:lnRef idx="1">
+            <a:schemeClr val="accent1"/>
+          </a:lnRef>
+          <a:fillRef idx="0">
+            <a:schemeClr val="accent1"/>
+          </a:fillRef>
+          <a:effectRef idx="0">
+            <a:schemeClr val="accent1"/>
+          </a:effectRef>
+          <a:fontRef idx="minor">
+            <a:schemeClr val="tx1"/>
+          </a:fontRef>
+        </p:style>
+      </p:cxnSp>
+      <p:sp>
+        <p:nvSpPr>
+          <p:cNvPr id="41" name="모서리가 둥근 직사각형 40"/>
+          <p:cNvSpPr/>
+          <p:nvPr/>
+        </p:nvSpPr>
+        <p:spPr>
+          <a:xfrm>
+            <a:off x="247518" y="134634"/>
+            <a:ext cx="2092234" cy="504056"/>
+          </a:xfrm>
+          <a:prstGeom prst="roundRect">
+            <a:avLst/>
+          </a:prstGeom>
+          <a:solidFill>
+            <a:schemeClr val="bg1"/>
+          </a:solidFill>
+          <a:ln>
+            <a:solidFill>
+              <a:schemeClr val="tx1"/>
+            </a:solidFill>
+          </a:ln>
+        </p:spPr>
+        <p:style>
+          <a:lnRef idx="2">
+            <a:schemeClr val="accent1">
+              <a:shade val="50000"/>
+            </a:schemeClr>
+          </a:lnRef>
+          <a:fillRef idx="1">
+            <a:schemeClr val="accent1"/>
+          </a:fillRef>
+          <a:effectRef idx="0">
+            <a:schemeClr val="accent1"/>
+          </a:effectRef>
+          <a:fontRef idx="minor">
+            <a:schemeClr val="lt1"/>
+          </a:fontRef>
+        </p:style>
+        <p:txBody>
+          <a:bodyPr rtlCol="0" anchor="ctr"/>
+          <a:lstStyle/>
+          <a:p>
+            <a:pPr algn="ctr"/>
+            <a:r>
+              <a:rPr lang="en-US" altLang="ko-KR" dirty="0" smtClean="0">
+                <a:solidFill>
+                  <a:schemeClr val="tx1"/>
+                </a:solidFill>
+                <a:latin typeface="배달의민족 한나체 Pro" pitchFamily="50" charset="-127"/>
+                <a:ea typeface="배달의민족 한나체 Pro" pitchFamily="50" charset="-127"/>
+              </a:rPr>
+              <a:t>To - Be</a:t>
+            </a:r>
+            <a:endParaRPr lang="ko-KR" altLang="en-US" dirty="0">
+              <a:solidFill>
+                <a:schemeClr val="tx1"/>
+              </a:solidFill>
+              <a:latin typeface="배달의민족 한나체 Pro" pitchFamily="50" charset="-127"/>
+              <a:ea typeface="배달의민족 한나체 Pro" pitchFamily="50" charset="-127"/>
+            </a:endParaRPr>
+          </a:p>
+        </p:txBody>
+      </p:sp>
+      <p:cxnSp>
+        <p:nvCxnSpPr>
           <p:cNvPr id="74" name="꺾인 연결선 73"/>
           <p:cNvCxnSpPr>
-            <a:stCxn id="12" idx="3"/>
-            <a:endCxn id="13" idx="1"/>
+            <a:stCxn id="64" idx="3"/>
+            <a:endCxn id="91" idx="1"/>
           </p:cNvCxnSpPr>
           <p:nvPr/>
         </p:nvCxnSpPr>
         <p:spPr>
           <a:xfrm flipV="1">
-            <a:off x="6928904" y="2176738"/>
-            <a:ext cx="563311" cy="1911779"/>
+            <a:off x="7025226" y="2071518"/>
+            <a:ext cx="369134" cy="1123901"/>
           </a:xfrm>
           <a:prstGeom prst="bentConnector3">
             <a:avLst>
@@ -23505,9 +25709,7 @@
           </a:prstGeom>
           <a:ln w="28575">
             <a:solidFill>
-              <a:schemeClr val="bg1">
-                <a:lumMod val="95000"/>
-              </a:schemeClr>
+              <a:schemeClr val="tx1"/>
             </a:solidFill>
             <a:tailEnd type="triangle"/>
           </a:ln>
@@ -23527,10 +25729,536 @@
           </a:fontRef>
         </p:style>
       </p:cxnSp>
+      <p:sp>
+        <p:nvSpPr>
+          <p:cNvPr id="37" name="직사각형 36"/>
+          <p:cNvSpPr/>
+          <p:nvPr/>
+        </p:nvSpPr>
+        <p:spPr>
+          <a:xfrm>
+            <a:off x="3851056" y="1798510"/>
+            <a:ext cx="1368152" cy="578930"/>
+          </a:xfrm>
+          <a:prstGeom prst="rect">
+            <a:avLst/>
+          </a:prstGeom>
+          <a:solidFill>
+            <a:schemeClr val="accent3">
+              <a:lumMod val="60000"/>
+              <a:lumOff val="40000"/>
+            </a:schemeClr>
+          </a:solidFill>
+          <a:ln>
+            <a:solidFill>
+              <a:srgbClr val="00B050"/>
+            </a:solidFill>
+          </a:ln>
+        </p:spPr>
+        <p:style>
+          <a:lnRef idx="2">
+            <a:schemeClr val="accent1">
+              <a:shade val="50000"/>
+            </a:schemeClr>
+          </a:lnRef>
+          <a:fillRef idx="1">
+            <a:schemeClr val="accent1"/>
+          </a:fillRef>
+          <a:effectRef idx="0">
+            <a:schemeClr val="accent1"/>
+          </a:effectRef>
+          <a:fontRef idx="minor">
+            <a:schemeClr val="lt1"/>
+          </a:fontRef>
+        </p:style>
+        <p:txBody>
+          <a:bodyPr rtlCol="0" anchor="ctr"/>
+          <a:lstStyle/>
+          <a:p>
+            <a:pPr algn="ctr"/>
+            <a:r>
+              <a:rPr lang="en-US" altLang="ko-KR" sz="2000" dirty="0" smtClean="0">
+                <a:solidFill>
+                  <a:schemeClr val="tx1"/>
+                </a:solidFill>
+                <a:latin typeface="배달의민족 한나체 Pro" pitchFamily="50" charset="-127"/>
+                <a:ea typeface="배달의민족 한나체 Pro" pitchFamily="50" charset="-127"/>
+              </a:rPr>
+              <a:t>PR </a:t>
+            </a:r>
+            <a:r>
+              <a:rPr lang="ko-KR" altLang="en-US" sz="2000" dirty="0" smtClean="0">
+                <a:solidFill>
+                  <a:schemeClr val="tx1"/>
+                </a:solidFill>
+                <a:latin typeface="배달의민족 한나체 Pro" pitchFamily="50" charset="-127"/>
+                <a:ea typeface="배달의민족 한나체 Pro" pitchFamily="50" charset="-127"/>
+              </a:rPr>
+              <a:t>생성</a:t>
+            </a:r>
+            <a:endParaRPr lang="en-US" altLang="ko-KR" sz="2000" dirty="0" smtClean="0">
+              <a:solidFill>
+                <a:schemeClr val="tx1"/>
+              </a:solidFill>
+              <a:latin typeface="배달의민족 한나체 Pro" pitchFamily="50" charset="-127"/>
+              <a:ea typeface="배달의민족 한나체 Pro" pitchFamily="50" charset="-127"/>
+            </a:endParaRPr>
+          </a:p>
+          <a:p>
+            <a:pPr algn="ctr"/>
+            <a:r>
+              <a:rPr lang="ko-KR" altLang="en-US" sz="2000" dirty="0" smtClean="0">
+                <a:solidFill>
+                  <a:schemeClr val="tx1"/>
+                </a:solidFill>
+                <a:latin typeface="배달의민족 한나체 Pro" pitchFamily="50" charset="-127"/>
+                <a:ea typeface="배달의민족 한나체 Pro" pitchFamily="50" charset="-127"/>
+              </a:rPr>
+              <a:t>통합처리</a:t>
+            </a:r>
+            <a:endParaRPr lang="ko-KR" altLang="en-US" dirty="0">
+              <a:solidFill>
+                <a:schemeClr val="tx1"/>
+              </a:solidFill>
+              <a:latin typeface="배달의민족 한나체 Pro" pitchFamily="50" charset="-127"/>
+              <a:ea typeface="배달의민족 한나체 Pro" pitchFamily="50" charset="-127"/>
+            </a:endParaRPr>
+          </a:p>
+        </p:txBody>
+      </p:sp>
+      <p:sp>
+        <p:nvSpPr>
+          <p:cNvPr id="64" name="직사각형 63"/>
+          <p:cNvSpPr/>
+          <p:nvPr/>
+        </p:nvSpPr>
+        <p:spPr>
+          <a:xfrm>
+            <a:off x="5657074" y="1797464"/>
+            <a:ext cx="1368152" cy="2795910"/>
+          </a:xfrm>
+          <a:prstGeom prst="rect">
+            <a:avLst/>
+          </a:prstGeom>
+          <a:noFill/>
+          <a:ln w="38100">
+            <a:solidFill>
+              <a:srgbClr val="00B050"/>
+            </a:solidFill>
+          </a:ln>
+        </p:spPr>
+        <p:style>
+          <a:lnRef idx="2">
+            <a:schemeClr val="accent1">
+              <a:shade val="50000"/>
+            </a:schemeClr>
+          </a:lnRef>
+          <a:fillRef idx="1">
+            <a:schemeClr val="accent1"/>
+          </a:fillRef>
+          <a:effectRef idx="0">
+            <a:schemeClr val="accent1"/>
+          </a:effectRef>
+          <a:fontRef idx="minor">
+            <a:schemeClr val="lt1"/>
+          </a:fontRef>
+        </p:style>
+        <p:txBody>
+          <a:bodyPr rtlCol="0" anchor="ctr"/>
+          <a:lstStyle/>
+          <a:p>
+            <a:pPr algn="ctr"/>
+            <a:endParaRPr lang="ko-KR" altLang="en-US"/>
+          </a:p>
+        </p:txBody>
+      </p:sp>
+      <p:sp>
+        <p:nvSpPr>
+          <p:cNvPr id="65" name="직사각형 64"/>
+          <p:cNvSpPr/>
+          <p:nvPr/>
+        </p:nvSpPr>
+        <p:spPr>
+          <a:xfrm>
+            <a:off x="5662919" y="1781704"/>
+            <a:ext cx="1368152" cy="578930"/>
+          </a:xfrm>
+          <a:prstGeom prst="rect">
+            <a:avLst/>
+          </a:prstGeom>
+          <a:solidFill>
+            <a:schemeClr val="accent3">
+              <a:lumMod val="60000"/>
+              <a:lumOff val="40000"/>
+            </a:schemeClr>
+          </a:solidFill>
+          <a:ln>
+            <a:solidFill>
+              <a:srgbClr val="00B050"/>
+            </a:solidFill>
+          </a:ln>
+        </p:spPr>
+        <p:style>
+          <a:lnRef idx="2">
+            <a:schemeClr val="accent1">
+              <a:shade val="50000"/>
+            </a:schemeClr>
+          </a:lnRef>
+          <a:fillRef idx="1">
+            <a:schemeClr val="accent1"/>
+          </a:fillRef>
+          <a:effectRef idx="0">
+            <a:schemeClr val="accent1"/>
+          </a:effectRef>
+          <a:fontRef idx="minor">
+            <a:schemeClr val="lt1"/>
+          </a:fontRef>
+        </p:style>
+        <p:txBody>
+          <a:bodyPr rtlCol="0" anchor="ctr"/>
+          <a:lstStyle/>
+          <a:p>
+            <a:pPr algn="ctr"/>
+            <a:r>
+              <a:rPr lang="en-US" altLang="ko-KR" sz="2000" dirty="0" smtClean="0">
+                <a:solidFill>
+                  <a:schemeClr val="tx1"/>
+                </a:solidFill>
+                <a:latin typeface="배달의민족 한나체 Pro" pitchFamily="50" charset="-127"/>
+                <a:ea typeface="배달의민족 한나체 Pro" pitchFamily="50" charset="-127"/>
+              </a:rPr>
+              <a:t>PO </a:t>
+            </a:r>
+            <a:r>
+              <a:rPr lang="ko-KR" altLang="en-US" sz="2000" dirty="0" smtClean="0">
+                <a:solidFill>
+                  <a:schemeClr val="tx1"/>
+                </a:solidFill>
+                <a:latin typeface="배달의민족 한나체 Pro" pitchFamily="50" charset="-127"/>
+                <a:ea typeface="배달의민족 한나체 Pro" pitchFamily="50" charset="-127"/>
+              </a:rPr>
+              <a:t>생성</a:t>
+            </a:r>
+            <a:endParaRPr lang="en-US" altLang="ko-KR" sz="2000" dirty="0" smtClean="0">
+              <a:solidFill>
+                <a:schemeClr val="tx1"/>
+              </a:solidFill>
+              <a:latin typeface="배달의민족 한나체 Pro" pitchFamily="50" charset="-127"/>
+              <a:ea typeface="배달의민족 한나체 Pro" pitchFamily="50" charset="-127"/>
+            </a:endParaRPr>
+          </a:p>
+          <a:p>
+            <a:pPr algn="ctr"/>
+            <a:r>
+              <a:rPr lang="ko-KR" altLang="en-US" sz="2000" dirty="0" smtClean="0">
+                <a:solidFill>
+                  <a:schemeClr val="tx1"/>
+                </a:solidFill>
+                <a:latin typeface="배달의민족 한나체 Pro" pitchFamily="50" charset="-127"/>
+                <a:ea typeface="배달의민족 한나체 Pro" pitchFamily="50" charset="-127"/>
+              </a:rPr>
+              <a:t>통합처리</a:t>
+            </a:r>
+            <a:endParaRPr lang="ko-KR" altLang="en-US" dirty="0">
+              <a:solidFill>
+                <a:schemeClr val="tx1"/>
+              </a:solidFill>
+              <a:latin typeface="배달의민족 한나체 Pro" pitchFamily="50" charset="-127"/>
+              <a:ea typeface="배달의민족 한나체 Pro" pitchFamily="50" charset="-127"/>
+            </a:endParaRPr>
+          </a:p>
+        </p:txBody>
+      </p:sp>
+      <p:sp>
+        <p:nvSpPr>
+          <p:cNvPr id="75" name="직사각형 74"/>
+          <p:cNvSpPr/>
+          <p:nvPr/>
+        </p:nvSpPr>
+        <p:spPr>
+          <a:xfrm>
+            <a:off x="251520" y="1613219"/>
+            <a:ext cx="1296144" cy="2475298"/>
+          </a:xfrm>
+          <a:prstGeom prst="rect">
+            <a:avLst/>
+          </a:prstGeom>
+          <a:noFill/>
+          <a:ln w="38100">
+            <a:solidFill>
+              <a:srgbClr val="00B050"/>
+            </a:solidFill>
+          </a:ln>
+        </p:spPr>
+        <p:style>
+          <a:lnRef idx="2">
+            <a:schemeClr val="accent1">
+              <a:shade val="50000"/>
+            </a:schemeClr>
+          </a:lnRef>
+          <a:fillRef idx="1">
+            <a:schemeClr val="accent1"/>
+          </a:fillRef>
+          <a:effectRef idx="0">
+            <a:schemeClr val="accent1"/>
+          </a:effectRef>
+          <a:fontRef idx="minor">
+            <a:schemeClr val="lt1"/>
+          </a:fontRef>
+        </p:style>
+        <p:txBody>
+          <a:bodyPr rtlCol="0" anchor="ctr"/>
+          <a:lstStyle/>
+          <a:p>
+            <a:pPr algn="ctr"/>
+            <a:endParaRPr lang="ko-KR" altLang="en-US"/>
+          </a:p>
+        </p:txBody>
+      </p:sp>
+      <p:sp>
+        <p:nvSpPr>
+          <p:cNvPr id="76" name="직사각형 75"/>
+          <p:cNvSpPr/>
+          <p:nvPr/>
+        </p:nvSpPr>
+        <p:spPr>
+          <a:xfrm>
+            <a:off x="247518" y="1613218"/>
+            <a:ext cx="1300145" cy="576801"/>
+          </a:xfrm>
+          <a:prstGeom prst="rect">
+            <a:avLst/>
+          </a:prstGeom>
+          <a:solidFill>
+            <a:schemeClr val="accent3">
+              <a:lumMod val="60000"/>
+              <a:lumOff val="40000"/>
+            </a:schemeClr>
+          </a:solidFill>
+          <a:ln>
+            <a:solidFill>
+              <a:srgbClr val="00B050"/>
+            </a:solidFill>
+          </a:ln>
+        </p:spPr>
+        <p:style>
+          <a:lnRef idx="2">
+            <a:schemeClr val="accent1">
+              <a:shade val="50000"/>
+            </a:schemeClr>
+          </a:lnRef>
+          <a:fillRef idx="1">
+            <a:schemeClr val="accent1"/>
+          </a:fillRef>
+          <a:effectRef idx="0">
+            <a:schemeClr val="accent1"/>
+          </a:effectRef>
+          <a:fontRef idx="minor">
+            <a:schemeClr val="lt1"/>
+          </a:fontRef>
+        </p:style>
+        <p:txBody>
+          <a:bodyPr rtlCol="0" anchor="ctr"/>
+          <a:lstStyle/>
+          <a:p>
+            <a:pPr algn="ctr"/>
+            <a:r>
+              <a:rPr lang="en-US" altLang="ko-KR" sz="2000" dirty="0" smtClean="0">
+                <a:solidFill>
+                  <a:schemeClr val="tx1"/>
+                </a:solidFill>
+                <a:latin typeface="배달의민족 한나체 Pro" pitchFamily="50" charset="-127"/>
+                <a:ea typeface="배달의민족 한나체 Pro" pitchFamily="50" charset="-127"/>
+              </a:rPr>
+              <a:t>SO </a:t>
+            </a:r>
+            <a:r>
+              <a:rPr lang="ko-KR" altLang="en-US" sz="2000" dirty="0" smtClean="0">
+                <a:solidFill>
+                  <a:schemeClr val="tx1"/>
+                </a:solidFill>
+                <a:latin typeface="배달의민족 한나체 Pro" pitchFamily="50" charset="-127"/>
+                <a:ea typeface="배달의민족 한나체 Pro" pitchFamily="50" charset="-127"/>
+              </a:rPr>
+              <a:t>생성</a:t>
+            </a:r>
+            <a:endParaRPr lang="en-US" altLang="ko-KR" sz="2000" dirty="0" smtClean="0">
+              <a:solidFill>
+                <a:schemeClr val="tx1"/>
+              </a:solidFill>
+              <a:latin typeface="배달의민족 한나체 Pro" pitchFamily="50" charset="-127"/>
+              <a:ea typeface="배달의민족 한나체 Pro" pitchFamily="50" charset="-127"/>
+            </a:endParaRPr>
+          </a:p>
+          <a:p>
+            <a:pPr algn="ctr"/>
+            <a:r>
+              <a:rPr lang="ko-KR" altLang="en-US" sz="2000" dirty="0" smtClean="0">
+                <a:solidFill>
+                  <a:schemeClr val="tx1"/>
+                </a:solidFill>
+                <a:latin typeface="배달의민족 한나체 Pro" pitchFamily="50" charset="-127"/>
+                <a:ea typeface="배달의민족 한나체 Pro" pitchFamily="50" charset="-127"/>
+              </a:rPr>
+              <a:t>통합처리</a:t>
+            </a:r>
+            <a:endParaRPr lang="ko-KR" altLang="en-US" dirty="0">
+              <a:solidFill>
+                <a:schemeClr val="tx1"/>
+              </a:solidFill>
+              <a:latin typeface="배달의민족 한나체 Pro" pitchFamily="50" charset="-127"/>
+              <a:ea typeface="배달의민족 한나체 Pro" pitchFamily="50" charset="-127"/>
+            </a:endParaRPr>
+          </a:p>
+        </p:txBody>
+      </p:sp>
+      <p:sp>
+        <p:nvSpPr>
+          <p:cNvPr id="90" name="직사각형 89"/>
+          <p:cNvSpPr/>
+          <p:nvPr/>
+        </p:nvSpPr>
+        <p:spPr>
+          <a:xfrm>
+            <a:off x="7388515" y="1797813"/>
+            <a:ext cx="1368152" cy="2795910"/>
+          </a:xfrm>
+          <a:prstGeom prst="rect">
+            <a:avLst/>
+          </a:prstGeom>
+          <a:noFill/>
+          <a:ln w="38100">
+            <a:solidFill>
+              <a:srgbClr val="00B050"/>
+            </a:solidFill>
+          </a:ln>
+        </p:spPr>
+        <p:style>
+          <a:lnRef idx="2">
+            <a:schemeClr val="accent1">
+              <a:shade val="50000"/>
+            </a:schemeClr>
+          </a:lnRef>
+          <a:fillRef idx="1">
+            <a:schemeClr val="accent1"/>
+          </a:fillRef>
+          <a:effectRef idx="0">
+            <a:schemeClr val="accent1"/>
+          </a:effectRef>
+          <a:fontRef idx="minor">
+            <a:schemeClr val="lt1"/>
+          </a:fontRef>
+        </p:style>
+        <p:txBody>
+          <a:bodyPr rtlCol="0" anchor="ctr"/>
+          <a:lstStyle/>
+          <a:p>
+            <a:pPr algn="ctr"/>
+            <a:endParaRPr lang="ko-KR" altLang="en-US"/>
+          </a:p>
+        </p:txBody>
+      </p:sp>
+      <p:sp>
+        <p:nvSpPr>
+          <p:cNvPr id="91" name="직사각형 90"/>
+          <p:cNvSpPr/>
+          <p:nvPr/>
+        </p:nvSpPr>
+        <p:spPr>
+          <a:xfrm>
+            <a:off x="7394360" y="1782053"/>
+            <a:ext cx="1368152" cy="578930"/>
+          </a:xfrm>
+          <a:prstGeom prst="rect">
+            <a:avLst/>
+          </a:prstGeom>
+          <a:solidFill>
+            <a:schemeClr val="accent3">
+              <a:lumMod val="60000"/>
+              <a:lumOff val="40000"/>
+            </a:schemeClr>
+          </a:solidFill>
+          <a:ln>
+            <a:solidFill>
+              <a:srgbClr val="00B050"/>
+            </a:solidFill>
+          </a:ln>
+        </p:spPr>
+        <p:style>
+          <a:lnRef idx="2">
+            <a:schemeClr val="accent1">
+              <a:shade val="50000"/>
+            </a:schemeClr>
+          </a:lnRef>
+          <a:fillRef idx="1">
+            <a:schemeClr val="accent1"/>
+          </a:fillRef>
+          <a:effectRef idx="0">
+            <a:schemeClr val="accent1"/>
+          </a:effectRef>
+          <a:fontRef idx="minor">
+            <a:schemeClr val="lt1"/>
+          </a:fontRef>
+        </p:style>
+        <p:txBody>
+          <a:bodyPr rtlCol="0" anchor="ctr"/>
+          <a:lstStyle/>
+          <a:p>
+            <a:pPr algn="ctr"/>
+            <a:r>
+              <a:rPr lang="en-US" altLang="ko-KR" sz="2000" dirty="0" smtClean="0">
+                <a:solidFill>
+                  <a:schemeClr val="tx1"/>
+                </a:solidFill>
+                <a:latin typeface="배달의민족 한나체 Pro" pitchFamily="50" charset="-127"/>
+                <a:ea typeface="배달의민족 한나체 Pro" pitchFamily="50" charset="-127"/>
+              </a:rPr>
+              <a:t>GR </a:t>
+            </a:r>
+            <a:r>
+              <a:rPr lang="ko-KR" altLang="en-US" sz="2000" dirty="0" smtClean="0">
+                <a:solidFill>
+                  <a:schemeClr val="tx1"/>
+                </a:solidFill>
+                <a:latin typeface="배달의민족 한나체 Pro" pitchFamily="50" charset="-127"/>
+                <a:ea typeface="배달의민족 한나체 Pro" pitchFamily="50" charset="-127"/>
+              </a:rPr>
+              <a:t>생성</a:t>
+            </a:r>
+            <a:endParaRPr lang="en-US" altLang="ko-KR" sz="2000" dirty="0" smtClean="0">
+              <a:solidFill>
+                <a:schemeClr val="tx1"/>
+              </a:solidFill>
+              <a:latin typeface="배달의민족 한나체 Pro" pitchFamily="50" charset="-127"/>
+              <a:ea typeface="배달의민족 한나체 Pro" pitchFamily="50" charset="-127"/>
+            </a:endParaRPr>
+          </a:p>
+          <a:p>
+            <a:pPr algn="ctr"/>
+            <a:r>
+              <a:rPr lang="ko-KR" altLang="en-US" sz="2000" dirty="0" smtClean="0">
+                <a:solidFill>
+                  <a:schemeClr val="tx1"/>
+                </a:solidFill>
+                <a:latin typeface="배달의민족 한나체 Pro" pitchFamily="50" charset="-127"/>
+                <a:ea typeface="배달의민족 한나체 Pro" pitchFamily="50" charset="-127"/>
+              </a:rPr>
+              <a:t>통합처리</a:t>
+            </a:r>
+            <a:endParaRPr lang="ko-KR" altLang="en-US" dirty="0">
+              <a:solidFill>
+                <a:schemeClr val="tx1"/>
+              </a:solidFill>
+              <a:latin typeface="배달의민족 한나체 Pro" pitchFamily="50" charset="-127"/>
+              <a:ea typeface="배달의민족 한나체 Pro" pitchFamily="50" charset="-127"/>
+            </a:endParaRPr>
+          </a:p>
+        </p:txBody>
+      </p:sp>
     </p:spTree>
     <p:extLst>
       <p:ext uri="{BB962C8B-B14F-4D97-AF65-F5344CB8AC3E}">
-        <p14:creationId xmlns:p14="http://schemas.microsoft.com/office/powerpoint/2010/main" val="2105289805"/>
+        <p14:creationId xmlns:p14="http://schemas.microsoft.com/office/powerpoint/2010/main" val="3477678373"/>
       </p:ext>
     </p:extLst>
   </p:cSld>
@@ -23674,8 +26402,9 @@
           <a:noFill/>
           <a:ln>
             <a:solidFill>
-              <a:schemeClr val="bg1">
-                <a:lumMod val="95000"/>
+              <a:schemeClr val="tx2">
+                <a:lumMod val="60000"/>
+                <a:lumOff val="40000"/>
               </a:schemeClr>
             </a:solidFill>
           </a:ln>
@@ -23701,13 +26430,7 @@
           <a:lstStyle/>
           <a:p>
             <a:pPr algn="ctr"/>
-            <a:endParaRPr lang="ko-KR" altLang="en-US">
-              <a:solidFill>
-                <a:schemeClr val="bg1">
-                  <a:lumMod val="95000"/>
-                </a:schemeClr>
-              </a:solidFill>
-            </a:endParaRPr>
+            <a:endParaRPr lang="ko-KR" altLang="en-US"/>
           </a:p>
         </p:txBody>
       </p:sp>
@@ -23943,9 +26666,7 @@
           </a:solidFill>
           <a:ln>
             <a:solidFill>
-              <a:schemeClr val="bg1">
-                <a:lumMod val="95000"/>
-              </a:schemeClr>
+              <a:schemeClr val="accent1"/>
             </a:solidFill>
           </a:ln>
         </p:spPr>
@@ -23973,9 +26694,7 @@
             <a:r>
               <a:rPr lang="en-US" altLang="ko-KR" sz="1300" b="1" dirty="0">
                 <a:solidFill>
-                  <a:schemeClr val="bg1">
-                    <a:lumMod val="95000"/>
-                  </a:schemeClr>
+                  <a:schemeClr val="tx1"/>
                 </a:solidFill>
                 <a:latin typeface="배달의민족 한나체 Pro" pitchFamily="50" charset="-127"/>
                 <a:ea typeface="배달의민족 한나체 Pro" pitchFamily="50" charset="-127"/>
@@ -23985,9 +26704,7 @@
             <a:r>
               <a:rPr lang="ko-KR" altLang="en-US" sz="1300" b="1" dirty="0">
                 <a:solidFill>
-                  <a:schemeClr val="bg1">
-                    <a:lumMod val="95000"/>
-                  </a:schemeClr>
+                  <a:schemeClr val="tx1"/>
                 </a:solidFill>
                 <a:latin typeface="배달의민족 한나체 Pro" pitchFamily="50" charset="-127"/>
                 <a:ea typeface="배달의민족 한나체 Pro" pitchFamily="50" charset="-127"/>
@@ -24016,8 +26733,9 @@
           </a:solidFill>
           <a:ln>
             <a:solidFill>
-              <a:schemeClr val="bg1">
-                <a:lumMod val="95000"/>
+              <a:schemeClr val="tx2">
+                <a:lumMod val="60000"/>
+                <a:lumOff val="40000"/>
               </a:schemeClr>
             </a:solidFill>
           </a:ln>
@@ -24046,9 +26764,7 @@
             <a:r>
               <a:rPr lang="en-US" altLang="ko-KR" sz="1600" b="1" dirty="0">
                 <a:solidFill>
-                  <a:schemeClr val="bg1">
-                    <a:lumMod val="95000"/>
-                  </a:schemeClr>
+                  <a:schemeClr val="tx1"/>
                 </a:solidFill>
                 <a:latin typeface="배달의민족 한나체 Pro" pitchFamily="50" charset="-127"/>
                 <a:ea typeface="배달의민족 한나체 Pro" pitchFamily="50" charset="-127"/>
@@ -24058,9 +26774,7 @@
             <a:r>
               <a:rPr lang="ko-KR" altLang="en-US" sz="1600" b="1" dirty="0">
                 <a:solidFill>
-                  <a:schemeClr val="bg1">
-                    <a:lumMod val="95000"/>
-                  </a:schemeClr>
+                  <a:schemeClr val="tx1"/>
                 </a:solidFill>
                 <a:latin typeface="배달의민족 한나체 Pro" pitchFamily="50" charset="-127"/>
                 <a:ea typeface="배달의민족 한나체 Pro" pitchFamily="50" charset="-127"/>
@@ -24089,8 +26803,9 @@
           </a:solidFill>
           <a:ln>
             <a:solidFill>
-              <a:schemeClr val="bg1">
-                <a:lumMod val="95000"/>
+              <a:schemeClr val="tx2">
+                <a:lumMod val="60000"/>
+                <a:lumOff val="40000"/>
               </a:schemeClr>
             </a:solidFill>
           </a:ln>
@@ -24119,9 +26834,7 @@
             <a:r>
               <a:rPr lang="en-US" altLang="ko-KR" sz="1600" b="1" dirty="0">
                 <a:solidFill>
-                  <a:schemeClr val="bg1">
-                    <a:lumMod val="95000"/>
-                  </a:schemeClr>
+                  <a:schemeClr val="tx1"/>
                 </a:solidFill>
                 <a:latin typeface="배달의민족 한나체 Pro" pitchFamily="50" charset="-127"/>
                 <a:ea typeface="배달의민족 한나체 Pro" pitchFamily="50" charset="-127"/>
@@ -24131,9 +26844,7 @@
             <a:r>
               <a:rPr lang="ko-KR" altLang="en-US" sz="1600" b="1" dirty="0">
                 <a:solidFill>
-                  <a:schemeClr val="bg1">
-                    <a:lumMod val="95000"/>
-                  </a:schemeClr>
+                  <a:schemeClr val="tx1"/>
                 </a:solidFill>
                 <a:latin typeface="배달의민족 한나체 Pro" pitchFamily="50" charset="-127"/>
                 <a:ea typeface="배달의민족 한나체 Pro" pitchFamily="50" charset="-127"/>
@@ -24162,8 +26873,9 @@
           </a:solidFill>
           <a:ln>
             <a:solidFill>
-              <a:schemeClr val="bg1">
-                <a:lumMod val="95000"/>
+              <a:schemeClr val="tx2">
+                <a:lumMod val="60000"/>
+                <a:lumOff val="40000"/>
               </a:schemeClr>
             </a:solidFill>
           </a:ln>
@@ -24192,9 +26904,7 @@
             <a:r>
               <a:rPr lang="en-US" altLang="ko-KR" b="1" dirty="0">
                 <a:solidFill>
-                  <a:schemeClr val="bg1">
-                    <a:lumMod val="95000"/>
-                  </a:schemeClr>
+                  <a:schemeClr val="tx1"/>
                 </a:solidFill>
                 <a:latin typeface="배달의민족 한나체 Pro" pitchFamily="50" charset="-127"/>
                 <a:ea typeface="배달의민족 한나체 Pro" pitchFamily="50" charset="-127"/>
@@ -24203,9 +26913,7 @@
             </a:r>
             <a:endParaRPr lang="ko-KR" altLang="en-US" b="1" dirty="0">
               <a:solidFill>
-                <a:schemeClr val="bg1">
-                  <a:lumMod val="95000"/>
-                </a:schemeClr>
+                <a:schemeClr val="tx1"/>
               </a:solidFill>
               <a:latin typeface="배달의민족 한나체 Pro" pitchFamily="50" charset="-127"/>
               <a:ea typeface="배달의민족 한나체 Pro" pitchFamily="50" charset="-127"/>
@@ -24232,8 +26940,9 @@
           </a:solidFill>
           <a:ln>
             <a:solidFill>
-              <a:schemeClr val="bg1">
-                <a:lumMod val="95000"/>
+              <a:schemeClr val="tx2">
+                <a:lumMod val="60000"/>
+                <a:lumOff val="40000"/>
               </a:schemeClr>
             </a:solidFill>
           </a:ln>
@@ -24262,9 +26971,7 @@
             <a:r>
               <a:rPr lang="en-US" altLang="ko-KR" b="1" dirty="0">
                 <a:solidFill>
-                  <a:schemeClr val="bg1">
-                    <a:lumMod val="95000"/>
-                  </a:schemeClr>
+                  <a:schemeClr val="tx1"/>
                 </a:solidFill>
                 <a:latin typeface="배달의민족 한나체 Pro" pitchFamily="50" charset="-127"/>
                 <a:ea typeface="배달의민족 한나체 Pro" pitchFamily="50" charset="-127"/>
@@ -24273,9 +26980,7 @@
             </a:r>
             <a:endParaRPr lang="ko-KR" altLang="en-US" b="1" dirty="0">
               <a:solidFill>
-                <a:schemeClr val="bg1">
-                  <a:lumMod val="95000"/>
-                </a:schemeClr>
+                <a:schemeClr val="tx1"/>
               </a:solidFill>
               <a:latin typeface="배달의민족 한나체 Pro" pitchFamily="50" charset="-127"/>
               <a:ea typeface="배달의민족 한나체 Pro" pitchFamily="50" charset="-127"/>
@@ -24885,8 +27590,9 @@
           </a:solidFill>
           <a:ln>
             <a:solidFill>
-              <a:schemeClr val="bg1">
-                <a:lumMod val="95000"/>
+              <a:schemeClr val="tx2">
+                <a:lumMod val="60000"/>
+                <a:lumOff val="40000"/>
               </a:schemeClr>
             </a:solidFill>
           </a:ln>
@@ -24915,9 +27621,7 @@
             <a:r>
               <a:rPr lang="ko-KR" altLang="en-US" b="1" dirty="0">
                 <a:solidFill>
-                  <a:schemeClr val="bg1">
-                    <a:lumMod val="95000"/>
-                  </a:schemeClr>
+                  <a:schemeClr val="tx1"/>
                 </a:solidFill>
                 <a:latin typeface="배달의민족 한나체 Pro" pitchFamily="50" charset="-127"/>
                 <a:ea typeface="배달의민족 한나체 Pro" pitchFamily="50" charset="-127"/>
@@ -24947,11 +27651,6 @@
             </a:avLst>
           </a:prstGeom>
           <a:ln w="28575">
-            <a:solidFill>
-              <a:schemeClr val="bg1">
-                <a:lumMod val="95000"/>
-              </a:schemeClr>
-            </a:solidFill>
             <a:tailEnd type="triangle"/>
           </a:ln>
         </p:spPr>
@@ -24989,8 +27688,9 @@
           </a:solidFill>
           <a:ln>
             <a:solidFill>
-              <a:schemeClr val="bg1">
-                <a:lumMod val="95000"/>
+              <a:schemeClr val="tx2">
+                <a:lumMod val="60000"/>
+                <a:lumOff val="40000"/>
               </a:schemeClr>
             </a:solidFill>
           </a:ln>
@@ -25019,9 +27719,7 @@
             <a:r>
               <a:rPr lang="en-US" altLang="ko-KR" sz="1400" b="1" dirty="0">
                 <a:solidFill>
-                  <a:schemeClr val="bg1">
-                    <a:lumMod val="95000"/>
-                  </a:schemeClr>
+                  <a:schemeClr val="tx1"/>
                 </a:solidFill>
                 <a:latin typeface="배달의민족 한나체 Pro" pitchFamily="50" charset="-127"/>
                 <a:ea typeface="배달의민족 한나체 Pro" pitchFamily="50" charset="-127"/>
@@ -25031,9 +27729,7 @@
             <a:r>
               <a:rPr lang="ko-KR" altLang="en-US" sz="1400" b="1" dirty="0">
                 <a:solidFill>
-                  <a:schemeClr val="bg1">
-                    <a:lumMod val="95000"/>
-                  </a:schemeClr>
+                  <a:schemeClr val="tx1"/>
                 </a:solidFill>
                 <a:latin typeface="배달의민족 한나체 Pro" pitchFamily="50" charset="-127"/>
                 <a:ea typeface="배달의민족 한나체 Pro" pitchFamily="50" charset="-127"/>
@@ -25042,9 +27738,7 @@
             </a:r>
             <a:endParaRPr lang="en-US" altLang="ko-KR" sz="1400" b="1" dirty="0">
               <a:solidFill>
-                <a:schemeClr val="bg1">
-                  <a:lumMod val="95000"/>
-                </a:schemeClr>
+                <a:schemeClr val="tx1"/>
               </a:solidFill>
               <a:latin typeface="배달의민족 한나체 Pro" pitchFamily="50" charset="-127"/>
               <a:ea typeface="배달의민족 한나체 Pro" pitchFamily="50" charset="-127"/>
@@ -25055,9 +27749,7 @@
             <a:r>
               <a:rPr lang="ko-KR" altLang="en-US" sz="1400" b="1" dirty="0">
                 <a:solidFill>
-                  <a:schemeClr val="bg1">
-                    <a:lumMod val="95000"/>
-                  </a:schemeClr>
+                  <a:schemeClr val="tx1"/>
                 </a:solidFill>
                 <a:latin typeface="배달의민족 한나체 Pro" pitchFamily="50" charset="-127"/>
                 <a:ea typeface="배달의민족 한나체 Pro" pitchFamily="50" charset="-127"/>
@@ -25086,8 +27778,9 @@
           </a:prstGeom>
           <a:ln w="28575">
             <a:solidFill>
-              <a:schemeClr val="bg1">
-                <a:lumMod val="95000"/>
+              <a:schemeClr val="tx2">
+                <a:lumMod val="60000"/>
+                <a:lumOff val="40000"/>
               </a:schemeClr>
             </a:solidFill>
             <a:tailEnd type="arrow"/>
@@ -25127,8 +27820,9 @@
           </a:prstGeom>
           <a:ln w="28575">
             <a:solidFill>
-              <a:schemeClr val="bg1">
-                <a:lumMod val="95000"/>
+              <a:schemeClr val="tx2">
+                <a:lumMod val="60000"/>
+                <a:lumOff val="40000"/>
               </a:schemeClr>
             </a:solidFill>
             <a:tailEnd type="arrow"/>
@@ -25241,8 +27935,9 @@
           </a:solidFill>
           <a:ln>
             <a:solidFill>
-              <a:schemeClr val="bg1">
-                <a:lumMod val="95000"/>
+              <a:schemeClr val="tx2">
+                <a:lumMod val="60000"/>
+                <a:lumOff val="40000"/>
               </a:schemeClr>
             </a:solidFill>
           </a:ln>
@@ -25271,9 +27966,7 @@
             <a:r>
               <a:rPr lang="en-US" altLang="ko-KR" dirty="0">
                 <a:solidFill>
-                  <a:schemeClr val="bg1">
-                    <a:lumMod val="95000"/>
-                  </a:schemeClr>
+                  <a:schemeClr val="tx1"/>
                 </a:solidFill>
                 <a:latin typeface="배달의민족 한나체 Pro" pitchFamily="50" charset="-127"/>
                 <a:ea typeface="배달의민족 한나체 Pro" pitchFamily="50" charset="-127"/>
@@ -25283,9 +27976,7 @@
             <a:r>
               <a:rPr lang="ko-KR" altLang="en-US" sz="1600" b="1" dirty="0">
                 <a:solidFill>
-                  <a:schemeClr val="bg1">
-                    <a:lumMod val="95000"/>
-                  </a:schemeClr>
+                  <a:schemeClr val="tx1"/>
                 </a:solidFill>
                 <a:latin typeface="배달의민족 한나체 Pro" pitchFamily="50" charset="-127"/>
                 <a:ea typeface="배달의민족 한나체 Pro" pitchFamily="50" charset="-127"/>
@@ -25314,8 +28005,9 @@
           </a:solidFill>
           <a:ln>
             <a:solidFill>
-              <a:schemeClr val="bg1">
-                <a:lumMod val="95000"/>
+              <a:schemeClr val="tx2">
+                <a:lumMod val="60000"/>
+                <a:lumOff val="40000"/>
               </a:schemeClr>
             </a:solidFill>
           </a:ln>
@@ -25344,9 +28036,7 @@
             <a:r>
               <a:rPr lang="en-US" altLang="ko-KR" sz="1600" b="1" dirty="0">
                 <a:solidFill>
-                  <a:schemeClr val="bg1">
-                    <a:lumMod val="95000"/>
-                  </a:schemeClr>
+                  <a:schemeClr val="tx1"/>
                 </a:solidFill>
                 <a:latin typeface="배달의민족 한나체 Pro" pitchFamily="50" charset="-127"/>
                 <a:ea typeface="배달의민족 한나체 Pro" pitchFamily="50" charset="-127"/>
@@ -25356,9 +28046,7 @@
             <a:r>
               <a:rPr lang="ko-KR" altLang="en-US" sz="1600" b="1" dirty="0">
                 <a:solidFill>
-                  <a:schemeClr val="bg1">
-                    <a:lumMod val="95000"/>
-                  </a:schemeClr>
+                  <a:schemeClr val="tx1"/>
                 </a:solidFill>
                 <a:latin typeface="배달의민족 한나체 Pro" pitchFamily="50" charset="-127"/>
                 <a:ea typeface="배달의민족 한나체 Pro" pitchFamily="50" charset="-127"/>
@@ -25367,9 +28055,7 @@
             </a:r>
             <a:endParaRPr lang="en-US" altLang="ko-KR" sz="1600" b="1" dirty="0">
               <a:solidFill>
-                <a:schemeClr val="bg1">
-                  <a:lumMod val="95000"/>
-                </a:schemeClr>
+                <a:schemeClr val="tx1"/>
               </a:solidFill>
               <a:latin typeface="배달의민족 한나체 Pro" pitchFamily="50" charset="-127"/>
               <a:ea typeface="배달의민족 한나체 Pro" pitchFamily="50" charset="-127"/>
@@ -25396,8 +28082,9 @@
           </a:prstGeom>
           <a:ln w="28575">
             <a:solidFill>
-              <a:schemeClr val="bg1">
-                <a:lumMod val="95000"/>
+              <a:schemeClr val="tx2">
+                <a:lumMod val="60000"/>
+                <a:lumOff val="40000"/>
               </a:schemeClr>
             </a:solidFill>
             <a:tailEnd type="arrow"/>
@@ -25438,11 +28125,6 @@
             </a:avLst>
           </a:prstGeom>
           <a:ln w="28575">
-            <a:solidFill>
-              <a:schemeClr val="bg1">
-                <a:lumMod val="95000"/>
-              </a:schemeClr>
-            </a:solidFill>
             <a:tailEnd type="triangle"/>
           </a:ln>
         </p:spPr>
@@ -25480,8 +28162,9 @@
           </a:prstGeom>
           <a:ln w="28575">
             <a:solidFill>
-              <a:schemeClr val="bg1">
-                <a:lumMod val="95000"/>
+              <a:schemeClr val="tx2">
+                <a:lumMod val="60000"/>
+                <a:lumOff val="40000"/>
               </a:schemeClr>
             </a:solidFill>
             <a:tailEnd type="arrow"/>
@@ -25521,8 +28204,9 @@
           </a:solidFill>
           <a:ln>
             <a:solidFill>
-              <a:schemeClr val="bg1">
-                <a:lumMod val="95000"/>
+              <a:schemeClr val="tx2">
+                <a:lumMod val="60000"/>
+                <a:lumOff val="40000"/>
               </a:schemeClr>
             </a:solidFill>
           </a:ln>
@@ -25551,9 +28235,7 @@
             <a:r>
               <a:rPr lang="en-US" altLang="ko-KR" sz="1600" b="1" dirty="0">
                 <a:solidFill>
-                  <a:schemeClr val="bg1">
-                    <a:lumMod val="95000"/>
-                  </a:schemeClr>
+                  <a:schemeClr val="tx1"/>
                 </a:solidFill>
                 <a:latin typeface="배달의민족 한나체 Pro" pitchFamily="50" charset="-127"/>
                 <a:ea typeface="배달의민족 한나체 Pro" pitchFamily="50" charset="-127"/>
@@ -25563,9 +28245,7 @@
             <a:r>
               <a:rPr lang="ko-KR" altLang="en-US" sz="1600" b="1" dirty="0">
                 <a:solidFill>
-                  <a:schemeClr val="bg1">
-                    <a:lumMod val="95000"/>
-                  </a:schemeClr>
+                  <a:schemeClr val="tx1"/>
                 </a:solidFill>
                 <a:latin typeface="배달의민족 한나체 Pro" pitchFamily="50" charset="-127"/>
                 <a:ea typeface="배달의민족 한나체 Pro" pitchFamily="50" charset="-127"/>
@@ -25594,8 +28274,9 @@
           </a:prstGeom>
           <a:ln w="28575">
             <a:solidFill>
-              <a:schemeClr val="bg1">
-                <a:lumMod val="95000"/>
+              <a:schemeClr val="tx2">
+                <a:lumMod val="60000"/>
+                <a:lumOff val="40000"/>
               </a:schemeClr>
             </a:solidFill>
             <a:tailEnd type="arrow"/>
@@ -25635,8 +28316,9 @@
           </a:prstGeom>
           <a:ln w="28575">
             <a:solidFill>
-              <a:schemeClr val="bg1">
-                <a:lumMod val="95000"/>
+              <a:schemeClr val="tx2">
+                <a:lumMod val="60000"/>
+                <a:lumOff val="40000"/>
               </a:schemeClr>
             </a:solidFill>
             <a:tailEnd type="arrow"/>
@@ -25741,11 +28423,6 @@
             </a:avLst>
           </a:prstGeom>
           <a:ln w="28575">
-            <a:solidFill>
-              <a:schemeClr val="bg1">
-                <a:lumMod val="95000"/>
-              </a:schemeClr>
-            </a:solidFill>
             <a:tailEnd type="triangle"/>
           </a:ln>
         </p:spPr>
@@ -25804,155 +28481,10 @@
           </a:fontRef>
         </p:style>
       </p:cxnSp>
-      <p:sp>
-        <p:nvSpPr>
-          <p:cNvPr id="2" name="TextBox 1">
-            <a:extLst>
-              <a:ext uri="{FF2B5EF4-FFF2-40B4-BE49-F238E27FC236}">
-                <a16:creationId xmlns:a16="http://schemas.microsoft.com/office/drawing/2014/main" id="{214E7FCE-BF80-4C57-B1B4-463CAAC4BE3C}"/>
-              </a:ext>
-            </a:extLst>
-          </p:cNvPr>
-          <p:cNvSpPr txBox="1"/>
-          <p:nvPr/>
-        </p:nvSpPr>
-        <p:spPr>
-          <a:xfrm>
-            <a:off x="1669802" y="1405206"/>
-            <a:ext cx="6646614" cy="646331"/>
-          </a:xfrm>
-          <a:prstGeom prst="rect">
-            <a:avLst/>
-          </a:prstGeom>
-          <a:noFill/>
-        </p:spPr>
-        <p:txBody>
-          <a:bodyPr wrap="square" rtlCol="0">
-            <a:spAutoFit/>
-          </a:bodyPr>
-          <a:lstStyle/>
-          <a:p>
-            <a:r>
-              <a:rPr lang="ko-KR" altLang="en-US" dirty="0">
-                <a:solidFill>
-                  <a:srgbClr val="0070C0"/>
-                </a:solidFill>
-              </a:rPr>
-              <a:t>이메일로 받는 주문서를 </a:t>
-            </a:r>
-            <a:r>
-              <a:rPr lang="en-US" altLang="ko-KR" dirty="0">
-                <a:solidFill>
-                  <a:srgbClr val="0070C0"/>
-                </a:solidFill>
-              </a:rPr>
-              <a:t>RPA</a:t>
-            </a:r>
-            <a:r>
-              <a:rPr lang="ko-KR" altLang="en-US" dirty="0">
-                <a:solidFill>
-                  <a:srgbClr val="0070C0"/>
-                </a:solidFill>
-              </a:rPr>
-              <a:t>를 이용해 다운로드 함으로써</a:t>
-            </a:r>
-            <a:endParaRPr lang="en-US" altLang="ko-KR" dirty="0">
-              <a:solidFill>
-                <a:srgbClr val="0070C0"/>
-              </a:solidFill>
-            </a:endParaRPr>
-          </a:p>
-          <a:p>
-            <a:r>
-              <a:rPr lang="ko-KR" altLang="en-US" dirty="0">
-                <a:solidFill>
-                  <a:srgbClr val="0070C0"/>
-                </a:solidFill>
-              </a:rPr>
-              <a:t>업무 자동화</a:t>
-            </a:r>
-          </a:p>
-        </p:txBody>
-      </p:sp>
-      <p:sp>
-        <p:nvSpPr>
-          <p:cNvPr id="42" name="TextBox 41">
-            <a:extLst>
-              <a:ext uri="{FF2B5EF4-FFF2-40B4-BE49-F238E27FC236}">
-                <a16:creationId xmlns:a16="http://schemas.microsoft.com/office/drawing/2014/main" id="{8C4CE3A1-90A1-4214-90C7-323E475C6220}"/>
-              </a:ext>
-            </a:extLst>
-          </p:cNvPr>
-          <p:cNvSpPr txBox="1"/>
-          <p:nvPr/>
-        </p:nvSpPr>
-        <p:spPr>
-          <a:xfrm>
-            <a:off x="1731997" y="2321625"/>
-            <a:ext cx="6646614" cy="646331"/>
-          </a:xfrm>
-          <a:prstGeom prst="rect">
-            <a:avLst/>
-          </a:prstGeom>
-          <a:noFill/>
-        </p:spPr>
-        <p:txBody>
-          <a:bodyPr wrap="square" rtlCol="0">
-            <a:spAutoFit/>
-          </a:bodyPr>
-          <a:lstStyle/>
-          <a:p>
-            <a:r>
-              <a:rPr lang="ko-KR" altLang="en-US" dirty="0">
-                <a:solidFill>
-                  <a:srgbClr val="0070C0"/>
-                </a:solidFill>
-              </a:rPr>
-              <a:t>이미지 양식의 주문서를 </a:t>
-            </a:r>
-            <a:r>
-              <a:rPr lang="en-US" altLang="ko-KR" dirty="0">
-                <a:solidFill>
-                  <a:srgbClr val="0070C0"/>
-                </a:solidFill>
-              </a:rPr>
-              <a:t>OCR</a:t>
-            </a:r>
-            <a:r>
-              <a:rPr lang="ko-KR" altLang="en-US" dirty="0">
-                <a:solidFill>
-                  <a:srgbClr val="0070C0"/>
-                </a:solidFill>
-              </a:rPr>
-              <a:t>을 이용해 엑셀 데이터로 변환</a:t>
-            </a:r>
-            <a:endParaRPr lang="en-US" altLang="ko-KR" dirty="0">
-              <a:solidFill>
-                <a:srgbClr val="0070C0"/>
-              </a:solidFill>
-            </a:endParaRPr>
-          </a:p>
-          <a:p>
-            <a:r>
-              <a:rPr lang="ko-KR" altLang="en-US" dirty="0">
-                <a:solidFill>
-                  <a:srgbClr val="0070C0"/>
-                </a:solidFill>
-              </a:rPr>
-              <a:t>엑셀을 업로드하여 시스템에 판매 오더 대량 일괄 등록</a:t>
-            </a:r>
-            <a:endParaRPr lang="en-US" altLang="ko-KR" dirty="0">
-              <a:solidFill>
-                <a:srgbClr val="0070C0"/>
-              </a:solidFill>
-            </a:endParaRPr>
-          </a:p>
-        </p:txBody>
-      </p:sp>
     </p:spTree>
     <p:extLst>
       <p:ext uri="{BB962C8B-B14F-4D97-AF65-F5344CB8AC3E}">
-        <p14:creationId xmlns:p14="http://schemas.microsoft.com/office/powerpoint/2010/main" val="342817766"/>
+        <p14:creationId xmlns:p14="http://schemas.microsoft.com/office/powerpoint/2010/main" val="2105289805"/>
       </p:ext>
     </p:extLst>
   </p:cSld>
@@ -26152,8 +28684,9 @@
           </a:solidFill>
           <a:ln>
             <a:solidFill>
-              <a:schemeClr val="bg1">
-                <a:lumMod val="95000"/>
+              <a:schemeClr val="tx2">
+                <a:lumMod val="60000"/>
+                <a:lumOff val="40000"/>
               </a:schemeClr>
             </a:solidFill>
           </a:ln>
@@ -26182,9 +28715,7 @@
             <a:r>
               <a:rPr lang="en-US" altLang="ko-KR" b="1" dirty="0">
                 <a:solidFill>
-                  <a:schemeClr val="bg1">
-                    <a:lumMod val="95000"/>
-                  </a:schemeClr>
+                  <a:schemeClr val="tx1"/>
                 </a:solidFill>
                 <a:latin typeface="배달의민족 한나체 Pro" pitchFamily="50" charset="-127"/>
                 <a:ea typeface="배달의민족 한나체 Pro" pitchFamily="50" charset="-127"/>
@@ -26194,9 +28725,7 @@
             <a:r>
               <a:rPr lang="ko-KR" altLang="en-US" sz="1600" b="1" dirty="0">
                 <a:solidFill>
-                  <a:schemeClr val="bg1">
-                    <a:lumMod val="95000"/>
-                  </a:schemeClr>
+                  <a:schemeClr val="tx1"/>
                 </a:solidFill>
                 <a:latin typeface="배달의민족 한나체 Pro" pitchFamily="50" charset="-127"/>
                 <a:ea typeface="배달의민족 한나체 Pro" pitchFamily="50" charset="-127"/>
@@ -26225,8 +28754,9 @@
           </a:solidFill>
           <a:ln>
             <a:solidFill>
-              <a:schemeClr val="bg1">
-                <a:lumMod val="95000"/>
+              <a:schemeClr val="tx2">
+                <a:lumMod val="60000"/>
+                <a:lumOff val="40000"/>
               </a:schemeClr>
             </a:solidFill>
           </a:ln>
@@ -26255,9 +28785,7 @@
             <a:r>
               <a:rPr lang="en-US" altLang="ko-KR" sz="1600" b="1" dirty="0">
                 <a:solidFill>
-                  <a:schemeClr val="bg1">
-                    <a:lumMod val="95000"/>
-                  </a:schemeClr>
+                  <a:schemeClr val="tx1"/>
                 </a:solidFill>
                 <a:latin typeface="배달의민족 한나체 Pro" pitchFamily="50" charset="-127"/>
                 <a:ea typeface="배달의민족 한나체 Pro" pitchFamily="50" charset="-127"/>
@@ -26267,9 +28795,7 @@
             <a:r>
               <a:rPr lang="ko-KR" altLang="en-US" sz="1600" b="1" dirty="0">
                 <a:solidFill>
-                  <a:schemeClr val="bg1">
-                    <a:lumMod val="95000"/>
-                  </a:schemeClr>
+                  <a:schemeClr val="tx1"/>
                 </a:solidFill>
                 <a:latin typeface="배달의민족 한나체 Pro" pitchFamily="50" charset="-127"/>
                 <a:ea typeface="배달의민족 한나체 Pro" pitchFamily="50" charset="-127"/>
@@ -26371,7 +28897,9 @@
           </a:solidFill>
           <a:ln>
             <a:solidFill>
-              <a:schemeClr val="accent1"/>
+              <a:schemeClr val="bg1">
+                <a:lumMod val="95000"/>
+              </a:schemeClr>
             </a:solidFill>
           </a:ln>
         </p:spPr>
@@ -26399,7 +28927,9 @@
             <a:r>
               <a:rPr lang="en-US" altLang="ko-KR" sz="1300" b="1" dirty="0">
                 <a:solidFill>
-                  <a:schemeClr val="tx1"/>
+                  <a:schemeClr val="bg1">
+                    <a:lumMod val="95000"/>
+                  </a:schemeClr>
                 </a:solidFill>
                 <a:latin typeface="배달의민족 한나체 Pro" pitchFamily="50" charset="-127"/>
                 <a:ea typeface="배달의민족 한나체 Pro" pitchFamily="50" charset="-127"/>
@@ -26409,7 +28939,9 @@
             <a:r>
               <a:rPr lang="ko-KR" altLang="en-US" sz="1300" b="1" dirty="0">
                 <a:solidFill>
-                  <a:schemeClr val="tx1"/>
+                  <a:schemeClr val="bg1">
+                    <a:lumMod val="95000"/>
+                  </a:schemeClr>
                 </a:solidFill>
                 <a:latin typeface="배달의민족 한나체 Pro" pitchFamily="50" charset="-127"/>
                 <a:ea typeface="배달의민족 한나체 Pro" pitchFamily="50" charset="-127"/>
@@ -26438,9 +28970,8 @@
           </a:solidFill>
           <a:ln>
             <a:solidFill>
-              <a:schemeClr val="tx2">
-                <a:lumMod val="60000"/>
-                <a:lumOff val="40000"/>
+              <a:schemeClr val="bg1">
+                <a:lumMod val="95000"/>
               </a:schemeClr>
             </a:solidFill>
           </a:ln>
@@ -26469,7 +29000,9 @@
             <a:r>
               <a:rPr lang="en-US" altLang="ko-KR" sz="1600" b="1" dirty="0">
                 <a:solidFill>
-                  <a:schemeClr val="tx1"/>
+                  <a:schemeClr val="bg1">
+                    <a:lumMod val="95000"/>
+                  </a:schemeClr>
                 </a:solidFill>
                 <a:latin typeface="배달의민족 한나체 Pro" pitchFamily="50" charset="-127"/>
                 <a:ea typeface="배달의민족 한나체 Pro" pitchFamily="50" charset="-127"/>
@@ -26479,7 +29012,9 @@
             <a:r>
               <a:rPr lang="ko-KR" altLang="en-US" sz="1600" b="1" dirty="0">
                 <a:solidFill>
-                  <a:schemeClr val="tx1"/>
+                  <a:schemeClr val="bg1">
+                    <a:lumMod val="95000"/>
+                  </a:schemeClr>
                 </a:solidFill>
                 <a:latin typeface="배달의민족 한나체 Pro" pitchFamily="50" charset="-127"/>
                 <a:ea typeface="배달의민족 한나체 Pro" pitchFamily="50" charset="-127"/>
@@ -26937,8 +29472,9 @@
           </a:prstGeom>
           <a:ln w="28575">
             <a:solidFill>
-              <a:schemeClr val="bg1">
-                <a:lumMod val="95000"/>
+              <a:schemeClr val="tx2">
+                <a:lumMod val="60000"/>
+                <a:lumOff val="40000"/>
               </a:schemeClr>
             </a:solidFill>
             <a:tailEnd type="arrow"/>
@@ -27407,9 +29943,8 @@
           </a:solidFill>
           <a:ln>
             <a:solidFill>
-              <a:schemeClr val="tx2">
-                <a:lumMod val="60000"/>
-                <a:lumOff val="40000"/>
+              <a:schemeClr val="bg1">
+                <a:lumMod val="95000"/>
               </a:schemeClr>
             </a:solidFill>
           </a:ln>
@@ -27438,7 +29973,9 @@
             <a:r>
               <a:rPr lang="en-US" altLang="ko-KR" sz="1400" b="1" dirty="0">
                 <a:solidFill>
-                  <a:schemeClr val="tx1"/>
+                  <a:schemeClr val="bg1">
+                    <a:lumMod val="95000"/>
+                  </a:schemeClr>
                 </a:solidFill>
                 <a:latin typeface="배달의민족 한나체 Pro" pitchFamily="50" charset="-127"/>
                 <a:ea typeface="배달의민족 한나체 Pro" pitchFamily="50" charset="-127"/>
@@ -27448,7 +29985,9 @@
             <a:r>
               <a:rPr lang="ko-KR" altLang="en-US" sz="1400" b="1" dirty="0">
                 <a:solidFill>
-                  <a:schemeClr val="tx1"/>
+                  <a:schemeClr val="bg1">
+                    <a:lumMod val="95000"/>
+                  </a:schemeClr>
                 </a:solidFill>
                 <a:latin typeface="배달의민족 한나체 Pro" pitchFamily="50" charset="-127"/>
                 <a:ea typeface="배달의민족 한나체 Pro" pitchFamily="50" charset="-127"/>
@@ -27457,7 +29996,9 @@
             </a:r>
             <a:endParaRPr lang="en-US" altLang="ko-KR" sz="1400" b="1" dirty="0">
               <a:solidFill>
-                <a:schemeClr val="tx1"/>
+                <a:schemeClr val="bg1">
+                  <a:lumMod val="95000"/>
+                </a:schemeClr>
               </a:solidFill>
               <a:latin typeface="배달의민족 한나체 Pro" pitchFamily="50" charset="-127"/>
               <a:ea typeface="배달의민족 한나체 Pro" pitchFamily="50" charset="-127"/>
@@ -27468,7 +30009,9 @@
             <a:r>
               <a:rPr lang="ko-KR" altLang="en-US" sz="1400" b="1" dirty="0">
                 <a:solidFill>
-                  <a:schemeClr val="tx1"/>
+                  <a:schemeClr val="bg1">
+                    <a:lumMod val="95000"/>
+                  </a:schemeClr>
                 </a:solidFill>
                 <a:latin typeface="배달의민족 한나체 Pro" pitchFamily="50" charset="-127"/>
                 <a:ea typeface="배달의민족 한나체 Pro" pitchFamily="50" charset="-127"/>
@@ -27497,9 +30040,8 @@
           </a:prstGeom>
           <a:ln w="28575">
             <a:solidFill>
-              <a:schemeClr val="tx2">
-                <a:lumMod val="60000"/>
-                <a:lumOff val="40000"/>
+              <a:schemeClr val="bg1">
+                <a:lumMod val="95000"/>
               </a:schemeClr>
             </a:solidFill>
             <a:tailEnd type="arrow"/>
@@ -27539,9 +30081,8 @@
           </a:prstGeom>
           <a:ln w="28575">
             <a:solidFill>
-              <a:schemeClr val="tx2">
-                <a:lumMod val="60000"/>
-                <a:lumOff val="40000"/>
+              <a:schemeClr val="bg1">
+                <a:lumMod val="95000"/>
               </a:schemeClr>
             </a:solidFill>
             <a:tailEnd type="arrow"/>
@@ -28219,10 +30760,10 @@
       </p:cxnSp>
       <p:sp>
         <p:nvSpPr>
-          <p:cNvPr id="42" name="TextBox 41">
+          <p:cNvPr id="2" name="TextBox 1">
             <a:extLst>
               <a:ext uri="{FF2B5EF4-FFF2-40B4-BE49-F238E27FC236}">
-                <a16:creationId xmlns:a16="http://schemas.microsoft.com/office/drawing/2014/main" id="{8C6873D8-41F4-4166-83EE-53DEEDBA15C4}"/>
+                <a16:creationId xmlns:a16="http://schemas.microsoft.com/office/drawing/2014/main" xmlns="" id="{214E7FCE-BF80-4C57-B1B4-463CAAC4BE3C}"/>
               </a:ext>
             </a:extLst>
           </p:cNvPr>
@@ -28231,8 +30772,8 @@
         </p:nvSpPr>
         <p:spPr>
           <a:xfrm>
-            <a:off x="250984" y="1119500"/>
-            <a:ext cx="6454483" cy="646331"/>
+            <a:off x="1669802" y="1405206"/>
+            <a:ext cx="6646614" cy="646331"/>
           </a:xfrm>
           <a:prstGeom prst="rect">
             <a:avLst/>
@@ -28251,7 +30792,7 @@
                   <a:srgbClr val="0070C0"/>
                 </a:solidFill>
               </a:rPr>
-              <a:t>생성된 판매 오더를 토대로</a:t>
+              <a:t>이메일로 받는 주문서를 </a:t>
             </a:r>
             <a:r>
               <a:rPr lang="en-US" altLang="ko-KR" dirty="0">
@@ -28259,23 +30800,15 @@
                   <a:srgbClr val="0070C0"/>
                 </a:solidFill>
               </a:rPr>
-              <a:t> </a:t>
-            </a:r>
-            <a:r>
-              <a:rPr lang="ko-KR" altLang="en-US" dirty="0" err="1">
+              <a:t>RPA</a:t>
+            </a:r>
+            <a:r>
+              <a:rPr lang="ko-KR" altLang="en-US" dirty="0">
                 <a:solidFill>
                   <a:srgbClr val="0070C0"/>
                 </a:solidFill>
               </a:rPr>
-              <a:t>자재별</a:t>
-            </a:r>
-            <a:r>
-              <a:rPr lang="ko-KR" altLang="en-US" dirty="0">
-                <a:solidFill>
-                  <a:srgbClr val="0070C0"/>
-                </a:solidFill>
-              </a:rPr>
-              <a:t> 사용량을 계산하여 </a:t>
+              <a:t>를 이용해 다운로드 함으로써</a:t>
             </a:r>
             <a:endParaRPr lang="en-US" altLang="ko-KR" dirty="0">
               <a:solidFill>
@@ -28290,7 +30823,62 @@
                   <a:srgbClr val="0070C0"/>
                 </a:solidFill>
               </a:rPr>
-              <a:t>사용자가 보기 쉽게 시각화</a:t>
+              <a:t>업무 자동화</a:t>
+            </a:r>
+          </a:p>
+        </p:txBody>
+      </p:sp>
+      <p:sp>
+        <p:nvSpPr>
+          <p:cNvPr id="42" name="TextBox 41">
+            <a:extLst>
+              <a:ext uri="{FF2B5EF4-FFF2-40B4-BE49-F238E27FC236}">
+                <a16:creationId xmlns:a16="http://schemas.microsoft.com/office/drawing/2014/main" xmlns="" id="{8C4CE3A1-90A1-4214-90C7-323E475C6220}"/>
+              </a:ext>
+            </a:extLst>
+          </p:cNvPr>
+          <p:cNvSpPr txBox="1"/>
+          <p:nvPr/>
+        </p:nvSpPr>
+        <p:spPr>
+          <a:xfrm>
+            <a:off x="1731997" y="2321625"/>
+            <a:ext cx="6646614" cy="646331"/>
+          </a:xfrm>
+          <a:prstGeom prst="rect">
+            <a:avLst/>
+          </a:prstGeom>
+          <a:noFill/>
+        </p:spPr>
+        <p:txBody>
+          <a:bodyPr wrap="square" rtlCol="0">
+            <a:spAutoFit/>
+          </a:bodyPr>
+          <a:lstStyle/>
+          <a:p>
+            <a:r>
+              <a:rPr lang="ko-KR" altLang="en-US" dirty="0">
+                <a:solidFill>
+                  <a:srgbClr val="0070C0"/>
+                </a:solidFill>
+              </a:rPr>
+              <a:t>이미지 양식의 주문서를 </a:t>
+            </a:r>
+            <a:r>
+              <a:rPr lang="en-US" altLang="ko-KR" dirty="0">
+                <a:solidFill>
+                  <a:srgbClr val="0070C0"/>
+                </a:solidFill>
+              </a:rPr>
+              <a:t>OCR</a:t>
+            </a:r>
+            <a:r>
+              <a:rPr lang="ko-KR" altLang="en-US" dirty="0">
+                <a:solidFill>
+                  <a:srgbClr val="0070C0"/>
+                </a:solidFill>
+              </a:rPr>
+              <a:t>을 이용해 엑셀 데이터로 변환</a:t>
             </a:r>
             <a:endParaRPr lang="en-US" altLang="ko-KR" dirty="0">
               <a:solidFill>
@@ -28298,35 +30886,6 @@
               </a:solidFill>
             </a:endParaRPr>
           </a:p>
-        </p:txBody>
-      </p:sp>
-      <p:sp>
-        <p:nvSpPr>
-          <p:cNvPr id="43" name="TextBox 42">
-            <a:extLst>
-              <a:ext uri="{FF2B5EF4-FFF2-40B4-BE49-F238E27FC236}">
-                <a16:creationId xmlns:a16="http://schemas.microsoft.com/office/drawing/2014/main" id="{8741F547-3047-4B25-BEDF-81592DC66198}"/>
-              </a:ext>
-            </a:extLst>
-          </p:cNvPr>
-          <p:cNvSpPr txBox="1"/>
-          <p:nvPr/>
-        </p:nvSpPr>
-        <p:spPr>
-          <a:xfrm>
-            <a:off x="4318041" y="4627827"/>
-            <a:ext cx="4383976" cy="646331"/>
-          </a:xfrm>
-          <a:prstGeom prst="rect">
-            <a:avLst/>
-          </a:prstGeom>
-          <a:noFill/>
-        </p:spPr>
-        <p:txBody>
-          <a:bodyPr wrap="square" rtlCol="0">
-            <a:spAutoFit/>
-          </a:bodyPr>
-          <a:lstStyle/>
           <a:p>
             <a:r>
               <a:rPr lang="ko-KR" altLang="en-US" dirty="0">
@@ -28334,7 +30893,7 @@
                   <a:srgbClr val="0070C0"/>
                 </a:solidFill>
               </a:rPr>
-              <a:t>사용자가 별도의 입력 작업 없이 선택된 항목에 대한 구매 요청 자동 생성</a:t>
+              <a:t>엑셀을 업로드하여 시스템에 판매 오더 대량 일괄 등록</a:t>
             </a:r>
             <a:endParaRPr lang="en-US" altLang="ko-KR" dirty="0">
               <a:solidFill>
@@ -28347,7 +30906,7 @@
     </p:spTree>
     <p:extLst>
       <p:ext uri="{BB962C8B-B14F-4D97-AF65-F5344CB8AC3E}">
-        <p14:creationId xmlns:p14="http://schemas.microsoft.com/office/powerpoint/2010/main" val="512156778"/>
+        <p14:creationId xmlns:p14="http://schemas.microsoft.com/office/powerpoint/2010/main" val="342817766"/>
       </p:ext>
     </p:extLst>
   </p:cSld>
